--- a/Telecom Customer Churn/Telco Churn Presentation.pptx
+++ b/Telecom Customer Churn/Telco Churn Presentation.pptx
@@ -115,6 +115,11 @@
       </a:defRPr>
     </a:lvl9pPr>
   </p:defaultTextStyle>
+  <p:extLst>
+    <p:ext uri="{EFAFB233-063F-42B5-8137-9DF3F51BA10A}">
+      <p15:sldGuideLst xmlns:p15="http://schemas.microsoft.com/office/powerpoint/2012/main"/>
+    </p:ext>
+  </p:extLst>
 </p:presentation>
 </file>
 
@@ -123,11 +128,11 @@
 </file>
 
 <file path=ppt/diagrams/colors1.xml><?xml version="1.0" encoding="utf-8"?>
-<dgm:colorsDef xmlns:dgm="http://schemas.openxmlformats.org/drawingml/2006/diagram" xmlns:a="http://schemas.openxmlformats.org/drawingml/2006/main" uniqueId="urn:microsoft.com/office/officeart/2005/8/colors/ColorSchemeForSuggestions">
-  <dgm:title val="Color Scheme for Suggestions"/>
-  <dgm:desc val="Color Scheme for Suggestions"/>
+<dgm:colorsDef xmlns:dgm="http://schemas.openxmlformats.org/drawingml/2006/diagram" xmlns:a="http://schemas.openxmlformats.org/drawingml/2006/main" uniqueId="urn:microsoft.com/office/officeart/2005/8/colors/colorful2">
+  <dgm:title val=""/>
+  <dgm:desc val=""/>
   <dgm:catLst>
-    <dgm:cat type="Other" pri="2"/>
+    <dgm:cat type="colorful" pri="10200"/>
   </dgm:catLst>
   <dgm:styleLbl name="node0">
     <dgm:fillClrLst meth="repeat">
@@ -141,21 +146,10 @@
     <dgm:txFillClrLst/>
     <dgm:txEffectClrLst/>
   </dgm:styleLbl>
-  <dgm:styleLbl name="alignNode1">
-    <dgm:fillClrLst meth="repeat">
-      <a:schemeClr val="accent1"/>
-    </dgm:fillClrLst>
-    <dgm:linClrLst meth="repeat">
-      <a:schemeClr val="accent1"/>
-    </dgm:linClrLst>
-    <dgm:effectClrLst/>
-    <dgm:txLinClrLst/>
-    <dgm:txFillClrLst/>
-    <dgm:txEffectClrLst/>
-  </dgm:styleLbl>
   <dgm:styleLbl name="node1">
-    <dgm:fillClrLst meth="repeat">
-      <a:schemeClr val="accent1"/>
+    <dgm:fillClrLst>
+      <a:schemeClr val="accent2"/>
+      <a:schemeClr val="accent3"/>
     </dgm:fillClrLst>
     <dgm:linClrLst meth="repeat">
       <a:schemeClr val="lt1"/>
@@ -165,9 +159,24 @@
     <dgm:txFillClrLst/>
     <dgm:txEffectClrLst/>
   </dgm:styleLbl>
+  <dgm:styleLbl name="alignNode1">
+    <dgm:fillClrLst>
+      <a:schemeClr val="accent2"/>
+      <a:schemeClr val="accent3"/>
+    </dgm:fillClrLst>
+    <dgm:linClrLst>
+      <a:schemeClr val="accent2"/>
+      <a:schemeClr val="accent3"/>
+    </dgm:linClrLst>
+    <dgm:effectClrLst/>
+    <dgm:txLinClrLst/>
+    <dgm:txFillClrLst/>
+    <dgm:txEffectClrLst/>
+  </dgm:styleLbl>
   <dgm:styleLbl name="lnNode1">
-    <dgm:fillClrLst meth="repeat">
-      <a:schemeClr val="accent1"/>
+    <dgm:fillClrLst>
+      <a:schemeClr val="accent2"/>
+      <a:schemeClr val="accent3"/>
     </dgm:fillClrLst>
     <dgm:linClrLst meth="repeat">
       <a:schemeClr val="lt1"/>
@@ -178,8 +187,11 @@
     <dgm:txEffectClrLst/>
   </dgm:styleLbl>
   <dgm:styleLbl name="vennNode1">
-    <dgm:fillClrLst meth="repeat">
-      <a:schemeClr val="accent1">
+    <dgm:fillClrLst>
+      <a:schemeClr val="accent2">
+        <a:alpha val="50000"/>
+      </a:schemeClr>
+      <a:schemeClr val="accent3">
         <a:alpha val="50000"/>
       </a:schemeClr>
     </dgm:fillClrLst>
@@ -192,8 +204,8 @@
     <dgm:txEffectClrLst/>
   </dgm:styleLbl>
   <dgm:styleLbl name="node2">
-    <dgm:fillClrLst meth="repeat">
-      <a:schemeClr val="accent1"/>
+    <dgm:fillClrLst>
+      <a:schemeClr val="accent3"/>
     </dgm:fillClrLst>
     <dgm:linClrLst meth="repeat">
       <a:schemeClr val="lt1"/>
@@ -204,8 +216,8 @@
     <dgm:txEffectClrLst/>
   </dgm:styleLbl>
   <dgm:styleLbl name="node3">
-    <dgm:fillClrLst meth="repeat">
-      <a:schemeClr val="accent1"/>
+    <dgm:fillClrLst>
+      <a:schemeClr val="accent4"/>
     </dgm:fillClrLst>
     <dgm:linClrLst meth="repeat">
       <a:schemeClr val="lt1"/>
@@ -216,8 +228,8 @@
     <dgm:txEffectClrLst/>
   </dgm:styleLbl>
   <dgm:styleLbl name="node4">
-    <dgm:fillClrLst meth="repeat">
-      <a:schemeClr val="accent1"/>
+    <dgm:fillClrLst>
+      <a:schemeClr val="accent5"/>
     </dgm:fillClrLst>
     <dgm:linClrLst meth="repeat">
       <a:schemeClr val="lt1"/>
@@ -228,8 +240,11 @@
     <dgm:txEffectClrLst/>
   </dgm:styleLbl>
   <dgm:styleLbl name="fgImgPlace1">
-    <dgm:fillClrLst meth="repeat">
-      <a:schemeClr val="accent1">
+    <dgm:fillClrLst>
+      <a:schemeClr val="accent2">
+        <a:tint val="50000"/>
+      </a:schemeClr>
+      <a:schemeClr val="accent3">
         <a:tint val="50000"/>
       </a:schemeClr>
     </dgm:fillClrLst>
@@ -244,9 +259,12 @@
     <dgm:txEffectClrLst/>
   </dgm:styleLbl>
   <dgm:styleLbl name="alignImgPlace1">
-    <dgm:fillClrLst meth="repeat">
-      <a:schemeClr val="accent1">
+    <dgm:fillClrLst>
+      <a:schemeClr val="accent2">
         <a:tint val="50000"/>
+      </a:schemeClr>
+      <a:schemeClr val="accent3">
+        <a:tint val="20000"/>
       </a:schemeClr>
     </dgm:fillClrLst>
     <dgm:linClrLst meth="repeat">
@@ -260,9 +278,12 @@
     <dgm:txEffectClrLst/>
   </dgm:styleLbl>
   <dgm:styleLbl name="bgImgPlace1">
-    <dgm:fillClrLst meth="repeat">
-      <a:schemeClr val="accent1">
+    <dgm:fillClrLst>
+      <a:schemeClr val="accent2">
         <a:tint val="50000"/>
+      </a:schemeClr>
+      <a:schemeClr val="accent3">
+        <a:tint val="20000"/>
       </a:schemeClr>
     </dgm:fillClrLst>
     <dgm:linClrLst meth="repeat">
@@ -276,15 +297,12 @@
     <dgm:txEffectClrLst/>
   </dgm:styleLbl>
   <dgm:styleLbl name="sibTrans2D1">
-    <dgm:fillClrLst meth="repeat">
-      <a:schemeClr val="accent1">
-        <a:tint val="60000"/>
-      </a:schemeClr>
+    <dgm:fillClrLst>
+      <a:schemeClr val="accent2"/>
+      <a:schemeClr val="accent3"/>
     </dgm:fillClrLst>
     <dgm:linClrLst meth="repeat">
-      <a:schemeClr val="accent1">
-        <a:tint val="60000"/>
-      </a:schemeClr>
+      <a:schemeClr val="lt1"/>
     </dgm:linClrLst>
     <dgm:effectClrLst/>
     <dgm:txLinClrLst/>
@@ -292,43 +310,40 @@
     <dgm:txEffectClrLst/>
   </dgm:styleLbl>
   <dgm:styleLbl name="fgSibTrans2D1">
-    <dgm:fillClrLst meth="repeat">
-      <a:schemeClr val="accent1">
-        <a:tint val="60000"/>
-      </a:schemeClr>
+    <dgm:fillClrLst>
+      <a:schemeClr val="accent2"/>
+      <a:schemeClr val="accent3"/>
     </dgm:fillClrLst>
     <dgm:linClrLst meth="repeat">
-      <a:schemeClr val="accent1">
-        <a:tint val="60000"/>
-      </a:schemeClr>
+      <a:schemeClr val="lt1"/>
     </dgm:linClrLst>
     <dgm:effectClrLst/>
     <dgm:txLinClrLst/>
-    <dgm:txFillClrLst/>
+    <dgm:txFillClrLst meth="repeat">
+      <a:schemeClr val="lt1"/>
+    </dgm:txFillClrLst>
     <dgm:txEffectClrLst/>
   </dgm:styleLbl>
   <dgm:styleLbl name="bgSibTrans2D1">
-    <dgm:fillClrLst meth="repeat">
-      <a:schemeClr val="accent1">
-        <a:tint val="60000"/>
-      </a:schemeClr>
+    <dgm:fillClrLst>
+      <a:schemeClr val="accent2"/>
+      <a:schemeClr val="accent3"/>
     </dgm:fillClrLst>
     <dgm:linClrLst meth="repeat">
-      <a:schemeClr val="accent1">
-        <a:tint val="60000"/>
-      </a:schemeClr>
+      <a:schemeClr val="lt1"/>
     </dgm:linClrLst>
     <dgm:effectClrLst/>
     <dgm:txLinClrLst/>
-    <dgm:txFillClrLst/>
+    <dgm:txFillClrLst meth="repeat">
+      <a:schemeClr val="lt1"/>
+    </dgm:txFillClrLst>
     <dgm:txEffectClrLst/>
   </dgm:styleLbl>
   <dgm:styleLbl name="sibTrans1D1">
-    <dgm:fillClrLst meth="repeat">
-      <a:schemeClr val="accent1"/>
-    </dgm:fillClrLst>
-    <dgm:linClrLst meth="repeat">
-      <a:schemeClr val="accent1"/>
+    <dgm:fillClrLst/>
+    <dgm:linClrLst>
+      <a:schemeClr val="accent2"/>
+      <a:schemeClr val="accent3"/>
     </dgm:linClrLst>
     <dgm:effectClrLst/>
     <dgm:txLinClrLst/>
@@ -339,10 +354,10 @@
   </dgm:styleLbl>
   <dgm:styleLbl name="callout">
     <dgm:fillClrLst meth="repeat">
-      <a:schemeClr val="accent1"/>
+      <a:schemeClr val="accent2"/>
     </dgm:fillClrLst>
     <dgm:linClrLst meth="repeat">
-      <a:schemeClr val="accent1">
+      <a:schemeClr val="accent2">
         <a:tint val="50000"/>
       </a:schemeClr>
     </dgm:linClrLst>
@@ -355,10 +370,12 @@
   </dgm:styleLbl>
   <dgm:styleLbl name="asst0">
     <dgm:fillClrLst meth="repeat">
-      <a:schemeClr val="accent1"/>
+      <a:schemeClr val="accent2"/>
     </dgm:fillClrLst>
     <dgm:linClrLst meth="repeat">
-      <a:schemeClr val="lt1"/>
+      <a:schemeClr val="lt1">
+        <a:shade val="80000"/>
+      </a:schemeClr>
     </dgm:linClrLst>
     <dgm:effectClrLst/>
     <dgm:txLinClrLst/>
@@ -367,10 +384,12 @@
   </dgm:styleLbl>
   <dgm:styleLbl name="asst1">
     <dgm:fillClrLst meth="repeat">
-      <a:schemeClr val="accent1"/>
+      <a:schemeClr val="accent3"/>
     </dgm:fillClrLst>
     <dgm:linClrLst meth="repeat">
-      <a:schemeClr val="lt1"/>
+      <a:schemeClr val="lt1">
+        <a:shade val="80000"/>
+      </a:schemeClr>
     </dgm:linClrLst>
     <dgm:effectClrLst/>
     <dgm:txLinClrLst/>
@@ -378,8 +397,8 @@
     <dgm:txEffectClrLst/>
   </dgm:styleLbl>
   <dgm:styleLbl name="asst2">
-    <dgm:fillClrLst meth="repeat">
-      <a:schemeClr val="accent1"/>
+    <dgm:fillClrLst>
+      <a:schemeClr val="accent4"/>
     </dgm:fillClrLst>
     <dgm:linClrLst meth="repeat">
       <a:schemeClr val="lt1"/>
@@ -390,8 +409,8 @@
     <dgm:txEffectClrLst/>
   </dgm:styleLbl>
   <dgm:styleLbl name="asst3">
-    <dgm:fillClrLst meth="repeat">
-      <a:schemeClr val="accent1"/>
+    <dgm:fillClrLst>
+      <a:schemeClr val="accent5"/>
     </dgm:fillClrLst>
     <dgm:linClrLst meth="repeat">
       <a:schemeClr val="lt1"/>
@@ -402,8 +421,8 @@
     <dgm:txEffectClrLst/>
   </dgm:styleLbl>
   <dgm:styleLbl name="asst4">
-    <dgm:fillClrLst meth="repeat">
-      <a:schemeClr val="accent1"/>
+    <dgm:fillClrLst>
+      <a:schemeClr val="accent6"/>
     </dgm:fillClrLst>
     <dgm:linClrLst meth="repeat">
       <a:schemeClr val="lt1"/>
@@ -415,14 +434,10 @@
   </dgm:styleLbl>
   <dgm:styleLbl name="parChTrans2D1">
     <dgm:fillClrLst meth="repeat">
-      <a:schemeClr val="accent1">
-        <a:tint val="60000"/>
-      </a:schemeClr>
+      <a:schemeClr val="accent2"/>
     </dgm:fillClrLst>
     <dgm:linClrLst meth="repeat">
-      <a:schemeClr val="accent1">
-        <a:tint val="60000"/>
-      </a:schemeClr>
+      <a:schemeClr val="lt1"/>
     </dgm:linClrLst>
     <dgm:effectClrLst/>
     <dgm:txLinClrLst/>
@@ -433,38 +448,34 @@
   </dgm:styleLbl>
   <dgm:styleLbl name="parChTrans2D2">
     <dgm:fillClrLst meth="repeat">
-      <a:schemeClr val="accent1"/>
+      <a:schemeClr val="accent3"/>
     </dgm:fillClrLst>
     <dgm:linClrLst meth="repeat">
-      <a:schemeClr val="accent1"/>
+      <a:schemeClr val="lt1"/>
     </dgm:linClrLst>
     <dgm:effectClrLst/>
     <dgm:txLinClrLst/>
-    <dgm:txFillClrLst meth="repeat">
-      <a:schemeClr val="lt1"/>
-    </dgm:txFillClrLst>
+    <dgm:txFillClrLst/>
     <dgm:txEffectClrLst/>
   </dgm:styleLbl>
   <dgm:styleLbl name="parChTrans2D3">
     <dgm:fillClrLst meth="repeat">
-      <a:schemeClr val="accent1"/>
+      <a:schemeClr val="accent4"/>
     </dgm:fillClrLst>
     <dgm:linClrLst meth="repeat">
-      <a:schemeClr val="accent1"/>
+      <a:schemeClr val="lt1"/>
     </dgm:linClrLst>
     <dgm:effectClrLst/>
     <dgm:txLinClrLst/>
-    <dgm:txFillClrLst meth="repeat">
-      <a:schemeClr val="lt1"/>
-    </dgm:txFillClrLst>
+    <dgm:txFillClrLst/>
     <dgm:txEffectClrLst/>
   </dgm:styleLbl>
   <dgm:styleLbl name="parChTrans2D4">
     <dgm:fillClrLst meth="repeat">
-      <a:schemeClr val="accent1"/>
+      <a:schemeClr val="accent5"/>
     </dgm:fillClrLst>
     <dgm:linClrLst meth="repeat">
-      <a:schemeClr val="accent1"/>
+      <a:schemeClr val="lt1"/>
     </dgm:linClrLst>
     <dgm:effectClrLst/>
     <dgm:txLinClrLst/>
@@ -475,12 +486,10 @@
   </dgm:styleLbl>
   <dgm:styleLbl name="parChTrans1D1">
     <dgm:fillClrLst meth="repeat">
-      <a:schemeClr val="accent1"/>
+      <a:schemeClr val="accent2"/>
     </dgm:fillClrLst>
     <dgm:linClrLst meth="repeat">
-      <a:schemeClr val="accent1">
-        <a:shade val="60000"/>
-      </a:schemeClr>
+      <a:schemeClr val="accent2"/>
     </dgm:linClrLst>
     <dgm:effectClrLst/>
     <dgm:txLinClrLst/>
@@ -491,12 +500,12 @@
   </dgm:styleLbl>
   <dgm:styleLbl name="parChTrans1D2">
     <dgm:fillClrLst meth="repeat">
-      <a:schemeClr val="accent1"/>
+      <a:schemeClr val="accent2">
+        <a:tint val="90000"/>
+      </a:schemeClr>
     </dgm:fillClrLst>
     <dgm:linClrLst meth="repeat">
-      <a:schemeClr val="accent1">
-        <a:shade val="60000"/>
-      </a:schemeClr>
+      <a:schemeClr val="accent3"/>
     </dgm:linClrLst>
     <dgm:effectClrLst/>
     <dgm:txLinClrLst/>
@@ -507,12 +516,12 @@
   </dgm:styleLbl>
   <dgm:styleLbl name="parChTrans1D3">
     <dgm:fillClrLst meth="repeat">
-      <a:schemeClr val="accent1"/>
+      <a:schemeClr val="accent2">
+        <a:tint val="70000"/>
+      </a:schemeClr>
     </dgm:fillClrLst>
     <dgm:linClrLst meth="repeat">
-      <a:schemeClr val="accent1">
-        <a:shade val="80000"/>
-      </a:schemeClr>
+      <a:schemeClr val="accent4"/>
     </dgm:linClrLst>
     <dgm:effectClrLst/>
     <dgm:txLinClrLst/>
@@ -523,12 +532,12 @@
   </dgm:styleLbl>
   <dgm:styleLbl name="parChTrans1D4">
     <dgm:fillClrLst meth="repeat">
-      <a:schemeClr val="accent1"/>
+      <a:schemeClr val="accent2">
+        <a:tint val="50000"/>
+      </a:schemeClr>
     </dgm:fillClrLst>
     <dgm:linClrLst meth="repeat">
-      <a:schemeClr val="accent1">
-        <a:shade val="80000"/>
-      </a:schemeClr>
+      <a:schemeClr val="accent5"/>
     </dgm:linClrLst>
     <dgm:effectClrLst/>
     <dgm:txLinClrLst/>
@@ -543,8 +552,9 @@
         <a:alpha val="90000"/>
       </a:schemeClr>
     </dgm:fillClrLst>
-    <dgm:linClrLst meth="repeat">
-      <a:schemeClr val="accent1"/>
+    <dgm:linClrLst>
+      <a:schemeClr val="accent2"/>
+      <a:schemeClr val="accent3"/>
     </dgm:linClrLst>
     <dgm:effectClrLst/>
     <dgm:txLinClrLst/>
@@ -559,8 +569,9 @@
         <a:alpha val="90000"/>
       </a:schemeClr>
     </dgm:fillClrLst>
-    <dgm:linClrLst meth="repeat">
-      <a:schemeClr val="accent1"/>
+    <dgm:linClrLst>
+      <a:schemeClr val="accent2"/>
+      <a:schemeClr val="accent3"/>
     </dgm:linClrLst>
     <dgm:effectClrLst/>
     <dgm:txLinClrLst/>
@@ -575,8 +586,9 @@
         <a:alpha val="90000"/>
       </a:schemeClr>
     </dgm:fillClrLst>
-    <dgm:linClrLst meth="repeat">
-      <a:schemeClr val="accent1"/>
+    <dgm:linClrLst>
+      <a:schemeClr val="accent2"/>
+      <a:schemeClr val="accent3"/>
     </dgm:linClrLst>
     <dgm:effectClrLst/>
     <dgm:txLinClrLst/>
@@ -592,7 +604,7 @@
       </a:schemeClr>
     </dgm:fillClrLst>
     <dgm:linClrLst meth="repeat">
-      <a:schemeClr val="accent1"/>
+      <a:schemeClr val="accent2"/>
     </dgm:linClrLst>
     <dgm:effectClrLst/>
     <dgm:txLinClrLst/>
@@ -607,8 +619,9 @@
         <a:alpha val="90000"/>
       </a:schemeClr>
     </dgm:fillClrLst>
-    <dgm:linClrLst meth="repeat">
-      <a:schemeClr val="accent1"/>
+    <dgm:linClrLst>
+      <a:schemeClr val="accent2"/>
+      <a:schemeClr val="accent3"/>
     </dgm:linClrLst>
     <dgm:effectClrLst/>
     <dgm:txLinClrLst/>
@@ -621,8 +634,9 @@
     <dgm:fillClrLst meth="repeat">
       <a:schemeClr val="lt1"/>
     </dgm:fillClrLst>
-    <dgm:linClrLst meth="repeat">
-      <a:schemeClr val="accent1"/>
+    <dgm:linClrLst>
+      <a:schemeClr val="accent2"/>
+      <a:schemeClr val="accent3"/>
     </dgm:linClrLst>
     <dgm:effectClrLst/>
     <dgm:txLinClrLst/>
@@ -635,8 +649,9 @@
     <dgm:fillClrLst meth="repeat">
       <a:schemeClr val="lt1"/>
     </dgm:fillClrLst>
-    <dgm:linClrLst meth="repeat">
-      <a:schemeClr val="accent1"/>
+    <dgm:linClrLst>
+      <a:schemeClr val="accent2"/>
+      <a:schemeClr val="accent3"/>
     </dgm:linClrLst>
     <dgm:effectClrLst/>
     <dgm:txLinClrLst/>
@@ -649,8 +664,9 @@
     <dgm:fillClrLst meth="repeat">
       <a:schemeClr val="lt1"/>
     </dgm:fillClrLst>
-    <dgm:linClrLst meth="repeat">
-      <a:schemeClr val="accent1"/>
+    <dgm:linClrLst>
+      <a:schemeClr val="accent2"/>
+      <a:schemeClr val="accent3"/>
     </dgm:linClrLst>
     <dgm:effectClrLst/>
     <dgm:txLinClrLst/>
@@ -660,16 +676,24 @@
     <dgm:txEffectClrLst/>
   </dgm:styleLbl>
   <dgm:styleLbl name="fgAccFollowNode1">
-    <dgm:fillClrLst meth="repeat">
-      <a:schemeClr val="accent1">
+    <dgm:fillClrLst>
+      <a:schemeClr val="accent2">
+        <a:tint val="40000"/>
         <a:alpha val="90000"/>
+      </a:schemeClr>
+      <a:schemeClr val="accent3">
         <a:tint val="40000"/>
+        <a:alpha val="90000"/>
       </a:schemeClr>
     </dgm:fillClrLst>
-    <dgm:linClrLst meth="repeat">
-      <a:schemeClr val="accent1">
+    <dgm:linClrLst>
+      <a:schemeClr val="accent2">
+        <a:tint val="40000"/>
         <a:alpha val="90000"/>
+      </a:schemeClr>
+      <a:schemeClr val="accent3">
         <a:tint val="40000"/>
+        <a:alpha val="90000"/>
       </a:schemeClr>
     </dgm:linClrLst>
     <dgm:effectClrLst/>
@@ -680,16 +704,24 @@
     <dgm:txEffectClrLst/>
   </dgm:styleLbl>
   <dgm:styleLbl name="alignAccFollowNode1">
-    <dgm:fillClrLst meth="repeat">
-      <a:schemeClr val="accent1">
+    <dgm:fillClrLst>
+      <a:schemeClr val="accent2">
+        <a:tint val="40000"/>
         <a:alpha val="90000"/>
+      </a:schemeClr>
+      <a:schemeClr val="accent3">
         <a:tint val="40000"/>
+        <a:alpha val="90000"/>
       </a:schemeClr>
     </dgm:fillClrLst>
-    <dgm:linClrLst meth="repeat">
-      <a:schemeClr val="accent1">
+    <dgm:linClrLst>
+      <a:schemeClr val="accent2">
+        <a:tint val="40000"/>
         <a:alpha val="90000"/>
+      </a:schemeClr>
+      <a:schemeClr val="accent3">
         <a:tint val="40000"/>
+        <a:alpha val="90000"/>
       </a:schemeClr>
     </dgm:linClrLst>
     <dgm:effectClrLst/>
@@ -700,23 +732,30 @@
     <dgm:txEffectClrLst/>
   </dgm:styleLbl>
   <dgm:styleLbl name="bgAccFollowNode1">
-    <dgm:fillClrLst meth="repeat">
-      <a:schemeClr val="bg1">
-        <a:lumMod val="95000"/>
+    <dgm:fillClrLst>
+      <a:schemeClr val="accent2">
+        <a:tint val="40000"/>
+        <a:alpha val="90000"/>
+      </a:schemeClr>
+      <a:schemeClr val="accent3">
+        <a:tint val="40000"/>
+        <a:alpha val="90000"/>
       </a:schemeClr>
     </dgm:fillClrLst>
     <dgm:linClrLst>
-      <a:schemeClr val="bg1">
-        <a:lumMod val="95000"/>
+      <a:schemeClr val="accent2">
+        <a:tint val="40000"/>
+        <a:alpha val="90000"/>
+      </a:schemeClr>
+      <a:schemeClr val="accent3">
+        <a:tint val="40000"/>
+        <a:alpha val="90000"/>
       </a:schemeClr>
     </dgm:linClrLst>
     <dgm:effectClrLst/>
     <dgm:txLinClrLst/>
     <dgm:txFillClrLst meth="repeat">
-      <a:schemeClr val="tx1">
-        <a:lumMod val="75000"/>
-        <a:lumOff val="25000"/>
-      </a:schemeClr>
+      <a:schemeClr val="dk1"/>
     </dgm:txFillClrLst>
     <dgm:txEffectClrLst/>
   </dgm:styleLbl>
@@ -726,7 +765,7 @@
         <a:alpha val="90000"/>
       </a:schemeClr>
     </dgm:fillClrLst>
-    <dgm:linClrLst meth="repeat">
+    <dgm:linClrLst>
       <a:schemeClr val="accent1"/>
     </dgm:linClrLst>
     <dgm:effectClrLst/>
@@ -742,8 +781,8 @@
         <a:alpha val="90000"/>
       </a:schemeClr>
     </dgm:fillClrLst>
-    <dgm:linClrLst meth="repeat">
-      <a:schemeClr val="accent1"/>
+    <dgm:linClrLst>
+      <a:schemeClr val="accent3"/>
     </dgm:linClrLst>
     <dgm:effectClrLst/>
     <dgm:txLinClrLst/>
@@ -758,8 +797,8 @@
         <a:alpha val="90000"/>
       </a:schemeClr>
     </dgm:fillClrLst>
-    <dgm:linClrLst meth="repeat">
-      <a:schemeClr val="accent1"/>
+    <dgm:linClrLst>
+      <a:schemeClr val="accent4"/>
     </dgm:linClrLst>
     <dgm:effectClrLst/>
     <dgm:txLinClrLst/>
@@ -774,8 +813,8 @@
         <a:alpha val="90000"/>
       </a:schemeClr>
     </dgm:fillClrLst>
-    <dgm:linClrLst meth="repeat">
-      <a:schemeClr val="accent1"/>
+    <dgm:linClrLst>
+      <a:schemeClr val="accent5"/>
     </dgm:linClrLst>
     <dgm:effectClrLst/>
     <dgm:txLinClrLst/>
@@ -786,12 +825,12 @@
   </dgm:styleLbl>
   <dgm:styleLbl name="bgShp">
     <dgm:fillClrLst meth="repeat">
-      <a:schemeClr val="accent1">
+      <a:schemeClr val="accent2">
         <a:tint val="40000"/>
       </a:schemeClr>
     </dgm:fillClrLst>
     <dgm:linClrLst meth="repeat">
-      <a:schemeClr val="accent1"/>
+      <a:schemeClr val="dk1"/>
     </dgm:linClrLst>
     <dgm:effectClrLst/>
     <dgm:txLinClrLst/>
@@ -802,12 +841,12 @@
   </dgm:styleLbl>
   <dgm:styleLbl name="dkBgShp">
     <dgm:fillClrLst meth="repeat">
-      <a:schemeClr val="accent1">
-        <a:shade val="80000"/>
+      <a:schemeClr val="accent2">
+        <a:shade val="90000"/>
       </a:schemeClr>
     </dgm:fillClrLst>
     <dgm:linClrLst meth="repeat">
-      <a:schemeClr val="accent1"/>
+      <a:schemeClr val="dk1"/>
     </dgm:linClrLst>
     <dgm:effectClrLst/>
     <dgm:txLinClrLst/>
@@ -818,13 +857,13 @@
   </dgm:styleLbl>
   <dgm:styleLbl name="trBgShp">
     <dgm:fillClrLst meth="repeat">
-      <a:schemeClr val="accent1">
+      <a:schemeClr val="accent2">
         <a:tint val="50000"/>
         <a:alpha val="40000"/>
       </a:schemeClr>
     </dgm:fillClrLst>
     <dgm:linClrLst meth="repeat">
-      <a:schemeClr val="accent1"/>
+      <a:schemeClr val="accent2"/>
     </dgm:linClrLst>
     <dgm:effectClrLst/>
     <dgm:txLinClrLst/>
@@ -835,8 +874,8 @@
   </dgm:styleLbl>
   <dgm:styleLbl name="fgShp">
     <dgm:fillClrLst meth="repeat">
-      <a:schemeClr val="accent1">
-        <a:tint val="60000"/>
+      <a:schemeClr val="accent2">
+        <a:tint val="40000"/>
       </a:schemeClr>
     </dgm:fillClrLst>
     <dgm:linClrLst meth="repeat">
@@ -874,7 +913,7 @@
 <dgm:dataModel xmlns:dgm="http://schemas.openxmlformats.org/drawingml/2006/diagram" xmlns:a="http://schemas.openxmlformats.org/drawingml/2006/main">
   <dgm:ptLst>
     <dgm:pt modelId="{89F2A311-7C01-43FC-80D5-70355455406C}" type="doc">
-      <dgm:prSet loTypeId="urn:microsoft.com/office/officeart/2016/7/layout/BasicLinearProcessNumbered" loCatId="process" qsTypeId="urn:microsoft.com/office/officeart/2005/8/quickstyle/simple1" qsCatId="simple" csTypeId="urn:microsoft.com/office/officeart/2005/8/colors/ColorSchemeForSuggestions" csCatId="other" phldr="1"/>
+      <dgm:prSet loTypeId="urn:microsoft.com/office/officeart/2016/7/layout/BasicLinearProcessNumbered" loCatId="process" qsTypeId="urn:microsoft.com/office/officeart/2005/8/quickstyle/simple1" qsCatId="simple" csTypeId="urn:microsoft.com/office/officeart/2005/8/colors/colorful2" csCatId="colorful" phldr="1"/>
       <dgm:spPr/>
       <dgm:t>
         <a:bodyPr/>
@@ -932,10 +971,10 @@
         <a:lstStyle/>
         <a:p>
           <a:r>
-            <a:rPr lang="en-IN" dirty="0"/>
+            <a:rPr lang="en-IN"/>
             <a:t>Data Exploration</a:t>
           </a:r>
-          <a:endParaRPr lang="en-US" dirty="0"/>
+          <a:endParaRPr lang="en-US"/>
         </a:p>
       </dgm:t>
     </dgm:pt>
@@ -972,10 +1011,10 @@
         <a:lstStyle/>
         <a:p>
           <a:r>
-            <a:rPr lang="en-IN" dirty="0"/>
+            <a:rPr lang="en-IN"/>
             <a:t>Segmentation</a:t>
           </a:r>
-          <a:endParaRPr lang="en-US" dirty="0"/>
+          <a:endParaRPr lang="en-US"/>
         </a:p>
       </dgm:t>
     </dgm:pt>
@@ -1038,9 +1077,10 @@
         <a:lstStyle/>
         <a:p>
           <a:r>
-            <a:rPr lang="en-US" dirty="0"/>
+            <a:rPr lang="en-US"/>
             <a:t>4</a:t>
           </a:r>
+          <a:endParaRPr lang="en-US" dirty="0"/>
         </a:p>
       </dgm:t>
     </dgm:pt>
@@ -1052,10 +1092,10 @@
         <a:lstStyle/>
         <a:p>
           <a:r>
-            <a:rPr lang="en-IN" dirty="0"/>
+            <a:rPr lang="en-IN"/>
             <a:t>Results</a:t>
           </a:r>
-          <a:endParaRPr lang="en-US" dirty="0"/>
+          <a:endParaRPr lang="en-US"/>
         </a:p>
       </dgm:t>
     </dgm:pt>
@@ -1078,13 +1118,14 @@
         <a:lstStyle/>
         <a:p>
           <a:r>
-            <a:rPr lang="en-US" dirty="0"/>
+            <a:rPr lang="en-US"/>
             <a:t>5</a:t>
           </a:r>
+          <a:endParaRPr lang="en-US" dirty="0"/>
         </a:p>
       </dgm:t>
     </dgm:pt>
-    <dgm:pt modelId="{17D5E5BA-5432-4AEB-BBCB-15F78100AC7F}" type="pres">
+    <dgm:pt modelId="{45295508-88E0-4B7A-B30C-47E29C71B12C}" type="pres">
       <dgm:prSet presAssocID="{89F2A311-7C01-43FC-80D5-70355455406C}" presName="Name0" presStyleCnt="0">
         <dgm:presLayoutVars>
           <dgm:animLvl val="lvl"/>
@@ -1093,7 +1134,7 @@
       </dgm:prSet>
       <dgm:spPr/>
     </dgm:pt>
-    <dgm:pt modelId="{1A22A454-E74C-42B6-BA0F-899F68672AF9}" type="pres">
+    <dgm:pt modelId="{99E4677E-C137-4037-A3E5-D823146F7D26}" type="pres">
       <dgm:prSet presAssocID="{9B70EF5E-9296-4A78-B862-A93CCCFBA431}" presName="compositeNode" presStyleCnt="0">
         <dgm:presLayoutVars>
           <dgm:bulletEnabled val="1"/>
@@ -1101,11 +1142,11 @@
       </dgm:prSet>
       <dgm:spPr/>
     </dgm:pt>
-    <dgm:pt modelId="{B64383AC-70F1-4BF1-A72E-623D2F620A8D}" type="pres">
+    <dgm:pt modelId="{A6F2DAA3-032C-4CA3-AA70-D4483C0B16A5}" type="pres">
       <dgm:prSet presAssocID="{9B70EF5E-9296-4A78-B862-A93CCCFBA431}" presName="bgRect" presStyleLbl="bgAccFollowNode1" presStyleIdx="0" presStyleCnt="5"/>
       <dgm:spPr/>
     </dgm:pt>
-    <dgm:pt modelId="{14DE7969-43F1-4F46-ABB6-3E414D392A48}" type="pres">
+    <dgm:pt modelId="{00F91A80-2BCF-4377-96C8-DB34A68BEAE6}" type="pres">
       <dgm:prSet presAssocID="{8612916F-0DB0-4E8E-BBB7-7778844A929E}" presName="sibTransNodeCircle" presStyleLbl="alignNode1" presStyleIdx="0" presStyleCnt="10">
         <dgm:presLayoutVars>
           <dgm:chMax val="0"/>
@@ -1114,13 +1155,13 @@
       </dgm:prSet>
       <dgm:spPr/>
     </dgm:pt>
-    <dgm:pt modelId="{2E73484B-8667-4952-B8A6-379BCB9DD433}" type="pres">
+    <dgm:pt modelId="{BAF036A4-D20E-4026-AF59-B796D7A4CD23}" type="pres">
       <dgm:prSet presAssocID="{9B70EF5E-9296-4A78-B862-A93CCCFBA431}" presName="bottomLine" presStyleLbl="alignNode1" presStyleIdx="1" presStyleCnt="10">
         <dgm:presLayoutVars/>
       </dgm:prSet>
       <dgm:spPr/>
     </dgm:pt>
-    <dgm:pt modelId="{1572A2DF-93F2-49AB-859A-253BCFA72882}" type="pres">
+    <dgm:pt modelId="{88D0CF6A-030B-4D92-84B0-A41D3FB3D2E0}" type="pres">
       <dgm:prSet presAssocID="{9B70EF5E-9296-4A78-B862-A93CCCFBA431}" presName="nodeText" presStyleLbl="bgAccFollowNode1" presStyleIdx="0" presStyleCnt="5">
         <dgm:presLayoutVars>
           <dgm:bulletEnabled val="1"/>
@@ -1128,11 +1169,11 @@
       </dgm:prSet>
       <dgm:spPr/>
     </dgm:pt>
-    <dgm:pt modelId="{D7A640BE-103B-4124-96A2-BB43475544AB}" type="pres">
+    <dgm:pt modelId="{8E6EAF92-0A6C-4743-927B-EF7071A6049D}" type="pres">
       <dgm:prSet presAssocID="{8612916F-0DB0-4E8E-BBB7-7778844A929E}" presName="sibTrans" presStyleCnt="0"/>
       <dgm:spPr/>
     </dgm:pt>
-    <dgm:pt modelId="{7FED4890-465E-462E-AC90-D838B7A83CDA}" type="pres">
+    <dgm:pt modelId="{41AEF91E-FA1E-4D6C-9DDE-D8C094E21A00}" type="pres">
       <dgm:prSet presAssocID="{E3695643-B186-429A-A02D-15BA0CF415FF}" presName="compositeNode" presStyleCnt="0">
         <dgm:presLayoutVars>
           <dgm:bulletEnabled val="1"/>
@@ -1140,11 +1181,11 @@
       </dgm:prSet>
       <dgm:spPr/>
     </dgm:pt>
-    <dgm:pt modelId="{A6D2E474-74A7-4AB7-B192-27764120F575}" type="pres">
+    <dgm:pt modelId="{BA6EB059-ACAA-4DFA-A065-13B38F5A130D}" type="pres">
       <dgm:prSet presAssocID="{E3695643-B186-429A-A02D-15BA0CF415FF}" presName="bgRect" presStyleLbl="bgAccFollowNode1" presStyleIdx="1" presStyleCnt="5"/>
       <dgm:spPr/>
     </dgm:pt>
-    <dgm:pt modelId="{739FB06C-5D6E-4491-8B87-AF0867BF71B7}" type="pres">
+    <dgm:pt modelId="{C9666C1B-047C-467F-9799-A18C3C955A97}" type="pres">
       <dgm:prSet presAssocID="{DCF86573-5D85-4A7A-9E70-5CDDB2762B6F}" presName="sibTransNodeCircle" presStyleLbl="alignNode1" presStyleIdx="2" presStyleCnt="10">
         <dgm:presLayoutVars>
           <dgm:chMax val="0"/>
@@ -1153,13 +1194,13 @@
       </dgm:prSet>
       <dgm:spPr/>
     </dgm:pt>
-    <dgm:pt modelId="{35AB3FC5-D68A-406A-967E-A26D256F5401}" type="pres">
+    <dgm:pt modelId="{87DF6C25-4405-4DA5-B76E-D3111FE152E4}" type="pres">
       <dgm:prSet presAssocID="{E3695643-B186-429A-A02D-15BA0CF415FF}" presName="bottomLine" presStyleLbl="alignNode1" presStyleIdx="3" presStyleCnt="10">
         <dgm:presLayoutVars/>
       </dgm:prSet>
       <dgm:spPr/>
     </dgm:pt>
-    <dgm:pt modelId="{1C80F2A9-A31F-4CBE-8061-EC06F0044484}" type="pres">
+    <dgm:pt modelId="{B4F58146-2162-4F3A-BF62-AC5D88E4DABA}" type="pres">
       <dgm:prSet presAssocID="{E3695643-B186-429A-A02D-15BA0CF415FF}" presName="nodeText" presStyleLbl="bgAccFollowNode1" presStyleIdx="1" presStyleCnt="5">
         <dgm:presLayoutVars>
           <dgm:bulletEnabled val="1"/>
@@ -1167,11 +1208,11 @@
       </dgm:prSet>
       <dgm:spPr/>
     </dgm:pt>
-    <dgm:pt modelId="{FC60B6D7-C451-4903-B0E1-5591D4EF5A3A}" type="pres">
+    <dgm:pt modelId="{D5CAA8FC-BA96-428A-AF88-0F0781576574}" type="pres">
       <dgm:prSet presAssocID="{DCF86573-5D85-4A7A-9E70-5CDDB2762B6F}" presName="sibTrans" presStyleCnt="0"/>
       <dgm:spPr/>
     </dgm:pt>
-    <dgm:pt modelId="{27062389-1CC6-4CA5-A65C-CC4085FE6545}" type="pres">
+    <dgm:pt modelId="{3C11281C-6784-42D4-A307-5F5EF969C3B7}" type="pres">
       <dgm:prSet presAssocID="{D9202329-A0AD-4D70-B7A8-67BECD229303}" presName="compositeNode" presStyleCnt="0">
         <dgm:presLayoutVars>
           <dgm:bulletEnabled val="1"/>
@@ -1179,11 +1220,11 @@
       </dgm:prSet>
       <dgm:spPr/>
     </dgm:pt>
-    <dgm:pt modelId="{9230CF85-0F10-48B7-A111-05A42816E496}" type="pres">
+    <dgm:pt modelId="{1210EB70-7DAC-427C-9B88-3C5ED6908E19}" type="pres">
       <dgm:prSet presAssocID="{D9202329-A0AD-4D70-B7A8-67BECD229303}" presName="bgRect" presStyleLbl="bgAccFollowNode1" presStyleIdx="2" presStyleCnt="5"/>
       <dgm:spPr/>
     </dgm:pt>
-    <dgm:pt modelId="{9E3311DB-D80A-4DEC-A2B9-60D43DDAB812}" type="pres">
+    <dgm:pt modelId="{9BB5F71D-A8F1-48B4-BF9F-356E22CEA767}" type="pres">
       <dgm:prSet presAssocID="{B0B0C110-03CA-4319-BC3E-00FEFD0FA097}" presName="sibTransNodeCircle" presStyleLbl="alignNode1" presStyleIdx="4" presStyleCnt="10">
         <dgm:presLayoutVars>
           <dgm:chMax val="0"/>
@@ -1192,13 +1233,13 @@
       </dgm:prSet>
       <dgm:spPr/>
     </dgm:pt>
-    <dgm:pt modelId="{61249817-769E-4145-AE44-93A6DE8C4745}" type="pres">
+    <dgm:pt modelId="{EB4316DA-A231-41D1-9A50-C78A26C13CA9}" type="pres">
       <dgm:prSet presAssocID="{D9202329-A0AD-4D70-B7A8-67BECD229303}" presName="bottomLine" presStyleLbl="alignNode1" presStyleIdx="5" presStyleCnt="10">
         <dgm:presLayoutVars/>
       </dgm:prSet>
       <dgm:spPr/>
     </dgm:pt>
-    <dgm:pt modelId="{8ACC0E78-6930-4133-B99D-08EFB46F51E3}" type="pres">
+    <dgm:pt modelId="{EE9FC1B2-84A4-484E-A341-7028E1404350}" type="pres">
       <dgm:prSet presAssocID="{D9202329-A0AD-4D70-B7A8-67BECD229303}" presName="nodeText" presStyleLbl="bgAccFollowNode1" presStyleIdx="2" presStyleCnt="5">
         <dgm:presLayoutVars>
           <dgm:bulletEnabled val="1"/>
@@ -1206,11 +1247,11 @@
       </dgm:prSet>
       <dgm:spPr/>
     </dgm:pt>
-    <dgm:pt modelId="{6B833CDC-588E-4097-A684-AE716B355200}" type="pres">
+    <dgm:pt modelId="{69F0BC2D-615A-43BC-958C-1081D2CE2F9E}" type="pres">
       <dgm:prSet presAssocID="{B0B0C110-03CA-4319-BC3E-00FEFD0FA097}" presName="sibTrans" presStyleCnt="0"/>
       <dgm:spPr/>
     </dgm:pt>
-    <dgm:pt modelId="{ECFD4C03-3E34-42D0-82A5-C8C95FAFBA14}" type="pres">
+    <dgm:pt modelId="{14FFC096-A740-4ABA-B290-7B6CAF6C652D}" type="pres">
       <dgm:prSet presAssocID="{62F72487-4584-4253-8AC9-D2F056C28EEA}" presName="compositeNode" presStyleCnt="0">
         <dgm:presLayoutVars>
           <dgm:bulletEnabled val="1"/>
@@ -1218,11 +1259,11 @@
       </dgm:prSet>
       <dgm:spPr/>
     </dgm:pt>
-    <dgm:pt modelId="{5845861C-D762-4AFB-B5C2-3C43B92A8DE5}" type="pres">
+    <dgm:pt modelId="{02AF4459-5B5B-4DA5-B3A9-160150B84E00}" type="pres">
       <dgm:prSet presAssocID="{62F72487-4584-4253-8AC9-D2F056C28EEA}" presName="bgRect" presStyleLbl="bgAccFollowNode1" presStyleIdx="3" presStyleCnt="5"/>
       <dgm:spPr/>
     </dgm:pt>
-    <dgm:pt modelId="{AC8BA6BF-EE7F-484C-B65A-C640A6B38DE3}" type="pres">
+    <dgm:pt modelId="{627208E6-FE82-44D1-8027-B5DD71C59AE4}" type="pres">
       <dgm:prSet presAssocID="{90EF1837-FBD0-4682-B10D-CDC51C37A404}" presName="sibTransNodeCircle" presStyleLbl="alignNode1" presStyleIdx="6" presStyleCnt="10">
         <dgm:presLayoutVars>
           <dgm:chMax val="0"/>
@@ -1231,13 +1272,13 @@
       </dgm:prSet>
       <dgm:spPr/>
     </dgm:pt>
-    <dgm:pt modelId="{19A36772-D12C-46C1-8FC4-ECB3674E6255}" type="pres">
+    <dgm:pt modelId="{1CCF35C8-0636-4EBB-907A-26D308906090}" type="pres">
       <dgm:prSet presAssocID="{62F72487-4584-4253-8AC9-D2F056C28EEA}" presName="bottomLine" presStyleLbl="alignNode1" presStyleIdx="7" presStyleCnt="10">
         <dgm:presLayoutVars/>
       </dgm:prSet>
       <dgm:spPr/>
     </dgm:pt>
-    <dgm:pt modelId="{8F9C4EB2-0116-4A13-96FE-56DCF5D43403}" type="pres">
+    <dgm:pt modelId="{D24B3403-CB48-4537-B324-07852EFDE3E5}" type="pres">
       <dgm:prSet presAssocID="{62F72487-4584-4253-8AC9-D2F056C28EEA}" presName="nodeText" presStyleLbl="bgAccFollowNode1" presStyleIdx="3" presStyleCnt="5">
         <dgm:presLayoutVars>
           <dgm:bulletEnabled val="1"/>
@@ -1245,11 +1286,11 @@
       </dgm:prSet>
       <dgm:spPr/>
     </dgm:pt>
-    <dgm:pt modelId="{8A56E731-5970-45AB-8292-E058A5059A2D}" type="pres">
+    <dgm:pt modelId="{DE141D7D-2028-4E17-81E9-68A68E10E2C1}" type="pres">
       <dgm:prSet presAssocID="{90EF1837-FBD0-4682-B10D-CDC51C37A404}" presName="sibTrans" presStyleCnt="0"/>
       <dgm:spPr/>
     </dgm:pt>
-    <dgm:pt modelId="{5BBA83BE-258D-4D8B-AC1B-E1A2B020B2FC}" type="pres">
+    <dgm:pt modelId="{D6552AA8-2711-4312-898E-7060B378755C}" type="pres">
       <dgm:prSet presAssocID="{8B57002D-C4EC-4639-9DBE-B0BBEDFC3896}" presName="compositeNode" presStyleCnt="0">
         <dgm:presLayoutVars>
           <dgm:bulletEnabled val="1"/>
@@ -1257,11 +1298,11 @@
       </dgm:prSet>
       <dgm:spPr/>
     </dgm:pt>
-    <dgm:pt modelId="{05BAF06A-B492-46C3-91FD-C5E295DD57D2}" type="pres">
+    <dgm:pt modelId="{1D01C3AD-B1D3-4439-8BF5-DF63248893A9}" type="pres">
       <dgm:prSet presAssocID="{8B57002D-C4EC-4639-9DBE-B0BBEDFC3896}" presName="bgRect" presStyleLbl="bgAccFollowNode1" presStyleIdx="4" presStyleCnt="5"/>
       <dgm:spPr/>
     </dgm:pt>
-    <dgm:pt modelId="{E358C694-E90A-4302-A2E6-77D95C6265D0}" type="pres">
+    <dgm:pt modelId="{29CF9850-B784-4915-BB27-D8FC9A286240}" type="pres">
       <dgm:prSet presAssocID="{1BD08AEE-BC93-4CC6-8FBC-F34C69AF143A}" presName="sibTransNodeCircle" presStyleLbl="alignNode1" presStyleIdx="8" presStyleCnt="10">
         <dgm:presLayoutVars>
           <dgm:chMax val="0"/>
@@ -1270,13 +1311,13 @@
       </dgm:prSet>
       <dgm:spPr/>
     </dgm:pt>
-    <dgm:pt modelId="{F1271D9C-8F9F-4995-8B74-1A9A97AA7A66}" type="pres">
+    <dgm:pt modelId="{9CC431D6-C62E-4411-90CE-617F210E0B40}" type="pres">
       <dgm:prSet presAssocID="{8B57002D-C4EC-4639-9DBE-B0BBEDFC3896}" presName="bottomLine" presStyleLbl="alignNode1" presStyleIdx="9" presStyleCnt="10">
         <dgm:presLayoutVars/>
       </dgm:prSet>
       <dgm:spPr/>
     </dgm:pt>
-    <dgm:pt modelId="{F930EF4E-8476-4C5E-A52E-581DC5FFD683}" type="pres">
+    <dgm:pt modelId="{B0BF242E-643E-43CA-9414-93F7C0872937}" type="pres">
       <dgm:prSet presAssocID="{8B57002D-C4EC-4639-9DBE-B0BBEDFC3896}" presName="nodeText" presStyleLbl="bgAccFollowNode1" presStyleIdx="4" presStyleCnt="5">
         <dgm:presLayoutVars>
           <dgm:bulletEnabled val="1"/>
@@ -1286,56 +1327,56 @@
     </dgm:pt>
   </dgm:ptLst>
   <dgm:cxnLst>
-    <dgm:cxn modelId="{E381F507-0AAC-4859-9EDD-E970D404AF8E}" type="presOf" srcId="{E3695643-B186-429A-A02D-15BA0CF415FF}" destId="{1C80F2A9-A31F-4CBE-8061-EC06F0044484}" srcOrd="1" destOrd="0" presId="urn:microsoft.com/office/officeart/2016/7/layout/BasicLinearProcessNumbered"/>
-    <dgm:cxn modelId="{DFECAC13-EE16-4F36-8E76-032AF5271F4B}" type="presOf" srcId="{90EF1837-FBD0-4682-B10D-CDC51C37A404}" destId="{AC8BA6BF-EE7F-484C-B65A-C640A6B38DE3}" srcOrd="0" destOrd="0" presId="urn:microsoft.com/office/officeart/2016/7/layout/BasicLinearProcessNumbered"/>
-    <dgm:cxn modelId="{ECB5981B-2199-40E6-A5CB-A369E34EBF2F}" type="presOf" srcId="{89F2A311-7C01-43FC-80D5-70355455406C}" destId="{17D5E5BA-5432-4AEB-BBCB-15F78100AC7F}" srcOrd="0" destOrd="0" presId="urn:microsoft.com/office/officeart/2016/7/layout/BasicLinearProcessNumbered"/>
-    <dgm:cxn modelId="{2C266522-A781-48D5-BF7A-28AADB879A1E}" type="presOf" srcId="{DCF86573-5D85-4A7A-9E70-5CDDB2762B6F}" destId="{739FB06C-5D6E-4491-8B87-AF0867BF71B7}" srcOrd="0" destOrd="0" presId="urn:microsoft.com/office/officeart/2016/7/layout/BasicLinearProcessNumbered"/>
-    <dgm:cxn modelId="{2A7E1F40-49DD-4D31-B0EE-403F4D9A08D5}" type="presOf" srcId="{B0B0C110-03CA-4319-BC3E-00FEFD0FA097}" destId="{9E3311DB-D80A-4DEC-A2B9-60D43DDAB812}" srcOrd="0" destOrd="0" presId="urn:microsoft.com/office/officeart/2016/7/layout/BasicLinearProcessNumbered"/>
-    <dgm:cxn modelId="{6E21DB40-F691-4DF1-8521-F1B1305A344B}" type="presOf" srcId="{8B57002D-C4EC-4639-9DBE-B0BBEDFC3896}" destId="{F930EF4E-8476-4C5E-A52E-581DC5FFD683}" srcOrd="1" destOrd="0" presId="urn:microsoft.com/office/officeart/2016/7/layout/BasicLinearProcessNumbered"/>
-    <dgm:cxn modelId="{5DCC5E61-DD03-4B1F-93EF-4136919474B0}" type="presOf" srcId="{62F72487-4584-4253-8AC9-D2F056C28EEA}" destId="{8F9C4EB2-0116-4A13-96FE-56DCF5D43403}" srcOrd="1" destOrd="0" presId="urn:microsoft.com/office/officeart/2016/7/layout/BasicLinearProcessNumbered"/>
-    <dgm:cxn modelId="{3CC00A44-3AA9-4579-ABF1-90020098FB2D}" type="presOf" srcId="{E3695643-B186-429A-A02D-15BA0CF415FF}" destId="{A6D2E474-74A7-4AB7-B192-27764120F575}" srcOrd="0" destOrd="0" presId="urn:microsoft.com/office/officeart/2016/7/layout/BasicLinearProcessNumbered"/>
-    <dgm:cxn modelId="{33709764-7FA6-483A-BD44-8598724ABF78}" type="presOf" srcId="{D9202329-A0AD-4D70-B7A8-67BECD229303}" destId="{9230CF85-0F10-48B7-A111-05A42816E496}" srcOrd="0" destOrd="0" presId="urn:microsoft.com/office/officeart/2016/7/layout/BasicLinearProcessNumbered"/>
+    <dgm:cxn modelId="{5BBF791D-D2E6-43C0-B8C4-D45811233B24}" type="presOf" srcId="{8612916F-0DB0-4E8E-BBB7-7778844A929E}" destId="{00F91A80-2BCF-4377-96C8-DB34A68BEAE6}" srcOrd="0" destOrd="0" presId="urn:microsoft.com/office/officeart/2016/7/layout/BasicLinearProcessNumbered"/>
+    <dgm:cxn modelId="{DFB7C434-D6D8-4791-9E9D-4FE46BB015A9}" type="presOf" srcId="{D9202329-A0AD-4D70-B7A8-67BECD229303}" destId="{EE9FC1B2-84A4-484E-A341-7028E1404350}" srcOrd="1" destOrd="0" presId="urn:microsoft.com/office/officeart/2016/7/layout/BasicLinearProcessNumbered"/>
+    <dgm:cxn modelId="{66485765-6426-48A7-A011-A2C7AC4DDF52}" type="presOf" srcId="{E3695643-B186-429A-A02D-15BA0CF415FF}" destId="{B4F58146-2162-4F3A-BF62-AC5D88E4DABA}" srcOrd="1" destOrd="0" presId="urn:microsoft.com/office/officeart/2016/7/layout/BasicLinearProcessNumbered"/>
     <dgm:cxn modelId="{203C2768-5545-4358-B003-0E61B5DCF2E4}" srcId="{89F2A311-7C01-43FC-80D5-70355455406C}" destId="{9B70EF5E-9296-4A78-B862-A93CCCFBA431}" srcOrd="0" destOrd="0" parTransId="{1F40E41A-21FC-4F6C-9718-5546AB8D9B97}" sibTransId="{8612916F-0DB0-4E8E-BBB7-7778844A929E}"/>
+    <dgm:cxn modelId="{FA41484F-2824-4583-9DB3-2F4321117A84}" type="presOf" srcId="{8B57002D-C4EC-4639-9DBE-B0BBEDFC3896}" destId="{1D01C3AD-B1D3-4439-8BF5-DF63248893A9}" srcOrd="0" destOrd="0" presId="urn:microsoft.com/office/officeart/2016/7/layout/BasicLinearProcessNumbered"/>
+    <dgm:cxn modelId="{675BD475-8B61-4171-85FD-C8B678A52A44}" type="presOf" srcId="{90EF1837-FBD0-4682-B10D-CDC51C37A404}" destId="{627208E6-FE82-44D1-8027-B5DD71C59AE4}" srcOrd="0" destOrd="0" presId="urn:microsoft.com/office/officeart/2016/7/layout/BasicLinearProcessNumbered"/>
     <dgm:cxn modelId="{DBB75779-35C0-4308-9BAF-5C2252086B0F}" srcId="{89F2A311-7C01-43FC-80D5-70355455406C}" destId="{E3695643-B186-429A-A02D-15BA0CF415FF}" srcOrd="1" destOrd="0" parTransId="{EF24E30C-AF86-497C-9716-309B318331F8}" sibTransId="{DCF86573-5D85-4A7A-9E70-5CDDB2762B6F}"/>
+    <dgm:cxn modelId="{E241375A-A8A8-496B-924D-AC170A053626}" type="presOf" srcId="{62F72487-4584-4253-8AC9-D2F056C28EEA}" destId="{02AF4459-5B5B-4DA5-B3A9-160150B84E00}" srcOrd="0" destOrd="0" presId="urn:microsoft.com/office/officeart/2016/7/layout/BasicLinearProcessNumbered"/>
     <dgm:cxn modelId="{07BAF393-4E82-4E97-B725-D6124B315CCA}" srcId="{89F2A311-7C01-43FC-80D5-70355455406C}" destId="{62F72487-4584-4253-8AC9-D2F056C28EEA}" srcOrd="3" destOrd="0" parTransId="{62C5ABC7-2AC4-4A6F-9D2D-5490BA8375EA}" sibTransId="{90EF1837-FBD0-4682-B10D-CDC51C37A404}"/>
+    <dgm:cxn modelId="{36F67695-9FFE-4BA4-8581-1816C6117643}" type="presOf" srcId="{E3695643-B186-429A-A02D-15BA0CF415FF}" destId="{BA6EB059-ACAA-4DFA-A065-13B38F5A130D}" srcOrd="0" destOrd="0" presId="urn:microsoft.com/office/officeart/2016/7/layout/BasicLinearProcessNumbered"/>
+    <dgm:cxn modelId="{505C9195-0907-40C8-8B73-5C713A6D6672}" type="presOf" srcId="{9B70EF5E-9296-4A78-B862-A93CCCFBA431}" destId="{88D0CF6A-030B-4D92-84B0-A41D3FB3D2E0}" srcOrd="1" destOrd="0" presId="urn:microsoft.com/office/officeart/2016/7/layout/BasicLinearProcessNumbered"/>
     <dgm:cxn modelId="{AC7A80AB-6735-460C-B18A-6D70A6B3BF2E}" srcId="{89F2A311-7C01-43FC-80D5-70355455406C}" destId="{D9202329-A0AD-4D70-B7A8-67BECD229303}" srcOrd="2" destOrd="0" parTransId="{05EB48D4-F2BD-464F-91B0-4E7C5E077DAE}" sibTransId="{B0B0C110-03CA-4319-BC3E-00FEFD0FA097}"/>
     <dgm:cxn modelId="{DDF66AAD-579E-4B2C-AF69-5DCFB2B162CD}" srcId="{89F2A311-7C01-43FC-80D5-70355455406C}" destId="{8B57002D-C4EC-4639-9DBE-B0BBEDFC3896}" srcOrd="4" destOrd="0" parTransId="{207E5DA1-7EB5-4DD8-BDAE-4A5F0D818AD2}" sibTransId="{1BD08AEE-BC93-4CC6-8FBC-F34C69AF143A}"/>
-    <dgm:cxn modelId="{356EB1DE-B094-4DF2-AD46-7F385CC00D62}" type="presOf" srcId="{8B57002D-C4EC-4639-9DBE-B0BBEDFC3896}" destId="{05BAF06A-B492-46C3-91FD-C5E295DD57D2}" srcOrd="0" destOrd="0" presId="urn:microsoft.com/office/officeart/2016/7/layout/BasicLinearProcessNumbered"/>
-    <dgm:cxn modelId="{A4BB2DDF-0F25-499C-8EDC-C5039A2F7A21}" type="presOf" srcId="{8612916F-0DB0-4E8E-BBB7-7778844A929E}" destId="{14DE7969-43F1-4F46-ABB6-3E414D392A48}" srcOrd="0" destOrd="0" presId="urn:microsoft.com/office/officeart/2016/7/layout/BasicLinearProcessNumbered"/>
-    <dgm:cxn modelId="{049377DF-6F82-48E2-B68A-6585FE0E9CAA}" type="presOf" srcId="{1BD08AEE-BC93-4CC6-8FBC-F34C69AF143A}" destId="{E358C694-E90A-4302-A2E6-77D95C6265D0}" srcOrd="0" destOrd="0" presId="urn:microsoft.com/office/officeart/2016/7/layout/BasicLinearProcessNumbered"/>
-    <dgm:cxn modelId="{DF384DE3-4655-466A-8397-864996894DC7}" type="presOf" srcId="{9B70EF5E-9296-4A78-B862-A93CCCFBA431}" destId="{1572A2DF-93F2-49AB-859A-253BCFA72882}" srcOrd="1" destOrd="0" presId="urn:microsoft.com/office/officeart/2016/7/layout/BasicLinearProcessNumbered"/>
-    <dgm:cxn modelId="{96BDE7F0-32B0-4F98-A3E7-396DD0252797}" type="presOf" srcId="{9B70EF5E-9296-4A78-B862-A93CCCFBA431}" destId="{B64383AC-70F1-4BF1-A72E-623D2F620A8D}" srcOrd="0" destOrd="0" presId="urn:microsoft.com/office/officeart/2016/7/layout/BasicLinearProcessNumbered"/>
-    <dgm:cxn modelId="{4451A2F6-7DC5-40F4-9431-044C26A0F2E7}" type="presOf" srcId="{62F72487-4584-4253-8AC9-D2F056C28EEA}" destId="{5845861C-D762-4AFB-B5C2-3C43B92A8DE5}" srcOrd="0" destOrd="0" presId="urn:microsoft.com/office/officeart/2016/7/layout/BasicLinearProcessNumbered"/>
-    <dgm:cxn modelId="{2F9C23FF-6D7E-4A6C-AFA2-A57705ACB7B4}" type="presOf" srcId="{D9202329-A0AD-4D70-B7A8-67BECD229303}" destId="{8ACC0E78-6930-4133-B99D-08EFB46F51E3}" srcOrd="1" destOrd="0" presId="urn:microsoft.com/office/officeart/2016/7/layout/BasicLinearProcessNumbered"/>
-    <dgm:cxn modelId="{4AB717E6-9CB3-4FE6-B164-0F79E15DA2B8}" type="presParOf" srcId="{17D5E5BA-5432-4AEB-BBCB-15F78100AC7F}" destId="{1A22A454-E74C-42B6-BA0F-899F68672AF9}" srcOrd="0" destOrd="0" presId="urn:microsoft.com/office/officeart/2016/7/layout/BasicLinearProcessNumbered"/>
-    <dgm:cxn modelId="{87F11990-850D-4626-96C1-125509379D4F}" type="presParOf" srcId="{1A22A454-E74C-42B6-BA0F-899F68672AF9}" destId="{B64383AC-70F1-4BF1-A72E-623D2F620A8D}" srcOrd="0" destOrd="0" presId="urn:microsoft.com/office/officeart/2016/7/layout/BasicLinearProcessNumbered"/>
-    <dgm:cxn modelId="{69A01CC9-BFC4-4C11-AE9C-B0D90F05CAEE}" type="presParOf" srcId="{1A22A454-E74C-42B6-BA0F-899F68672AF9}" destId="{14DE7969-43F1-4F46-ABB6-3E414D392A48}" srcOrd="1" destOrd="0" presId="urn:microsoft.com/office/officeart/2016/7/layout/BasicLinearProcessNumbered"/>
-    <dgm:cxn modelId="{94FD9901-0C30-44D3-8B0E-E0F78C7DF35C}" type="presParOf" srcId="{1A22A454-E74C-42B6-BA0F-899F68672AF9}" destId="{2E73484B-8667-4952-B8A6-379BCB9DD433}" srcOrd="2" destOrd="0" presId="urn:microsoft.com/office/officeart/2016/7/layout/BasicLinearProcessNumbered"/>
-    <dgm:cxn modelId="{6C674A6D-7CDD-442B-8149-BC11B177A631}" type="presParOf" srcId="{1A22A454-E74C-42B6-BA0F-899F68672AF9}" destId="{1572A2DF-93F2-49AB-859A-253BCFA72882}" srcOrd="3" destOrd="0" presId="urn:microsoft.com/office/officeart/2016/7/layout/BasicLinearProcessNumbered"/>
-    <dgm:cxn modelId="{04F8ED3F-60B7-4FA8-8CDC-5C8A293045EF}" type="presParOf" srcId="{17D5E5BA-5432-4AEB-BBCB-15F78100AC7F}" destId="{D7A640BE-103B-4124-96A2-BB43475544AB}" srcOrd="1" destOrd="0" presId="urn:microsoft.com/office/officeart/2016/7/layout/BasicLinearProcessNumbered"/>
-    <dgm:cxn modelId="{012B5412-A5F4-4C10-8992-A19D35B22049}" type="presParOf" srcId="{17D5E5BA-5432-4AEB-BBCB-15F78100AC7F}" destId="{7FED4890-465E-462E-AC90-D838B7A83CDA}" srcOrd="2" destOrd="0" presId="urn:microsoft.com/office/officeart/2016/7/layout/BasicLinearProcessNumbered"/>
-    <dgm:cxn modelId="{D62F31E5-9D5D-44A4-871C-9756ADB22AB3}" type="presParOf" srcId="{7FED4890-465E-462E-AC90-D838B7A83CDA}" destId="{A6D2E474-74A7-4AB7-B192-27764120F575}" srcOrd="0" destOrd="0" presId="urn:microsoft.com/office/officeart/2016/7/layout/BasicLinearProcessNumbered"/>
-    <dgm:cxn modelId="{41F9CDEE-0A20-4E84-AC74-CD956D19A452}" type="presParOf" srcId="{7FED4890-465E-462E-AC90-D838B7A83CDA}" destId="{739FB06C-5D6E-4491-8B87-AF0867BF71B7}" srcOrd="1" destOrd="0" presId="urn:microsoft.com/office/officeart/2016/7/layout/BasicLinearProcessNumbered"/>
-    <dgm:cxn modelId="{74228CE9-92A7-4BEE-807B-2CB222326399}" type="presParOf" srcId="{7FED4890-465E-462E-AC90-D838B7A83CDA}" destId="{35AB3FC5-D68A-406A-967E-A26D256F5401}" srcOrd="2" destOrd="0" presId="urn:microsoft.com/office/officeart/2016/7/layout/BasicLinearProcessNumbered"/>
-    <dgm:cxn modelId="{E1186101-67A2-41CF-B8CA-0B41DEF0E69F}" type="presParOf" srcId="{7FED4890-465E-462E-AC90-D838B7A83CDA}" destId="{1C80F2A9-A31F-4CBE-8061-EC06F0044484}" srcOrd="3" destOrd="0" presId="urn:microsoft.com/office/officeart/2016/7/layout/BasicLinearProcessNumbered"/>
-    <dgm:cxn modelId="{FE96AAB1-3A0B-4A03-9D81-0EED24C91EC1}" type="presParOf" srcId="{17D5E5BA-5432-4AEB-BBCB-15F78100AC7F}" destId="{FC60B6D7-C451-4903-B0E1-5591D4EF5A3A}" srcOrd="3" destOrd="0" presId="urn:microsoft.com/office/officeart/2016/7/layout/BasicLinearProcessNumbered"/>
-    <dgm:cxn modelId="{A07F5A7D-87BA-4CC0-9811-D76E77CF7EC5}" type="presParOf" srcId="{17D5E5BA-5432-4AEB-BBCB-15F78100AC7F}" destId="{27062389-1CC6-4CA5-A65C-CC4085FE6545}" srcOrd="4" destOrd="0" presId="urn:microsoft.com/office/officeart/2016/7/layout/BasicLinearProcessNumbered"/>
-    <dgm:cxn modelId="{66990FED-86CE-4BE4-8D19-2B5AA9A884A3}" type="presParOf" srcId="{27062389-1CC6-4CA5-A65C-CC4085FE6545}" destId="{9230CF85-0F10-48B7-A111-05A42816E496}" srcOrd="0" destOrd="0" presId="urn:microsoft.com/office/officeart/2016/7/layout/BasicLinearProcessNumbered"/>
-    <dgm:cxn modelId="{2CE0C9D7-D8C5-4640-B669-3FE782B6B319}" type="presParOf" srcId="{27062389-1CC6-4CA5-A65C-CC4085FE6545}" destId="{9E3311DB-D80A-4DEC-A2B9-60D43DDAB812}" srcOrd="1" destOrd="0" presId="urn:microsoft.com/office/officeart/2016/7/layout/BasicLinearProcessNumbered"/>
-    <dgm:cxn modelId="{CA56D524-AC57-4302-832B-EC9C3CE8C0BB}" type="presParOf" srcId="{27062389-1CC6-4CA5-A65C-CC4085FE6545}" destId="{61249817-769E-4145-AE44-93A6DE8C4745}" srcOrd="2" destOrd="0" presId="urn:microsoft.com/office/officeart/2016/7/layout/BasicLinearProcessNumbered"/>
-    <dgm:cxn modelId="{2811E1E1-1BAF-48DD-BC25-03F903DD4BF3}" type="presParOf" srcId="{27062389-1CC6-4CA5-A65C-CC4085FE6545}" destId="{8ACC0E78-6930-4133-B99D-08EFB46F51E3}" srcOrd="3" destOrd="0" presId="urn:microsoft.com/office/officeart/2016/7/layout/BasicLinearProcessNumbered"/>
-    <dgm:cxn modelId="{ABCCC616-008E-4F22-928A-548654C4BC8C}" type="presParOf" srcId="{17D5E5BA-5432-4AEB-BBCB-15F78100AC7F}" destId="{6B833CDC-588E-4097-A684-AE716B355200}" srcOrd="5" destOrd="0" presId="urn:microsoft.com/office/officeart/2016/7/layout/BasicLinearProcessNumbered"/>
-    <dgm:cxn modelId="{7549D0F7-974D-4E3F-AEBF-6A25F6F37D1E}" type="presParOf" srcId="{17D5E5BA-5432-4AEB-BBCB-15F78100AC7F}" destId="{ECFD4C03-3E34-42D0-82A5-C8C95FAFBA14}" srcOrd="6" destOrd="0" presId="urn:microsoft.com/office/officeart/2016/7/layout/BasicLinearProcessNumbered"/>
-    <dgm:cxn modelId="{5F586F08-661F-455C-81F9-ECE3F339FD1B}" type="presParOf" srcId="{ECFD4C03-3E34-42D0-82A5-C8C95FAFBA14}" destId="{5845861C-D762-4AFB-B5C2-3C43B92A8DE5}" srcOrd="0" destOrd="0" presId="urn:microsoft.com/office/officeart/2016/7/layout/BasicLinearProcessNumbered"/>
-    <dgm:cxn modelId="{2C9EB452-3EF6-4023-B8D0-E4C30E08F370}" type="presParOf" srcId="{ECFD4C03-3E34-42D0-82A5-C8C95FAFBA14}" destId="{AC8BA6BF-EE7F-484C-B65A-C640A6B38DE3}" srcOrd="1" destOrd="0" presId="urn:microsoft.com/office/officeart/2016/7/layout/BasicLinearProcessNumbered"/>
-    <dgm:cxn modelId="{8A22BE1C-D420-43E2-9F3D-3CE29429D2AD}" type="presParOf" srcId="{ECFD4C03-3E34-42D0-82A5-C8C95FAFBA14}" destId="{19A36772-D12C-46C1-8FC4-ECB3674E6255}" srcOrd="2" destOrd="0" presId="urn:microsoft.com/office/officeart/2016/7/layout/BasicLinearProcessNumbered"/>
-    <dgm:cxn modelId="{222F8E62-03F3-4EF7-9B7A-7C60B18E9A57}" type="presParOf" srcId="{ECFD4C03-3E34-42D0-82A5-C8C95FAFBA14}" destId="{8F9C4EB2-0116-4A13-96FE-56DCF5D43403}" srcOrd="3" destOrd="0" presId="urn:microsoft.com/office/officeart/2016/7/layout/BasicLinearProcessNumbered"/>
-    <dgm:cxn modelId="{A70E57AB-F154-4F3F-9E98-31ECA392783E}" type="presParOf" srcId="{17D5E5BA-5432-4AEB-BBCB-15F78100AC7F}" destId="{8A56E731-5970-45AB-8292-E058A5059A2D}" srcOrd="7" destOrd="0" presId="urn:microsoft.com/office/officeart/2016/7/layout/BasicLinearProcessNumbered"/>
-    <dgm:cxn modelId="{1B453FD5-B14E-420A-A321-8F41149DFC42}" type="presParOf" srcId="{17D5E5BA-5432-4AEB-BBCB-15F78100AC7F}" destId="{5BBA83BE-258D-4D8B-AC1B-E1A2B020B2FC}" srcOrd="8" destOrd="0" presId="urn:microsoft.com/office/officeart/2016/7/layout/BasicLinearProcessNumbered"/>
-    <dgm:cxn modelId="{300B86FD-5D16-48CF-A133-FAAC176064BA}" type="presParOf" srcId="{5BBA83BE-258D-4D8B-AC1B-E1A2B020B2FC}" destId="{05BAF06A-B492-46C3-91FD-C5E295DD57D2}" srcOrd="0" destOrd="0" presId="urn:microsoft.com/office/officeart/2016/7/layout/BasicLinearProcessNumbered"/>
-    <dgm:cxn modelId="{6BCBEF6A-2B45-407D-8681-DBCE9612E503}" type="presParOf" srcId="{5BBA83BE-258D-4D8B-AC1B-E1A2B020B2FC}" destId="{E358C694-E90A-4302-A2E6-77D95C6265D0}" srcOrd="1" destOrd="0" presId="urn:microsoft.com/office/officeart/2016/7/layout/BasicLinearProcessNumbered"/>
-    <dgm:cxn modelId="{77C00C4F-B98E-41AF-8C98-BD8E03C61F21}" type="presParOf" srcId="{5BBA83BE-258D-4D8B-AC1B-E1A2B020B2FC}" destId="{F1271D9C-8F9F-4995-8B74-1A9A97AA7A66}" srcOrd="2" destOrd="0" presId="urn:microsoft.com/office/officeart/2016/7/layout/BasicLinearProcessNumbered"/>
-    <dgm:cxn modelId="{402904FF-4C74-4A9E-81C9-0448612B5347}" type="presParOf" srcId="{5BBA83BE-258D-4D8B-AC1B-E1A2B020B2FC}" destId="{F930EF4E-8476-4C5E-A52E-581DC5FFD683}" srcOrd="3" destOrd="0" presId="urn:microsoft.com/office/officeart/2016/7/layout/BasicLinearProcessNumbered"/>
+    <dgm:cxn modelId="{50FE28B2-8884-407D-BB8B-2186E516DA45}" type="presOf" srcId="{B0B0C110-03CA-4319-BC3E-00FEFD0FA097}" destId="{9BB5F71D-A8F1-48B4-BF9F-356E22CEA767}" srcOrd="0" destOrd="0" presId="urn:microsoft.com/office/officeart/2016/7/layout/BasicLinearProcessNumbered"/>
+    <dgm:cxn modelId="{8104B4B3-4F62-48EE-B5C8-1BF049444826}" type="presOf" srcId="{89F2A311-7C01-43FC-80D5-70355455406C}" destId="{45295508-88E0-4B7A-B30C-47E29C71B12C}" srcOrd="0" destOrd="0" presId="urn:microsoft.com/office/officeart/2016/7/layout/BasicLinearProcessNumbered"/>
+    <dgm:cxn modelId="{5E46E6C2-C4E7-4594-AC72-FFC71D15556B}" type="presOf" srcId="{DCF86573-5D85-4A7A-9E70-5CDDB2762B6F}" destId="{C9666C1B-047C-467F-9799-A18C3C955A97}" srcOrd="0" destOrd="0" presId="urn:microsoft.com/office/officeart/2016/7/layout/BasicLinearProcessNumbered"/>
+    <dgm:cxn modelId="{D1233DC9-DFCB-4090-84F6-6449DA54B652}" type="presOf" srcId="{D9202329-A0AD-4D70-B7A8-67BECD229303}" destId="{1210EB70-7DAC-427C-9B88-3C5ED6908E19}" srcOrd="0" destOrd="0" presId="urn:microsoft.com/office/officeart/2016/7/layout/BasicLinearProcessNumbered"/>
+    <dgm:cxn modelId="{C3EF01D2-43FB-4DF3-A38F-53E25161FB81}" type="presOf" srcId="{8B57002D-C4EC-4639-9DBE-B0BBEDFC3896}" destId="{B0BF242E-643E-43CA-9414-93F7C0872937}" srcOrd="1" destOrd="0" presId="urn:microsoft.com/office/officeart/2016/7/layout/BasicLinearProcessNumbered"/>
+    <dgm:cxn modelId="{C241D4EA-9488-4500-8D6D-8C868B0408E4}" type="presOf" srcId="{9B70EF5E-9296-4A78-B862-A93CCCFBA431}" destId="{A6F2DAA3-032C-4CA3-AA70-D4483C0B16A5}" srcOrd="0" destOrd="0" presId="urn:microsoft.com/office/officeart/2016/7/layout/BasicLinearProcessNumbered"/>
+    <dgm:cxn modelId="{3263C9EB-EE12-463F-9949-FF9735938173}" type="presOf" srcId="{1BD08AEE-BC93-4CC6-8FBC-F34C69AF143A}" destId="{29CF9850-B784-4915-BB27-D8FC9A286240}" srcOrd="0" destOrd="0" presId="urn:microsoft.com/office/officeart/2016/7/layout/BasicLinearProcessNumbered"/>
+    <dgm:cxn modelId="{C3F30CF5-84FD-4CD3-9865-B7F31EB30EB5}" type="presOf" srcId="{62F72487-4584-4253-8AC9-D2F056C28EEA}" destId="{D24B3403-CB48-4537-B324-07852EFDE3E5}" srcOrd="1" destOrd="0" presId="urn:microsoft.com/office/officeart/2016/7/layout/BasicLinearProcessNumbered"/>
+    <dgm:cxn modelId="{FBBDD3C7-359A-40D3-A100-EE01F73210CD}" type="presParOf" srcId="{45295508-88E0-4B7A-B30C-47E29C71B12C}" destId="{99E4677E-C137-4037-A3E5-D823146F7D26}" srcOrd="0" destOrd="0" presId="urn:microsoft.com/office/officeart/2016/7/layout/BasicLinearProcessNumbered"/>
+    <dgm:cxn modelId="{274C45D7-0A64-4976-86F3-F5D4E4FCB6F6}" type="presParOf" srcId="{99E4677E-C137-4037-A3E5-D823146F7D26}" destId="{A6F2DAA3-032C-4CA3-AA70-D4483C0B16A5}" srcOrd="0" destOrd="0" presId="urn:microsoft.com/office/officeart/2016/7/layout/BasicLinearProcessNumbered"/>
+    <dgm:cxn modelId="{0C81EC27-01BD-4A40-8A48-887CB016DDE6}" type="presParOf" srcId="{99E4677E-C137-4037-A3E5-D823146F7D26}" destId="{00F91A80-2BCF-4377-96C8-DB34A68BEAE6}" srcOrd="1" destOrd="0" presId="urn:microsoft.com/office/officeart/2016/7/layout/BasicLinearProcessNumbered"/>
+    <dgm:cxn modelId="{3789F5F6-DC9D-4A8B-B939-70E5FC377DEA}" type="presParOf" srcId="{99E4677E-C137-4037-A3E5-D823146F7D26}" destId="{BAF036A4-D20E-4026-AF59-B796D7A4CD23}" srcOrd="2" destOrd="0" presId="urn:microsoft.com/office/officeart/2016/7/layout/BasicLinearProcessNumbered"/>
+    <dgm:cxn modelId="{7BE9552C-ED5C-4D8D-99E8-61A71A19F9A6}" type="presParOf" srcId="{99E4677E-C137-4037-A3E5-D823146F7D26}" destId="{88D0CF6A-030B-4D92-84B0-A41D3FB3D2E0}" srcOrd="3" destOrd="0" presId="urn:microsoft.com/office/officeart/2016/7/layout/BasicLinearProcessNumbered"/>
+    <dgm:cxn modelId="{1565B564-6CF8-4301-9DB9-A6138E8AB694}" type="presParOf" srcId="{45295508-88E0-4B7A-B30C-47E29C71B12C}" destId="{8E6EAF92-0A6C-4743-927B-EF7071A6049D}" srcOrd="1" destOrd="0" presId="urn:microsoft.com/office/officeart/2016/7/layout/BasicLinearProcessNumbered"/>
+    <dgm:cxn modelId="{402F84B0-850E-4572-818B-E86B81BF15CF}" type="presParOf" srcId="{45295508-88E0-4B7A-B30C-47E29C71B12C}" destId="{41AEF91E-FA1E-4D6C-9DDE-D8C094E21A00}" srcOrd="2" destOrd="0" presId="urn:microsoft.com/office/officeart/2016/7/layout/BasicLinearProcessNumbered"/>
+    <dgm:cxn modelId="{11836FF2-848F-47FA-A1E5-03FFEFDC3876}" type="presParOf" srcId="{41AEF91E-FA1E-4D6C-9DDE-D8C094E21A00}" destId="{BA6EB059-ACAA-4DFA-A065-13B38F5A130D}" srcOrd="0" destOrd="0" presId="urn:microsoft.com/office/officeart/2016/7/layout/BasicLinearProcessNumbered"/>
+    <dgm:cxn modelId="{8ED52017-D82D-4599-B7AE-92D8C8099587}" type="presParOf" srcId="{41AEF91E-FA1E-4D6C-9DDE-D8C094E21A00}" destId="{C9666C1B-047C-467F-9799-A18C3C955A97}" srcOrd="1" destOrd="0" presId="urn:microsoft.com/office/officeart/2016/7/layout/BasicLinearProcessNumbered"/>
+    <dgm:cxn modelId="{54178718-4FEE-4108-B269-01BAAF04A01E}" type="presParOf" srcId="{41AEF91E-FA1E-4D6C-9DDE-D8C094E21A00}" destId="{87DF6C25-4405-4DA5-B76E-D3111FE152E4}" srcOrd="2" destOrd="0" presId="urn:microsoft.com/office/officeart/2016/7/layout/BasicLinearProcessNumbered"/>
+    <dgm:cxn modelId="{C6E92F72-2A4F-4C5F-8D86-0E04E53F4BA7}" type="presParOf" srcId="{41AEF91E-FA1E-4D6C-9DDE-D8C094E21A00}" destId="{B4F58146-2162-4F3A-BF62-AC5D88E4DABA}" srcOrd="3" destOrd="0" presId="urn:microsoft.com/office/officeart/2016/7/layout/BasicLinearProcessNumbered"/>
+    <dgm:cxn modelId="{17EDC11E-210D-4E5C-9382-F62747C9C6AB}" type="presParOf" srcId="{45295508-88E0-4B7A-B30C-47E29C71B12C}" destId="{D5CAA8FC-BA96-428A-AF88-0F0781576574}" srcOrd="3" destOrd="0" presId="urn:microsoft.com/office/officeart/2016/7/layout/BasicLinearProcessNumbered"/>
+    <dgm:cxn modelId="{7A51157C-0135-43C9-8910-607BEBE651FB}" type="presParOf" srcId="{45295508-88E0-4B7A-B30C-47E29C71B12C}" destId="{3C11281C-6784-42D4-A307-5F5EF969C3B7}" srcOrd="4" destOrd="0" presId="urn:microsoft.com/office/officeart/2016/7/layout/BasicLinearProcessNumbered"/>
+    <dgm:cxn modelId="{29F2135C-D4AB-4F16-92B3-5565696F0E42}" type="presParOf" srcId="{3C11281C-6784-42D4-A307-5F5EF969C3B7}" destId="{1210EB70-7DAC-427C-9B88-3C5ED6908E19}" srcOrd="0" destOrd="0" presId="urn:microsoft.com/office/officeart/2016/7/layout/BasicLinearProcessNumbered"/>
+    <dgm:cxn modelId="{1FEABB47-CA12-41CD-82B2-0C934637E150}" type="presParOf" srcId="{3C11281C-6784-42D4-A307-5F5EF969C3B7}" destId="{9BB5F71D-A8F1-48B4-BF9F-356E22CEA767}" srcOrd="1" destOrd="0" presId="urn:microsoft.com/office/officeart/2016/7/layout/BasicLinearProcessNumbered"/>
+    <dgm:cxn modelId="{E7081EF1-9AFD-4A7E-AF98-B7D279E1FC8E}" type="presParOf" srcId="{3C11281C-6784-42D4-A307-5F5EF969C3B7}" destId="{EB4316DA-A231-41D1-9A50-C78A26C13CA9}" srcOrd="2" destOrd="0" presId="urn:microsoft.com/office/officeart/2016/7/layout/BasicLinearProcessNumbered"/>
+    <dgm:cxn modelId="{2873E98C-39BB-4B47-9E03-646F86D024BF}" type="presParOf" srcId="{3C11281C-6784-42D4-A307-5F5EF969C3B7}" destId="{EE9FC1B2-84A4-484E-A341-7028E1404350}" srcOrd="3" destOrd="0" presId="urn:microsoft.com/office/officeart/2016/7/layout/BasicLinearProcessNumbered"/>
+    <dgm:cxn modelId="{5063115C-B270-48F7-8BE3-ED010CFEA0C9}" type="presParOf" srcId="{45295508-88E0-4B7A-B30C-47E29C71B12C}" destId="{69F0BC2D-615A-43BC-958C-1081D2CE2F9E}" srcOrd="5" destOrd="0" presId="urn:microsoft.com/office/officeart/2016/7/layout/BasicLinearProcessNumbered"/>
+    <dgm:cxn modelId="{ADECB444-D5B5-468D-8F7C-5335941C3F99}" type="presParOf" srcId="{45295508-88E0-4B7A-B30C-47E29C71B12C}" destId="{14FFC096-A740-4ABA-B290-7B6CAF6C652D}" srcOrd="6" destOrd="0" presId="urn:microsoft.com/office/officeart/2016/7/layout/BasicLinearProcessNumbered"/>
+    <dgm:cxn modelId="{2D7E50A1-B8AB-4423-B41C-81F60D6055F3}" type="presParOf" srcId="{14FFC096-A740-4ABA-B290-7B6CAF6C652D}" destId="{02AF4459-5B5B-4DA5-B3A9-160150B84E00}" srcOrd="0" destOrd="0" presId="urn:microsoft.com/office/officeart/2016/7/layout/BasicLinearProcessNumbered"/>
+    <dgm:cxn modelId="{8CA3ED8A-5136-4834-862A-2FBF66611280}" type="presParOf" srcId="{14FFC096-A740-4ABA-B290-7B6CAF6C652D}" destId="{627208E6-FE82-44D1-8027-B5DD71C59AE4}" srcOrd="1" destOrd="0" presId="urn:microsoft.com/office/officeart/2016/7/layout/BasicLinearProcessNumbered"/>
+    <dgm:cxn modelId="{CB932DC2-CC00-4F85-888E-9938A1B84B21}" type="presParOf" srcId="{14FFC096-A740-4ABA-B290-7B6CAF6C652D}" destId="{1CCF35C8-0636-4EBB-907A-26D308906090}" srcOrd="2" destOrd="0" presId="urn:microsoft.com/office/officeart/2016/7/layout/BasicLinearProcessNumbered"/>
+    <dgm:cxn modelId="{EC72B919-3CFD-4BE6-832C-4D09E13A41C5}" type="presParOf" srcId="{14FFC096-A740-4ABA-B290-7B6CAF6C652D}" destId="{D24B3403-CB48-4537-B324-07852EFDE3E5}" srcOrd="3" destOrd="0" presId="urn:microsoft.com/office/officeart/2016/7/layout/BasicLinearProcessNumbered"/>
+    <dgm:cxn modelId="{C5EB81AB-30B2-4D3B-AD36-FE38B1986E54}" type="presParOf" srcId="{45295508-88E0-4B7A-B30C-47E29C71B12C}" destId="{DE141D7D-2028-4E17-81E9-68A68E10E2C1}" srcOrd="7" destOrd="0" presId="urn:microsoft.com/office/officeart/2016/7/layout/BasicLinearProcessNumbered"/>
+    <dgm:cxn modelId="{B0564A82-00A8-4D9B-916E-7D1D96074D00}" type="presParOf" srcId="{45295508-88E0-4B7A-B30C-47E29C71B12C}" destId="{D6552AA8-2711-4312-898E-7060B378755C}" srcOrd="8" destOrd="0" presId="urn:microsoft.com/office/officeart/2016/7/layout/BasicLinearProcessNumbered"/>
+    <dgm:cxn modelId="{18BEA2E2-3BA8-4B4D-A623-B2EE14FE8BC8}" type="presParOf" srcId="{D6552AA8-2711-4312-898E-7060B378755C}" destId="{1D01C3AD-B1D3-4439-8BF5-DF63248893A9}" srcOrd="0" destOrd="0" presId="urn:microsoft.com/office/officeart/2016/7/layout/BasicLinearProcessNumbered"/>
+    <dgm:cxn modelId="{0F339166-5FEC-4093-8E6B-D6CA26234B54}" type="presParOf" srcId="{D6552AA8-2711-4312-898E-7060B378755C}" destId="{29CF9850-B784-4915-BB27-D8FC9A286240}" srcOrd="1" destOrd="0" presId="urn:microsoft.com/office/officeart/2016/7/layout/BasicLinearProcessNumbered"/>
+    <dgm:cxn modelId="{6A9B6CAA-0227-4870-8BCB-18B06941E40E}" type="presParOf" srcId="{D6552AA8-2711-4312-898E-7060B378755C}" destId="{9CC431D6-C62E-4411-90CE-617F210E0B40}" srcOrd="2" destOrd="0" presId="urn:microsoft.com/office/officeart/2016/7/layout/BasicLinearProcessNumbered"/>
+    <dgm:cxn modelId="{61D29ECA-7EB9-4B21-88F2-B6F27F2C15A9}" type="presParOf" srcId="{D6552AA8-2711-4312-898E-7060B378755C}" destId="{B0BF242E-643E-43CA-9414-93F7C0872937}" srcOrd="3" destOrd="0" presId="urn:microsoft.com/office/officeart/2016/7/layout/BasicLinearProcessNumbered"/>
   </dgm:cxnLst>
   <dgm:bg/>
   <dgm:whole/>
@@ -1355,22 +1396,23 @@
       <dsp:cNvGrpSpPr/>
     </dsp:nvGrpSpPr>
     <dsp:grpSpPr/>
-    <dsp:sp modelId="{B64383AC-70F1-4BF1-A72E-623D2F620A8D}">
+    <dsp:sp modelId="{A6F2DAA3-032C-4CA3-AA70-D4483C0B16A5}">
       <dsp:nvSpPr>
         <dsp:cNvPr id="0" name=""/>
         <dsp:cNvSpPr/>
       </dsp:nvSpPr>
       <dsp:spPr>
         <a:xfrm>
-          <a:off x="2938" y="827143"/>
-          <a:ext cx="1590821" cy="2227149"/>
+          <a:off x="3287" y="800798"/>
+          <a:ext cx="1779918" cy="2491885"/>
         </a:xfrm>
         <a:prstGeom prst="rect">
           <a:avLst/>
         </a:prstGeom>
         <a:solidFill>
-          <a:schemeClr val="bg1">
-            <a:lumMod val="95000"/>
+          <a:schemeClr val="accent2">
+            <a:tint val="40000"/>
+            <a:alpha val="90000"/>
             <a:hueOff val="0"/>
             <a:satOff val="0"/>
             <a:lumOff val="0"/>
@@ -1379,8 +1421,9 @@
         </a:solidFill>
         <a:ln w="19050" cap="rnd" cmpd="sng" algn="ctr">
           <a:solidFill>
-            <a:schemeClr val="bg1">
-              <a:lumMod val="95000"/>
+            <a:schemeClr val="accent2">
+              <a:tint val="40000"/>
+              <a:alpha val="90000"/>
               <a:hueOff val="0"/>
               <a:satOff val="0"/>
               <a:lumOff val="0"/>
@@ -1404,12 +1447,12 @@
         <a:fontRef idx="minor"/>
       </dsp:style>
       <dsp:txBody>
-        <a:bodyPr spcFirstLastPara="0" vert="horz" wrap="square" lIns="124027" tIns="330200" rIns="124027" bIns="330200" numCol="1" spcCol="1270" anchor="t" anchorCtr="0">
+        <a:bodyPr spcFirstLastPara="0" vert="horz" wrap="square" lIns="138769" tIns="330200" rIns="138769" bIns="330200" numCol="1" spcCol="1270" anchor="t" anchorCtr="0">
           <a:noAutofit/>
         </a:bodyPr>
         <a:lstStyle/>
         <a:p>
-          <a:pPr marL="0" lvl="0" indent="0" algn="l" defTabSz="577850">
+          <a:pPr marL="0" lvl="0" indent="0" algn="l" defTabSz="622300">
             <a:lnSpc>
               <a:spcPct val="90000"/>
             </a:lnSpc>
@@ -1422,32 +1465,32 @@
             <a:buNone/>
           </a:pPr>
           <a:r>
-            <a:rPr lang="en-IN" sz="1300" kern="1200"/>
+            <a:rPr lang="en-IN" sz="1400" kern="1200"/>
             <a:t>Objective</a:t>
           </a:r>
-          <a:endParaRPr lang="en-US" sz="1300" kern="1200"/>
+          <a:endParaRPr lang="en-US" sz="1400" kern="1200"/>
         </a:p>
       </dsp:txBody>
       <dsp:txXfrm>
-        <a:off x="2938" y="1673460"/>
-        <a:ext cx="1590821" cy="1336289"/>
+        <a:off x="3287" y="1747714"/>
+        <a:ext cx="1779918" cy="1495131"/>
       </dsp:txXfrm>
     </dsp:sp>
-    <dsp:sp modelId="{14DE7969-43F1-4F46-ABB6-3E414D392A48}">
+    <dsp:sp modelId="{00F91A80-2BCF-4377-96C8-DB34A68BEAE6}">
       <dsp:nvSpPr>
         <dsp:cNvPr id="0" name=""/>
         <dsp:cNvSpPr/>
       </dsp:nvSpPr>
       <dsp:spPr>
         <a:xfrm>
-          <a:off x="464276" y="1049858"/>
-          <a:ext cx="668144" cy="668144"/>
+          <a:off x="519463" y="1049986"/>
+          <a:ext cx="747565" cy="747565"/>
         </a:xfrm>
         <a:prstGeom prst="ellipse">
           <a:avLst/>
         </a:prstGeom>
         <a:solidFill>
-          <a:schemeClr val="accent1">
+          <a:schemeClr val="accent2">
             <a:hueOff val="0"/>
             <a:satOff val="0"/>
             <a:lumOff val="0"/>
@@ -1456,7 +1499,7 @@
         </a:solidFill>
         <a:ln w="19050" cap="rnd" cmpd="sng" algn="ctr">
           <a:solidFill>
-            <a:schemeClr val="accent1">
+            <a:schemeClr val="accent2">
               <a:hueOff val="0"/>
               <a:satOff val="0"/>
               <a:lumOff val="0"/>
@@ -1482,12 +1525,12 @@
         </a:fontRef>
       </dsp:style>
       <dsp:txBody>
-        <a:bodyPr spcFirstLastPara="0" vert="horz" wrap="square" lIns="52091" tIns="12700" rIns="52091" bIns="12700" numCol="1" spcCol="1270" anchor="ctr" anchorCtr="0">
+        <a:bodyPr spcFirstLastPara="0" vert="horz" wrap="square" lIns="58283" tIns="12700" rIns="58283" bIns="12700" numCol="1" spcCol="1270" anchor="ctr" anchorCtr="0">
           <a:noAutofit/>
         </a:bodyPr>
         <a:lstStyle/>
         <a:p>
-          <a:pPr marL="0" lvl="0" indent="0" algn="ctr" defTabSz="1466850">
+          <a:pPr marL="0" lvl="0" indent="0" algn="ctr" defTabSz="1644650">
             <a:lnSpc>
               <a:spcPct val="90000"/>
             </a:lnSpc>
@@ -1500,43 +1543,43 @@
             <a:buNone/>
           </a:pPr>
           <a:r>
-            <a:rPr lang="en-US" sz="3300" kern="1200"/>
+            <a:rPr lang="en-US" sz="3700" kern="1200"/>
             <a:t>1</a:t>
           </a:r>
         </a:p>
       </dsp:txBody>
       <dsp:txXfrm>
-        <a:off x="562123" y="1147705"/>
-        <a:ext cx="472450" cy="472450"/>
+        <a:off x="628941" y="1159464"/>
+        <a:ext cx="528609" cy="528609"/>
       </dsp:txXfrm>
     </dsp:sp>
-    <dsp:sp modelId="{2E73484B-8667-4952-B8A6-379BCB9DD433}">
+    <dsp:sp modelId="{BAF036A4-D20E-4026-AF59-B796D7A4CD23}">
       <dsp:nvSpPr>
         <dsp:cNvPr id="0" name=""/>
         <dsp:cNvSpPr/>
       </dsp:nvSpPr>
       <dsp:spPr>
         <a:xfrm>
-          <a:off x="2938" y="3054221"/>
-          <a:ext cx="1590821" cy="72"/>
+          <a:off x="3287" y="3292611"/>
+          <a:ext cx="1779918" cy="72"/>
         </a:xfrm>
         <a:prstGeom prst="rect">
           <a:avLst/>
         </a:prstGeom>
         <a:solidFill>
-          <a:schemeClr val="accent1">
-            <a:hueOff val="0"/>
-            <a:satOff val="0"/>
-            <a:lumOff val="0"/>
+          <a:schemeClr val="accent2">
+            <a:hueOff val="-301383"/>
+            <a:satOff val="-184"/>
+            <a:lumOff val="719"/>
             <a:alphaOff val="0"/>
           </a:schemeClr>
         </a:solidFill>
         <a:ln w="19050" cap="rnd" cmpd="sng" algn="ctr">
           <a:solidFill>
-            <a:schemeClr val="accent1">
-              <a:hueOff val="0"/>
-              <a:satOff val="0"/>
-              <a:lumOff val="0"/>
+            <a:schemeClr val="accent2">
+              <a:hueOff val="-301383"/>
+              <a:satOff val="-184"/>
+              <a:lumOff val="719"/>
               <a:alphaOff val="0"/>
             </a:schemeClr>
           </a:solidFill>
@@ -1559,35 +1602,37 @@
         </a:fontRef>
       </dsp:style>
     </dsp:sp>
-    <dsp:sp modelId="{A6D2E474-74A7-4AB7-B192-27764120F575}">
+    <dsp:sp modelId="{BA6EB059-ACAA-4DFA-A065-13B38F5A130D}">
       <dsp:nvSpPr>
         <dsp:cNvPr id="0" name=""/>
         <dsp:cNvSpPr/>
       </dsp:nvSpPr>
       <dsp:spPr>
         <a:xfrm>
-          <a:off x="1752841" y="827143"/>
-          <a:ext cx="1590821" cy="2227149"/>
+          <a:off x="1961197" y="800798"/>
+          <a:ext cx="1779918" cy="2491885"/>
         </a:xfrm>
         <a:prstGeom prst="rect">
           <a:avLst/>
         </a:prstGeom>
         <a:solidFill>
-          <a:schemeClr val="bg1">
-            <a:lumMod val="95000"/>
-            <a:hueOff val="0"/>
-            <a:satOff val="0"/>
-            <a:lumOff val="0"/>
+          <a:schemeClr val="accent2">
+            <a:tint val="40000"/>
+            <a:alpha val="90000"/>
+            <a:hueOff val="-935342"/>
+            <a:satOff val="1882"/>
+            <a:lumOff val="287"/>
             <a:alphaOff val="0"/>
           </a:schemeClr>
         </a:solidFill>
         <a:ln w="19050" cap="rnd" cmpd="sng" algn="ctr">
           <a:solidFill>
-            <a:schemeClr val="bg1">
-              <a:lumMod val="95000"/>
-              <a:hueOff val="0"/>
-              <a:satOff val="0"/>
-              <a:lumOff val="0"/>
+            <a:schemeClr val="accent2">
+              <a:tint val="40000"/>
+              <a:alpha val="90000"/>
+              <a:hueOff val="-935342"/>
+              <a:satOff val="1882"/>
+              <a:lumOff val="287"/>
               <a:alphaOff val="0"/>
             </a:schemeClr>
           </a:solidFill>
@@ -1608,12 +1653,12 @@
         <a:fontRef idx="minor"/>
       </dsp:style>
       <dsp:txBody>
-        <a:bodyPr spcFirstLastPara="0" vert="horz" wrap="square" lIns="124027" tIns="330200" rIns="124027" bIns="330200" numCol="1" spcCol="1270" anchor="t" anchorCtr="0">
+        <a:bodyPr spcFirstLastPara="0" vert="horz" wrap="square" lIns="138769" tIns="330200" rIns="138769" bIns="330200" numCol="1" spcCol="1270" anchor="t" anchorCtr="0">
           <a:noAutofit/>
         </a:bodyPr>
         <a:lstStyle/>
         <a:p>
-          <a:pPr marL="0" lvl="0" indent="0" algn="l" defTabSz="577850">
+          <a:pPr marL="0" lvl="0" indent="0" algn="l" defTabSz="622300">
             <a:lnSpc>
               <a:spcPct val="90000"/>
             </a:lnSpc>
@@ -1626,44 +1671,44 @@
             <a:buNone/>
           </a:pPr>
           <a:r>
-            <a:rPr lang="en-IN" sz="1300" kern="1200" dirty="0"/>
+            <a:rPr lang="en-IN" sz="1400" kern="1200"/>
             <a:t>Data Exploration</a:t>
           </a:r>
-          <a:endParaRPr lang="en-US" sz="1300" kern="1200" dirty="0"/>
+          <a:endParaRPr lang="en-US" sz="1400" kern="1200"/>
         </a:p>
       </dsp:txBody>
       <dsp:txXfrm>
-        <a:off x="1752841" y="1673460"/>
-        <a:ext cx="1590821" cy="1336289"/>
+        <a:off x="1961197" y="1747714"/>
+        <a:ext cx="1779918" cy="1495131"/>
       </dsp:txXfrm>
     </dsp:sp>
-    <dsp:sp modelId="{739FB06C-5D6E-4491-8B87-AF0867BF71B7}">
+    <dsp:sp modelId="{C9666C1B-047C-467F-9799-A18C3C955A97}">
       <dsp:nvSpPr>
         <dsp:cNvPr id="0" name=""/>
         <dsp:cNvSpPr/>
       </dsp:nvSpPr>
       <dsp:spPr>
         <a:xfrm>
-          <a:off x="2214179" y="1049858"/>
-          <a:ext cx="668144" cy="668144"/>
+          <a:off x="2477373" y="1049986"/>
+          <a:ext cx="747565" cy="747565"/>
         </a:xfrm>
         <a:prstGeom prst="ellipse">
           <a:avLst/>
         </a:prstGeom>
         <a:solidFill>
-          <a:schemeClr val="accent1">
-            <a:hueOff val="0"/>
-            <a:satOff val="0"/>
-            <a:lumOff val="0"/>
+          <a:schemeClr val="accent2">
+            <a:hueOff val="-602767"/>
+            <a:satOff val="-368"/>
+            <a:lumOff val="1438"/>
             <a:alphaOff val="0"/>
           </a:schemeClr>
         </a:solidFill>
         <a:ln w="19050" cap="rnd" cmpd="sng" algn="ctr">
           <a:solidFill>
-            <a:schemeClr val="accent1">
-              <a:hueOff val="0"/>
-              <a:satOff val="0"/>
-              <a:lumOff val="0"/>
+            <a:schemeClr val="accent2">
+              <a:hueOff val="-602767"/>
+              <a:satOff val="-368"/>
+              <a:lumOff val="1438"/>
               <a:alphaOff val="0"/>
             </a:schemeClr>
           </a:solidFill>
@@ -1686,12 +1731,12 @@
         </a:fontRef>
       </dsp:style>
       <dsp:txBody>
-        <a:bodyPr spcFirstLastPara="0" vert="horz" wrap="square" lIns="52091" tIns="12700" rIns="52091" bIns="12700" numCol="1" spcCol="1270" anchor="ctr" anchorCtr="0">
+        <a:bodyPr spcFirstLastPara="0" vert="horz" wrap="square" lIns="58283" tIns="12700" rIns="58283" bIns="12700" numCol="1" spcCol="1270" anchor="ctr" anchorCtr="0">
           <a:noAutofit/>
         </a:bodyPr>
         <a:lstStyle/>
         <a:p>
-          <a:pPr marL="0" lvl="0" indent="0" algn="ctr" defTabSz="1466850">
+          <a:pPr marL="0" lvl="0" indent="0" algn="ctr" defTabSz="1644650">
             <a:lnSpc>
               <a:spcPct val="90000"/>
             </a:lnSpc>
@@ -1704,43 +1749,43 @@
             <a:buNone/>
           </a:pPr>
           <a:r>
-            <a:rPr lang="en-US" sz="3300" kern="1200"/>
+            <a:rPr lang="en-US" sz="3700" kern="1200"/>
             <a:t>2</a:t>
           </a:r>
         </a:p>
       </dsp:txBody>
       <dsp:txXfrm>
-        <a:off x="2312026" y="1147705"/>
-        <a:ext cx="472450" cy="472450"/>
+        <a:off x="2586851" y="1159464"/>
+        <a:ext cx="528609" cy="528609"/>
       </dsp:txXfrm>
     </dsp:sp>
-    <dsp:sp modelId="{35AB3FC5-D68A-406A-967E-A26D256F5401}">
+    <dsp:sp modelId="{87DF6C25-4405-4DA5-B76E-D3111FE152E4}">
       <dsp:nvSpPr>
         <dsp:cNvPr id="0" name=""/>
         <dsp:cNvSpPr/>
       </dsp:nvSpPr>
       <dsp:spPr>
         <a:xfrm>
-          <a:off x="1752841" y="3054221"/>
-          <a:ext cx="1590821" cy="72"/>
+          <a:off x="1961197" y="3292611"/>
+          <a:ext cx="1779918" cy="72"/>
         </a:xfrm>
         <a:prstGeom prst="rect">
           <a:avLst/>
         </a:prstGeom>
         <a:solidFill>
-          <a:schemeClr val="accent1">
-            <a:hueOff val="0"/>
-            <a:satOff val="0"/>
-            <a:lumOff val="0"/>
+          <a:schemeClr val="accent2">
+            <a:hueOff val="-904150"/>
+            <a:satOff val="-552"/>
+            <a:lumOff val="2157"/>
             <a:alphaOff val="0"/>
           </a:schemeClr>
         </a:solidFill>
         <a:ln w="19050" cap="rnd" cmpd="sng" algn="ctr">
           <a:solidFill>
-            <a:schemeClr val="accent1">
-              <a:hueOff val="0"/>
-              <a:satOff val="0"/>
-              <a:lumOff val="0"/>
+            <a:schemeClr val="accent2">
+              <a:hueOff val="-904150"/>
+              <a:satOff val="-552"/>
+              <a:lumOff val="2157"/>
               <a:alphaOff val="0"/>
             </a:schemeClr>
           </a:solidFill>
@@ -1763,35 +1808,37 @@
         </a:fontRef>
       </dsp:style>
     </dsp:sp>
-    <dsp:sp modelId="{9230CF85-0F10-48B7-A111-05A42816E496}">
+    <dsp:sp modelId="{1210EB70-7DAC-427C-9B88-3C5ED6908E19}">
       <dsp:nvSpPr>
         <dsp:cNvPr id="0" name=""/>
         <dsp:cNvSpPr/>
       </dsp:nvSpPr>
       <dsp:spPr>
         <a:xfrm>
-          <a:off x="3502745" y="827143"/>
-          <a:ext cx="1590821" cy="2227149"/>
+          <a:off x="3919107" y="800798"/>
+          <a:ext cx="1779918" cy="2491885"/>
         </a:xfrm>
         <a:prstGeom prst="rect">
           <a:avLst/>
         </a:prstGeom>
         <a:solidFill>
-          <a:schemeClr val="bg1">
-            <a:lumMod val="95000"/>
-            <a:hueOff val="0"/>
-            <a:satOff val="0"/>
-            <a:lumOff val="0"/>
+          <a:schemeClr val="accent2">
+            <a:tint val="40000"/>
+            <a:alpha val="90000"/>
+            <a:hueOff val="-1870684"/>
+            <a:satOff val="3763"/>
+            <a:lumOff val="574"/>
             <a:alphaOff val="0"/>
           </a:schemeClr>
         </a:solidFill>
         <a:ln w="19050" cap="rnd" cmpd="sng" algn="ctr">
           <a:solidFill>
-            <a:schemeClr val="bg1">
-              <a:lumMod val="95000"/>
-              <a:hueOff val="0"/>
-              <a:satOff val="0"/>
-              <a:lumOff val="0"/>
+            <a:schemeClr val="accent2">
+              <a:tint val="40000"/>
+              <a:alpha val="90000"/>
+              <a:hueOff val="-1870684"/>
+              <a:satOff val="3763"/>
+              <a:lumOff val="574"/>
               <a:alphaOff val="0"/>
             </a:schemeClr>
           </a:solidFill>
@@ -1812,12 +1859,12 @@
         <a:fontRef idx="minor"/>
       </dsp:style>
       <dsp:txBody>
-        <a:bodyPr spcFirstLastPara="0" vert="horz" wrap="square" lIns="124027" tIns="330200" rIns="124027" bIns="330200" numCol="1" spcCol="1270" anchor="t" anchorCtr="0">
+        <a:bodyPr spcFirstLastPara="0" vert="horz" wrap="square" lIns="138769" tIns="330200" rIns="138769" bIns="330200" numCol="1" spcCol="1270" anchor="t" anchorCtr="0">
           <a:noAutofit/>
         </a:bodyPr>
         <a:lstStyle/>
         <a:p>
-          <a:pPr marL="0" lvl="0" indent="0" algn="l" defTabSz="577850">
+          <a:pPr marL="0" lvl="0" indent="0" algn="l" defTabSz="622300">
             <a:lnSpc>
               <a:spcPct val="90000"/>
             </a:lnSpc>
@@ -1830,44 +1877,44 @@
             <a:buNone/>
           </a:pPr>
           <a:r>
-            <a:rPr lang="en-IN" sz="1300" kern="1200" dirty="0"/>
+            <a:rPr lang="en-IN" sz="1400" kern="1200"/>
             <a:t>Segmentation</a:t>
           </a:r>
-          <a:endParaRPr lang="en-US" sz="1300" kern="1200" dirty="0"/>
+          <a:endParaRPr lang="en-US" sz="1400" kern="1200"/>
         </a:p>
       </dsp:txBody>
       <dsp:txXfrm>
-        <a:off x="3502745" y="1673460"/>
-        <a:ext cx="1590821" cy="1336289"/>
+        <a:off x="3919107" y="1747714"/>
+        <a:ext cx="1779918" cy="1495131"/>
       </dsp:txXfrm>
     </dsp:sp>
-    <dsp:sp modelId="{9E3311DB-D80A-4DEC-A2B9-60D43DDAB812}">
+    <dsp:sp modelId="{9BB5F71D-A8F1-48B4-BF9F-356E22CEA767}">
       <dsp:nvSpPr>
         <dsp:cNvPr id="0" name=""/>
         <dsp:cNvSpPr/>
       </dsp:nvSpPr>
       <dsp:spPr>
         <a:xfrm>
-          <a:off x="3964083" y="1049858"/>
-          <a:ext cx="668144" cy="668144"/>
+          <a:off x="4435283" y="1049986"/>
+          <a:ext cx="747565" cy="747565"/>
         </a:xfrm>
         <a:prstGeom prst="ellipse">
           <a:avLst/>
         </a:prstGeom>
         <a:solidFill>
-          <a:schemeClr val="accent1">
-            <a:hueOff val="0"/>
-            <a:satOff val="0"/>
-            <a:lumOff val="0"/>
+          <a:schemeClr val="accent2">
+            <a:hueOff val="-1205533"/>
+            <a:satOff val="-736"/>
+            <a:lumOff val="2876"/>
             <a:alphaOff val="0"/>
           </a:schemeClr>
         </a:solidFill>
         <a:ln w="19050" cap="rnd" cmpd="sng" algn="ctr">
           <a:solidFill>
-            <a:schemeClr val="accent1">
-              <a:hueOff val="0"/>
-              <a:satOff val="0"/>
-              <a:lumOff val="0"/>
+            <a:schemeClr val="accent2">
+              <a:hueOff val="-1205533"/>
+              <a:satOff val="-736"/>
+              <a:lumOff val="2876"/>
               <a:alphaOff val="0"/>
             </a:schemeClr>
           </a:solidFill>
@@ -1890,12 +1937,12 @@
         </a:fontRef>
       </dsp:style>
       <dsp:txBody>
-        <a:bodyPr spcFirstLastPara="0" vert="horz" wrap="square" lIns="52091" tIns="12700" rIns="52091" bIns="12700" numCol="1" spcCol="1270" anchor="ctr" anchorCtr="0">
+        <a:bodyPr spcFirstLastPara="0" vert="horz" wrap="square" lIns="58283" tIns="12700" rIns="58283" bIns="12700" numCol="1" spcCol="1270" anchor="ctr" anchorCtr="0">
           <a:noAutofit/>
         </a:bodyPr>
         <a:lstStyle/>
         <a:p>
-          <a:pPr marL="0" lvl="0" indent="0" algn="ctr" defTabSz="1466850">
+          <a:pPr marL="0" lvl="0" indent="0" algn="ctr" defTabSz="1644650">
             <a:lnSpc>
               <a:spcPct val="90000"/>
             </a:lnSpc>
@@ -1908,43 +1955,43 @@
             <a:buNone/>
           </a:pPr>
           <a:r>
-            <a:rPr lang="en-US" sz="3300" kern="1200"/>
+            <a:rPr lang="en-US" sz="3700" kern="1200"/>
             <a:t>3</a:t>
           </a:r>
         </a:p>
       </dsp:txBody>
       <dsp:txXfrm>
-        <a:off x="4061930" y="1147705"/>
-        <a:ext cx="472450" cy="472450"/>
+        <a:off x="4544761" y="1159464"/>
+        <a:ext cx="528609" cy="528609"/>
       </dsp:txXfrm>
     </dsp:sp>
-    <dsp:sp modelId="{61249817-769E-4145-AE44-93A6DE8C4745}">
+    <dsp:sp modelId="{EB4316DA-A231-41D1-9A50-C78A26C13CA9}">
       <dsp:nvSpPr>
         <dsp:cNvPr id="0" name=""/>
         <dsp:cNvSpPr/>
       </dsp:nvSpPr>
       <dsp:spPr>
         <a:xfrm>
-          <a:off x="3502745" y="3054221"/>
-          <a:ext cx="1590821" cy="72"/>
+          <a:off x="3919107" y="3292611"/>
+          <a:ext cx="1779918" cy="72"/>
         </a:xfrm>
         <a:prstGeom prst="rect">
           <a:avLst/>
         </a:prstGeom>
         <a:solidFill>
-          <a:schemeClr val="accent1">
-            <a:hueOff val="0"/>
-            <a:satOff val="0"/>
-            <a:lumOff val="0"/>
+          <a:schemeClr val="accent2">
+            <a:hueOff val="-1506917"/>
+            <a:satOff val="-920"/>
+            <a:lumOff val="3595"/>
             <a:alphaOff val="0"/>
           </a:schemeClr>
         </a:solidFill>
         <a:ln w="19050" cap="rnd" cmpd="sng" algn="ctr">
           <a:solidFill>
-            <a:schemeClr val="accent1">
-              <a:hueOff val="0"/>
-              <a:satOff val="0"/>
-              <a:lumOff val="0"/>
+            <a:schemeClr val="accent2">
+              <a:hueOff val="-1506917"/>
+              <a:satOff val="-920"/>
+              <a:lumOff val="3595"/>
               <a:alphaOff val="0"/>
             </a:schemeClr>
           </a:solidFill>
@@ -1967,35 +2014,37 @@
         </a:fontRef>
       </dsp:style>
     </dsp:sp>
-    <dsp:sp modelId="{5845861C-D762-4AFB-B5C2-3C43B92A8DE5}">
+    <dsp:sp modelId="{02AF4459-5B5B-4DA5-B3A9-160150B84E00}">
       <dsp:nvSpPr>
         <dsp:cNvPr id="0" name=""/>
         <dsp:cNvSpPr/>
       </dsp:nvSpPr>
       <dsp:spPr>
         <a:xfrm>
-          <a:off x="5252648" y="827143"/>
-          <a:ext cx="1590821" cy="2227149"/>
+          <a:off x="5877017" y="800798"/>
+          <a:ext cx="1779918" cy="2491885"/>
         </a:xfrm>
         <a:prstGeom prst="rect">
           <a:avLst/>
         </a:prstGeom>
         <a:solidFill>
-          <a:schemeClr val="bg1">
-            <a:lumMod val="95000"/>
-            <a:hueOff val="0"/>
-            <a:satOff val="0"/>
-            <a:lumOff val="0"/>
+          <a:schemeClr val="accent2">
+            <a:tint val="40000"/>
+            <a:alpha val="90000"/>
+            <a:hueOff val="-2806026"/>
+            <a:satOff val="5645"/>
+            <a:lumOff val="860"/>
             <a:alphaOff val="0"/>
           </a:schemeClr>
         </a:solidFill>
         <a:ln w="19050" cap="rnd" cmpd="sng" algn="ctr">
           <a:solidFill>
-            <a:schemeClr val="bg1">
-              <a:lumMod val="95000"/>
-              <a:hueOff val="0"/>
-              <a:satOff val="0"/>
-              <a:lumOff val="0"/>
+            <a:schemeClr val="accent2">
+              <a:tint val="40000"/>
+              <a:alpha val="90000"/>
+              <a:hueOff val="-2806026"/>
+              <a:satOff val="5645"/>
+              <a:lumOff val="860"/>
               <a:alphaOff val="0"/>
             </a:schemeClr>
           </a:solidFill>
@@ -2016,12 +2065,12 @@
         <a:fontRef idx="minor"/>
       </dsp:style>
       <dsp:txBody>
-        <a:bodyPr spcFirstLastPara="0" vert="horz" wrap="square" lIns="124027" tIns="330200" rIns="124027" bIns="330200" numCol="1" spcCol="1270" anchor="t" anchorCtr="0">
+        <a:bodyPr spcFirstLastPara="0" vert="horz" wrap="square" lIns="138769" tIns="330200" rIns="138769" bIns="330200" numCol="1" spcCol="1270" anchor="t" anchorCtr="0">
           <a:noAutofit/>
         </a:bodyPr>
         <a:lstStyle/>
         <a:p>
-          <a:pPr marL="0" lvl="0" indent="0" algn="l" defTabSz="577850">
+          <a:pPr marL="0" lvl="0" indent="0" algn="l" defTabSz="622300">
             <a:lnSpc>
               <a:spcPct val="90000"/>
             </a:lnSpc>
@@ -2034,44 +2083,44 @@
             <a:buNone/>
           </a:pPr>
           <a:r>
-            <a:rPr lang="en-IN" sz="1300" kern="1200"/>
+            <a:rPr lang="en-IN" sz="1400" kern="1200"/>
             <a:t>Insights &amp; Recommendations</a:t>
           </a:r>
-          <a:endParaRPr lang="en-US" sz="1300" kern="1200"/>
+          <a:endParaRPr lang="en-US" sz="1400" kern="1200"/>
         </a:p>
       </dsp:txBody>
       <dsp:txXfrm>
-        <a:off x="5252648" y="1673460"/>
-        <a:ext cx="1590821" cy="1336289"/>
+        <a:off x="5877017" y="1747714"/>
+        <a:ext cx="1779918" cy="1495131"/>
       </dsp:txXfrm>
     </dsp:sp>
-    <dsp:sp modelId="{AC8BA6BF-EE7F-484C-B65A-C640A6B38DE3}">
+    <dsp:sp modelId="{627208E6-FE82-44D1-8027-B5DD71C59AE4}">
       <dsp:nvSpPr>
         <dsp:cNvPr id="0" name=""/>
         <dsp:cNvSpPr/>
       </dsp:nvSpPr>
       <dsp:spPr>
         <a:xfrm>
-          <a:off x="5713987" y="1049858"/>
-          <a:ext cx="668144" cy="668144"/>
+          <a:off x="6393193" y="1049986"/>
+          <a:ext cx="747565" cy="747565"/>
         </a:xfrm>
         <a:prstGeom prst="ellipse">
           <a:avLst/>
         </a:prstGeom>
         <a:solidFill>
-          <a:schemeClr val="accent1">
-            <a:hueOff val="0"/>
-            <a:satOff val="0"/>
-            <a:lumOff val="0"/>
+          <a:schemeClr val="accent2">
+            <a:hueOff val="-1808300"/>
+            <a:satOff val="-1104"/>
+            <a:lumOff val="4314"/>
             <a:alphaOff val="0"/>
           </a:schemeClr>
         </a:solidFill>
         <a:ln w="19050" cap="rnd" cmpd="sng" algn="ctr">
           <a:solidFill>
-            <a:schemeClr val="accent1">
-              <a:hueOff val="0"/>
-              <a:satOff val="0"/>
-              <a:lumOff val="0"/>
+            <a:schemeClr val="accent2">
+              <a:hueOff val="-1808300"/>
+              <a:satOff val="-1104"/>
+              <a:lumOff val="4314"/>
               <a:alphaOff val="0"/>
             </a:schemeClr>
           </a:solidFill>
@@ -2094,12 +2143,12 @@
         </a:fontRef>
       </dsp:style>
       <dsp:txBody>
-        <a:bodyPr spcFirstLastPara="0" vert="horz" wrap="square" lIns="52091" tIns="12700" rIns="52091" bIns="12700" numCol="1" spcCol="1270" anchor="ctr" anchorCtr="0">
+        <a:bodyPr spcFirstLastPara="0" vert="horz" wrap="square" lIns="58283" tIns="12700" rIns="58283" bIns="12700" numCol="1" spcCol="1270" anchor="ctr" anchorCtr="0">
           <a:noAutofit/>
         </a:bodyPr>
         <a:lstStyle/>
         <a:p>
-          <a:pPr marL="0" lvl="0" indent="0" algn="ctr" defTabSz="1466850">
+          <a:pPr marL="0" lvl="0" indent="0" algn="ctr" defTabSz="1644650">
             <a:lnSpc>
               <a:spcPct val="90000"/>
             </a:lnSpc>
@@ -2112,43 +2161,44 @@
             <a:buNone/>
           </a:pPr>
           <a:r>
-            <a:rPr lang="en-US" sz="3300" kern="1200" dirty="0"/>
+            <a:rPr lang="en-US" sz="3700" kern="1200"/>
             <a:t>4</a:t>
           </a:r>
+          <a:endParaRPr lang="en-US" sz="3700" kern="1200" dirty="0"/>
         </a:p>
       </dsp:txBody>
       <dsp:txXfrm>
-        <a:off x="5811834" y="1147705"/>
-        <a:ext cx="472450" cy="472450"/>
+        <a:off x="6502671" y="1159464"/>
+        <a:ext cx="528609" cy="528609"/>
       </dsp:txXfrm>
     </dsp:sp>
-    <dsp:sp modelId="{19A36772-D12C-46C1-8FC4-ECB3674E6255}">
+    <dsp:sp modelId="{1CCF35C8-0636-4EBB-907A-26D308906090}">
       <dsp:nvSpPr>
         <dsp:cNvPr id="0" name=""/>
         <dsp:cNvSpPr/>
       </dsp:nvSpPr>
       <dsp:spPr>
         <a:xfrm>
-          <a:off x="5252648" y="3054221"/>
-          <a:ext cx="1590821" cy="72"/>
+          <a:off x="5877017" y="3292611"/>
+          <a:ext cx="1779918" cy="72"/>
         </a:xfrm>
         <a:prstGeom prst="rect">
           <a:avLst/>
         </a:prstGeom>
         <a:solidFill>
-          <a:schemeClr val="accent1">
-            <a:hueOff val="0"/>
-            <a:satOff val="0"/>
-            <a:lumOff val="0"/>
+          <a:schemeClr val="accent2">
+            <a:hueOff val="-2109684"/>
+            <a:satOff val="-1288"/>
+            <a:lumOff val="5033"/>
             <a:alphaOff val="0"/>
           </a:schemeClr>
         </a:solidFill>
         <a:ln w="19050" cap="rnd" cmpd="sng" algn="ctr">
           <a:solidFill>
-            <a:schemeClr val="accent1">
-              <a:hueOff val="0"/>
-              <a:satOff val="0"/>
-              <a:lumOff val="0"/>
+            <a:schemeClr val="accent2">
+              <a:hueOff val="-2109684"/>
+              <a:satOff val="-1288"/>
+              <a:lumOff val="5033"/>
               <a:alphaOff val="0"/>
             </a:schemeClr>
           </a:solidFill>
@@ -2171,35 +2221,37 @@
         </a:fontRef>
       </dsp:style>
     </dsp:sp>
-    <dsp:sp modelId="{05BAF06A-B492-46C3-91FD-C5E295DD57D2}">
+    <dsp:sp modelId="{1D01C3AD-B1D3-4439-8BF5-DF63248893A9}">
       <dsp:nvSpPr>
         <dsp:cNvPr id="0" name=""/>
         <dsp:cNvSpPr/>
       </dsp:nvSpPr>
       <dsp:spPr>
         <a:xfrm>
-          <a:off x="7002552" y="827143"/>
-          <a:ext cx="1590821" cy="2227149"/>
+          <a:off x="7834927" y="800798"/>
+          <a:ext cx="1779918" cy="2491885"/>
         </a:xfrm>
         <a:prstGeom prst="rect">
           <a:avLst/>
         </a:prstGeom>
         <a:solidFill>
-          <a:schemeClr val="bg1">
-            <a:lumMod val="95000"/>
-            <a:hueOff val="0"/>
-            <a:satOff val="0"/>
-            <a:lumOff val="0"/>
+          <a:schemeClr val="accent2">
+            <a:tint val="40000"/>
+            <a:alpha val="90000"/>
+            <a:hueOff val="-3741368"/>
+            <a:satOff val="7526"/>
+            <a:lumOff val="1147"/>
             <a:alphaOff val="0"/>
           </a:schemeClr>
         </a:solidFill>
         <a:ln w="19050" cap="rnd" cmpd="sng" algn="ctr">
           <a:solidFill>
-            <a:schemeClr val="bg1">
-              <a:lumMod val="95000"/>
-              <a:hueOff val="0"/>
-              <a:satOff val="0"/>
-              <a:lumOff val="0"/>
+            <a:schemeClr val="accent2">
+              <a:tint val="40000"/>
+              <a:alpha val="90000"/>
+              <a:hueOff val="-3741368"/>
+              <a:satOff val="7526"/>
+              <a:lumOff val="1147"/>
               <a:alphaOff val="0"/>
             </a:schemeClr>
           </a:solidFill>
@@ -2220,12 +2272,12 @@
         <a:fontRef idx="minor"/>
       </dsp:style>
       <dsp:txBody>
-        <a:bodyPr spcFirstLastPara="0" vert="horz" wrap="square" lIns="124027" tIns="330200" rIns="124027" bIns="330200" numCol="1" spcCol="1270" anchor="t" anchorCtr="0">
+        <a:bodyPr spcFirstLastPara="0" vert="horz" wrap="square" lIns="138769" tIns="330200" rIns="138769" bIns="330200" numCol="1" spcCol="1270" anchor="t" anchorCtr="0">
           <a:noAutofit/>
         </a:bodyPr>
         <a:lstStyle/>
         <a:p>
-          <a:pPr marL="0" lvl="0" indent="0" algn="l" defTabSz="577850">
+          <a:pPr marL="0" lvl="0" indent="0" algn="l" defTabSz="622300">
             <a:lnSpc>
               <a:spcPct val="90000"/>
             </a:lnSpc>
@@ -2238,44 +2290,44 @@
             <a:buNone/>
           </a:pPr>
           <a:r>
-            <a:rPr lang="en-IN" sz="1300" kern="1200" dirty="0"/>
+            <a:rPr lang="en-IN" sz="1400" kern="1200"/>
             <a:t>Results</a:t>
           </a:r>
-          <a:endParaRPr lang="en-US" sz="1300" kern="1200" dirty="0"/>
+          <a:endParaRPr lang="en-US" sz="1400" kern="1200"/>
         </a:p>
       </dsp:txBody>
       <dsp:txXfrm>
-        <a:off x="7002552" y="1673460"/>
-        <a:ext cx="1590821" cy="1336289"/>
+        <a:off x="7834927" y="1747714"/>
+        <a:ext cx="1779918" cy="1495131"/>
       </dsp:txXfrm>
     </dsp:sp>
-    <dsp:sp modelId="{E358C694-E90A-4302-A2E6-77D95C6265D0}">
+    <dsp:sp modelId="{29CF9850-B784-4915-BB27-D8FC9A286240}">
       <dsp:nvSpPr>
         <dsp:cNvPr id="0" name=""/>
         <dsp:cNvSpPr/>
       </dsp:nvSpPr>
       <dsp:spPr>
         <a:xfrm>
-          <a:off x="7463890" y="1049858"/>
-          <a:ext cx="668144" cy="668144"/>
+          <a:off x="8351103" y="1049986"/>
+          <a:ext cx="747565" cy="747565"/>
         </a:xfrm>
         <a:prstGeom prst="ellipse">
           <a:avLst/>
         </a:prstGeom>
         <a:solidFill>
-          <a:schemeClr val="accent1">
-            <a:hueOff val="0"/>
-            <a:satOff val="0"/>
-            <a:lumOff val="0"/>
+          <a:schemeClr val="accent2">
+            <a:hueOff val="-2411067"/>
+            <a:satOff val="-1472"/>
+            <a:lumOff val="5752"/>
             <a:alphaOff val="0"/>
           </a:schemeClr>
         </a:solidFill>
         <a:ln w="19050" cap="rnd" cmpd="sng" algn="ctr">
           <a:solidFill>
-            <a:schemeClr val="accent1">
-              <a:hueOff val="0"/>
-              <a:satOff val="0"/>
-              <a:lumOff val="0"/>
+            <a:schemeClr val="accent2">
+              <a:hueOff val="-2411067"/>
+              <a:satOff val="-1472"/>
+              <a:lumOff val="5752"/>
               <a:alphaOff val="0"/>
             </a:schemeClr>
           </a:solidFill>
@@ -2298,12 +2350,12 @@
         </a:fontRef>
       </dsp:style>
       <dsp:txBody>
-        <a:bodyPr spcFirstLastPara="0" vert="horz" wrap="square" lIns="52091" tIns="12700" rIns="52091" bIns="12700" numCol="1" spcCol="1270" anchor="ctr" anchorCtr="0">
+        <a:bodyPr spcFirstLastPara="0" vert="horz" wrap="square" lIns="58283" tIns="12700" rIns="58283" bIns="12700" numCol="1" spcCol="1270" anchor="ctr" anchorCtr="0">
           <a:noAutofit/>
         </a:bodyPr>
         <a:lstStyle/>
         <a:p>
-          <a:pPr marL="0" lvl="0" indent="0" algn="ctr" defTabSz="1466850">
+          <a:pPr marL="0" lvl="0" indent="0" algn="ctr" defTabSz="1644650">
             <a:lnSpc>
               <a:spcPct val="90000"/>
             </a:lnSpc>
@@ -2316,43 +2368,44 @@
             <a:buNone/>
           </a:pPr>
           <a:r>
-            <a:rPr lang="en-US" sz="3300" kern="1200" dirty="0"/>
+            <a:rPr lang="en-US" sz="3700" kern="1200"/>
             <a:t>5</a:t>
           </a:r>
+          <a:endParaRPr lang="en-US" sz="3700" kern="1200" dirty="0"/>
         </a:p>
       </dsp:txBody>
       <dsp:txXfrm>
-        <a:off x="7561737" y="1147705"/>
-        <a:ext cx="472450" cy="472450"/>
+        <a:off x="8460581" y="1159464"/>
+        <a:ext cx="528609" cy="528609"/>
       </dsp:txXfrm>
     </dsp:sp>
-    <dsp:sp modelId="{F1271D9C-8F9F-4995-8B74-1A9A97AA7A66}">
+    <dsp:sp modelId="{9CC431D6-C62E-4411-90CE-617F210E0B40}">
       <dsp:nvSpPr>
         <dsp:cNvPr id="0" name=""/>
         <dsp:cNvSpPr/>
       </dsp:nvSpPr>
       <dsp:spPr>
         <a:xfrm>
-          <a:off x="7002552" y="3054221"/>
-          <a:ext cx="1590821" cy="72"/>
+          <a:off x="7834927" y="3292611"/>
+          <a:ext cx="1779918" cy="72"/>
         </a:xfrm>
         <a:prstGeom prst="rect">
           <a:avLst/>
         </a:prstGeom>
         <a:solidFill>
-          <a:schemeClr val="accent1">
-            <a:hueOff val="0"/>
-            <a:satOff val="0"/>
-            <a:lumOff val="0"/>
+          <a:schemeClr val="accent2">
+            <a:hueOff val="-2712450"/>
+            <a:satOff val="-1656"/>
+            <a:lumOff val="6471"/>
             <a:alphaOff val="0"/>
           </a:schemeClr>
         </a:solidFill>
         <a:ln w="19050" cap="rnd" cmpd="sng" algn="ctr">
           <a:solidFill>
-            <a:schemeClr val="accent1">
-              <a:hueOff val="0"/>
-              <a:satOff val="0"/>
-              <a:lumOff val="0"/>
+            <a:schemeClr val="accent2">
+              <a:hueOff val="-2712450"/>
+              <a:satOff val="-1656"/>
+              <a:lumOff val="6471"/>
               <a:alphaOff val="0"/>
             </a:schemeClr>
           </a:solidFill>
@@ -9549,11 +9602,11 @@
           <a:p>
             <a:r>
               <a:rPr lang="en-IN" sz="4000" dirty="0"/>
-              <a:t>Segment</a:t>
+              <a:t>Cluster 3 </a:t>
             </a:r>
             <a:r>
               <a:rPr lang="en-IN" sz="2800" dirty="0"/>
-              <a:t> 4 – Least Churn/Low International Callers</a:t>
+              <a:t>– Least Churn/Low International Callers</a:t>
             </a:r>
           </a:p>
         </p:txBody>
@@ -9618,118 +9671,245 @@
           </a:prstGeom>
         </p:spPr>
       </p:pic>
-      <p:sp>
-        <p:nvSpPr>
-          <p:cNvPr id="5" name="TextBox 4">
+      <p:graphicFrame>
+        <p:nvGraphicFramePr>
+          <p:cNvPr id="6" name="Table 5">
             <a:extLst>
               <a:ext uri="{FF2B5EF4-FFF2-40B4-BE49-F238E27FC236}">
-                <a16:creationId xmlns:a16="http://schemas.microsoft.com/office/drawing/2014/main" id="{C0D1B6C3-9A16-427E-9B57-2340592A951D}"/>
+                <a16:creationId xmlns:a16="http://schemas.microsoft.com/office/drawing/2014/main" id="{CDD29C68-4BBA-41E5-9036-236A1E3AD0BA}"/>
               </a:ext>
             </a:extLst>
           </p:cNvPr>
-          <p:cNvSpPr txBox="1"/>
-          <p:nvPr/>
-        </p:nvSpPr>
-        <p:spPr>
-          <a:xfrm>
-            <a:off x="590183" y="4475285"/>
-            <a:ext cx="5353417" cy="1631216"/>
-          </a:xfrm>
-          <a:prstGeom prst="rect">
-            <a:avLst/>
-          </a:prstGeom>
-          <a:noFill/>
-        </p:spPr>
-        <p:txBody>
-          <a:bodyPr wrap="square" rtlCol="0">
-            <a:spAutoFit/>
-          </a:bodyPr>
-          <a:lstStyle/>
-          <a:p>
-            <a:r>
-              <a:rPr lang="en-IN" sz="2000" dirty="0"/>
-              <a:t>Reasons for Churn:</a:t>
-            </a:r>
-          </a:p>
-          <a:p>
-            <a:pPr marL="285750" indent="-285750">
-              <a:buFont typeface="Arial" panose="020B0604020202020204" pitchFamily="34" charset="0"/>
-              <a:buChar char="•"/>
-            </a:pPr>
-            <a:r>
-              <a:rPr lang="en-US" sz="2000" dirty="0"/>
-              <a:t>Total_Charge &gt; $74.13, total_night_charge &lt; $10.76</a:t>
-            </a:r>
-          </a:p>
-          <a:p>
-            <a:pPr marL="285750" indent="-285750">
-              <a:buFont typeface="Arial" panose="020B0604020202020204" pitchFamily="34" charset="0"/>
-              <a:buChar char="•"/>
-            </a:pPr>
-            <a:r>
-              <a:rPr lang="en-US" sz="2000" dirty="0"/>
-              <a:t>Total_Charge &lt; $74.13 , having international plan but having total_intl_calls &lt; 3</a:t>
-            </a:r>
-            <a:endParaRPr lang="en-IN" sz="2000" dirty="0"/>
-          </a:p>
-        </p:txBody>
-      </p:sp>
-      <p:sp>
-        <p:nvSpPr>
-          <p:cNvPr id="8" name="TextBox 7">
-            <a:extLst>
-              <a:ext uri="{FF2B5EF4-FFF2-40B4-BE49-F238E27FC236}">
-                <a16:creationId xmlns:a16="http://schemas.microsoft.com/office/drawing/2014/main" id="{E30E21AC-BF9B-4497-A16F-8B662CB009FD}"/>
-              </a:ext>
-            </a:extLst>
-          </p:cNvPr>
-          <p:cNvSpPr txBox="1"/>
-          <p:nvPr/>
-        </p:nvSpPr>
-        <p:spPr>
-          <a:xfrm>
-            <a:off x="6814039" y="4465760"/>
-            <a:ext cx="4703884" cy="1631216"/>
-          </a:xfrm>
-          <a:prstGeom prst="rect">
-            <a:avLst/>
-          </a:prstGeom>
-          <a:noFill/>
-        </p:spPr>
-        <p:txBody>
-          <a:bodyPr wrap="square" rtlCol="0">
-            <a:spAutoFit/>
-          </a:bodyPr>
-          <a:lstStyle/>
-          <a:p>
-            <a:r>
-              <a:rPr lang="en-IN" sz="2000" dirty="0"/>
-              <a:t>Recommendations:</a:t>
-            </a:r>
-          </a:p>
-          <a:p>
-            <a:pPr marL="285750" indent="-285750">
-              <a:buFont typeface="Arial" panose="020B0604020202020204" pitchFamily="34" charset="0"/>
-              <a:buChar char="•"/>
-            </a:pPr>
-            <a:r>
-              <a:rPr lang="en-IN" sz="2000" dirty="0"/>
-              <a:t>Offer discounted day &amp; eve call rates to customers with Total charge &gt; $74.13</a:t>
-            </a:r>
-          </a:p>
-          <a:p>
-            <a:pPr marL="285750" indent="-285750">
-              <a:buFont typeface="Arial" panose="020B0604020202020204" pitchFamily="34" charset="0"/>
-              <a:buChar char="•"/>
-            </a:pPr>
-            <a:r>
-              <a:rPr lang="en-US" sz="2000" dirty="0"/>
-              <a:t>Offer 4 free international calls to customers with Total charge &lt; $74.13</a:t>
-            </a:r>
-            <a:endParaRPr lang="en-IN" sz="2000" dirty="0"/>
-          </a:p>
-        </p:txBody>
-      </p:sp>
+          <p:cNvGraphicFramePr>
+            <a:graphicFrameLocks noGrp="1"/>
+          </p:cNvGraphicFramePr>
+          <p:nvPr>
+            <p:extLst>
+              <p:ext uri="{D42A27DB-BD31-4B8C-83A1-F6EECF244321}">
+                <p14:modId xmlns:p14="http://schemas.microsoft.com/office/powerpoint/2010/main" val="923455201"/>
+              </p:ext>
+            </p:extLst>
+          </p:nvPr>
+        </p:nvGraphicFramePr>
+        <p:xfrm>
+          <a:off x="838200" y="4309330"/>
+          <a:ext cx="8128000" cy="1772920"/>
+        </p:xfrm>
+        <a:graphic>
+          <a:graphicData uri="http://schemas.openxmlformats.org/drawingml/2006/table">
+            <a:tbl>
+              <a:tblPr firstRow="1" bandRow="1">
+                <a:tableStyleId>{5C22544A-7EE6-4342-B048-85BDC9FD1C3A}</a:tableStyleId>
+              </a:tblPr>
+              <a:tblGrid>
+                <a:gridCol w="4064000">
+                  <a:extLst>
+                    <a:ext uri="{9D8B030D-6E8A-4147-A177-3AD203B41FA5}">
+                      <a16:colId xmlns:a16="http://schemas.microsoft.com/office/drawing/2014/main" val="2337988584"/>
+                    </a:ext>
+                  </a:extLst>
+                </a:gridCol>
+                <a:gridCol w="4064000">
+                  <a:extLst>
+                    <a:ext uri="{9D8B030D-6E8A-4147-A177-3AD203B41FA5}">
+                      <a16:colId xmlns:a16="http://schemas.microsoft.com/office/drawing/2014/main" val="1681169840"/>
+                    </a:ext>
+                  </a:extLst>
+                </a:gridCol>
+              </a:tblGrid>
+              <a:tr h="370840">
+                <a:tc>
+                  <a:txBody>
+                    <a:bodyPr/>
+                    <a:lstStyle/>
+                    <a:p>
+                      <a:pPr marL="0" marR="0" lvl="0" indent="0" algn="l" defTabSz="457200" rtl="0" eaLnBrk="1" fontAlgn="auto" latinLnBrk="0" hangingPunct="1">
+                        <a:lnSpc>
+                          <a:spcPct val="100000"/>
+                        </a:lnSpc>
+                        <a:spcBef>
+                          <a:spcPts val="0"/>
+                        </a:spcBef>
+                        <a:spcAft>
+                          <a:spcPts val="0"/>
+                        </a:spcAft>
+                        <a:buClrTx/>
+                        <a:buSzTx/>
+                        <a:buFontTx/>
+                        <a:buNone/>
+                        <a:tabLst/>
+                        <a:defRPr/>
+                      </a:pPr>
+                      <a:r>
+                        <a:rPr lang="en-IN" dirty="0"/>
+                        <a:t>Customer Churn category</a:t>
+                      </a:r>
+                    </a:p>
+                  </a:txBody>
+                  <a:tcPr/>
+                </a:tc>
+                <a:tc>
+                  <a:txBody>
+                    <a:bodyPr/>
+                    <a:lstStyle/>
+                    <a:p>
+                      <a:r>
+                        <a:rPr lang="en-IN" sz="1800" dirty="0"/>
+                        <a:t>Recommendations</a:t>
+                      </a:r>
+                      <a:endParaRPr lang="en-IN" dirty="0"/>
+                    </a:p>
+                  </a:txBody>
+                  <a:tcPr/>
+                </a:tc>
+                <a:extLst>
+                  <a:ext uri="{0D108BD9-81ED-4DB2-BD59-A6C34878D82A}">
+                    <a16:rowId xmlns:a16="http://schemas.microsoft.com/office/drawing/2014/main" val="1339752790"/>
+                  </a:ext>
+                </a:extLst>
+              </a:tr>
+              <a:tr h="370840">
+                <a:tc>
+                  <a:txBody>
+                    <a:bodyPr/>
+                    <a:lstStyle/>
+                    <a:p>
+                      <a:pPr marL="0" marR="0" lvl="0" indent="0" algn="l" defTabSz="457200" rtl="0" eaLnBrk="1" fontAlgn="auto" latinLnBrk="0" hangingPunct="1">
+                        <a:lnSpc>
+                          <a:spcPct val="100000"/>
+                        </a:lnSpc>
+                        <a:spcBef>
+                          <a:spcPts val="0"/>
+                        </a:spcBef>
+                        <a:spcAft>
+                          <a:spcPts val="0"/>
+                        </a:spcAft>
+                        <a:buClrTx/>
+                        <a:buSzTx/>
+                        <a:buFontTx/>
+                        <a:buNone/>
+                        <a:tabLst/>
+                        <a:defRPr/>
+                      </a:pPr>
+                      <a:r>
+                        <a:rPr lang="en-US" sz="1600" dirty="0"/>
+                        <a:t>With Total Charge &gt; $74.13, total night charge &lt; $10.76</a:t>
+                      </a:r>
+                      <a:endParaRPr lang="en-IN" dirty="0"/>
+                    </a:p>
+                  </a:txBody>
+                  <a:tcPr/>
+                </a:tc>
+                <a:tc>
+                  <a:txBody>
+                    <a:bodyPr/>
+                    <a:lstStyle/>
+                    <a:p>
+                      <a:pPr marL="0" marR="0" lvl="0" indent="0" algn="l" defTabSz="457200" rtl="0" eaLnBrk="1" fontAlgn="auto" latinLnBrk="0" hangingPunct="1">
+                        <a:lnSpc>
+                          <a:spcPct val="100000"/>
+                        </a:lnSpc>
+                        <a:spcBef>
+                          <a:spcPts val="0"/>
+                        </a:spcBef>
+                        <a:spcAft>
+                          <a:spcPts val="0"/>
+                        </a:spcAft>
+                        <a:buClrTx/>
+                        <a:buSzTx/>
+                        <a:buFontTx/>
+                        <a:buNone/>
+                        <a:tabLst/>
+                        <a:defRPr/>
+                      </a:pPr>
+                      <a:r>
+                        <a:rPr lang="en-IN" sz="1600" dirty="0"/>
+                        <a:t>Offer discounted day &amp; eve call rates to customers with Total charge &gt; $74.13</a:t>
+                      </a:r>
+                      <a:endParaRPr lang="en-IN" dirty="0"/>
+                    </a:p>
+                  </a:txBody>
+                  <a:tcPr/>
+                </a:tc>
+                <a:extLst>
+                  <a:ext uri="{0D108BD9-81ED-4DB2-BD59-A6C34878D82A}">
+                    <a16:rowId xmlns:a16="http://schemas.microsoft.com/office/drawing/2014/main" val="3048680668"/>
+                  </a:ext>
+                </a:extLst>
+              </a:tr>
+              <a:tr h="370840">
+                <a:tc>
+                  <a:txBody>
+                    <a:bodyPr/>
+                    <a:lstStyle/>
+                    <a:p>
+                      <a:pPr marL="0" marR="0" lvl="0" indent="0" algn="l" defTabSz="457200" rtl="0" eaLnBrk="1" fontAlgn="auto" latinLnBrk="0" hangingPunct="1">
+                        <a:lnSpc>
+                          <a:spcPct val="100000"/>
+                        </a:lnSpc>
+                        <a:spcBef>
+                          <a:spcPts val="0"/>
+                        </a:spcBef>
+                        <a:spcAft>
+                          <a:spcPts val="0"/>
+                        </a:spcAft>
+                        <a:buClrTx/>
+                        <a:buSzTx/>
+                        <a:buFontTx/>
+                        <a:buNone/>
+                        <a:tabLst/>
+                        <a:defRPr/>
+                      </a:pPr>
+                      <a:r>
+                        <a:rPr lang="en-US" sz="1600" dirty="0"/>
+                        <a:t>With Total Charge &lt; $74.13 , having international plan but having total international calls &lt; 3</a:t>
+                      </a:r>
+                      <a:endParaRPr lang="en-IN" dirty="0"/>
+                    </a:p>
+                  </a:txBody>
+                  <a:tcPr/>
+                </a:tc>
+                <a:tc>
+                  <a:txBody>
+                    <a:bodyPr/>
+                    <a:lstStyle/>
+                    <a:p>
+                      <a:pPr marL="0" marR="0" lvl="0" indent="0" algn="l" defTabSz="457200" rtl="0" eaLnBrk="1" fontAlgn="auto" latinLnBrk="0" hangingPunct="1">
+                        <a:lnSpc>
+                          <a:spcPct val="100000"/>
+                        </a:lnSpc>
+                        <a:spcBef>
+                          <a:spcPts val="0"/>
+                        </a:spcBef>
+                        <a:spcAft>
+                          <a:spcPts val="0"/>
+                        </a:spcAft>
+                        <a:buClrTx/>
+                        <a:buSzTx/>
+                        <a:buFontTx/>
+                        <a:buNone/>
+                        <a:tabLst/>
+                        <a:defRPr/>
+                      </a:pPr>
+                      <a:r>
+                        <a:rPr lang="en-US" sz="1600" dirty="0"/>
+                        <a:t>Offer 4 free international calls to customers with Total charge &lt; $74.13</a:t>
+                      </a:r>
+                      <a:endParaRPr lang="en-IN" sz="1600" dirty="0"/>
+                    </a:p>
+                  </a:txBody>
+                  <a:tcPr/>
+                </a:tc>
+                <a:extLst>
+                  <a:ext uri="{0D108BD9-81ED-4DB2-BD59-A6C34878D82A}">
+                    <a16:rowId xmlns:a16="http://schemas.microsoft.com/office/drawing/2014/main" val="2896087447"/>
+                  </a:ext>
+                </a:extLst>
+              </a:tr>
+            </a:tbl>
+          </a:graphicData>
+        </a:graphic>
+      </p:graphicFrame>
     </p:spTree>
     <p:extLst>
       <p:ext uri="{BB962C8B-B14F-4D97-AF65-F5344CB8AC3E}">
@@ -9790,11 +9970,11 @@
           <a:p>
             <a:r>
               <a:rPr lang="en-IN" sz="4000" dirty="0"/>
-              <a:t>Segment</a:t>
+              <a:t>Cluster 4</a:t>
             </a:r>
             <a:r>
               <a:rPr lang="en-IN" sz="2800" dirty="0"/>
-              <a:t> 5 – Most Churn/CS Problems</a:t>
+              <a:t> – Most Churn/Customer Service Problems</a:t>
             </a:r>
           </a:p>
         </p:txBody>
@@ -9859,122 +10039,247 @@
           </a:prstGeom>
         </p:spPr>
       </p:pic>
-      <p:sp>
-        <p:nvSpPr>
-          <p:cNvPr id="5" name="TextBox 4">
+      <p:graphicFrame>
+        <p:nvGraphicFramePr>
+          <p:cNvPr id="6" name="Table 5">
             <a:extLst>
               <a:ext uri="{FF2B5EF4-FFF2-40B4-BE49-F238E27FC236}">
-                <a16:creationId xmlns:a16="http://schemas.microsoft.com/office/drawing/2014/main" id="{0292174D-D84B-4500-875C-C3CCE958DA3E}"/>
+                <a16:creationId xmlns:a16="http://schemas.microsoft.com/office/drawing/2014/main" id="{311FD859-E0AE-4DBC-A568-C86792776623}"/>
               </a:ext>
             </a:extLst>
           </p:cNvPr>
-          <p:cNvSpPr txBox="1"/>
-          <p:nvPr/>
-        </p:nvSpPr>
-        <p:spPr>
-          <a:xfrm>
-            <a:off x="606302" y="4369777"/>
-            <a:ext cx="5140569" cy="1938992"/>
-          </a:xfrm>
-          <a:prstGeom prst="rect">
-            <a:avLst/>
-          </a:prstGeom>
-          <a:noFill/>
-        </p:spPr>
-        <p:txBody>
-          <a:bodyPr wrap="square" rtlCol="0">
-            <a:spAutoFit/>
-          </a:bodyPr>
-          <a:lstStyle/>
-          <a:p>
-            <a:r>
-              <a:rPr lang="en-IN" sz="2000" dirty="0"/>
-              <a:t>Reasons for churn:</a:t>
-            </a:r>
-          </a:p>
-          <a:p>
-            <a:pPr marL="285750" indent="-285750">
-              <a:buFont typeface="Arial" panose="020B0604020202020204" pitchFamily="34" charset="0"/>
-              <a:buChar char="•"/>
-            </a:pPr>
-            <a:r>
-              <a:rPr lang="en-US" sz="2000" dirty="0"/>
-              <a:t>Number_customer_service_calls &gt; 4 and Total_Charge &lt;= $56.73</a:t>
-            </a:r>
-          </a:p>
-          <a:p>
-            <a:pPr marL="285750" indent="-285750">
-              <a:buFont typeface="Arial" panose="020B0604020202020204" pitchFamily="34" charset="0"/>
-              <a:buChar char="•"/>
-            </a:pPr>
-            <a:r>
-              <a:rPr lang="en-US" sz="2000" dirty="0"/>
-              <a:t>Number_customer_service_calls &lt; 4 , Total_Charge &gt; $73.92 and total_day_minutes &lt;= 271.85</a:t>
-            </a:r>
-            <a:endParaRPr lang="en-IN" sz="2000" dirty="0"/>
-          </a:p>
-        </p:txBody>
-      </p:sp>
-      <p:sp>
-        <p:nvSpPr>
-          <p:cNvPr id="8" name="TextBox 7">
-            <a:extLst>
-              <a:ext uri="{FF2B5EF4-FFF2-40B4-BE49-F238E27FC236}">
-                <a16:creationId xmlns:a16="http://schemas.microsoft.com/office/drawing/2014/main" id="{80AD629E-6247-477C-9139-02F591F460CB}"/>
-              </a:ext>
-            </a:extLst>
-          </p:cNvPr>
-          <p:cNvSpPr txBox="1"/>
-          <p:nvPr/>
-        </p:nvSpPr>
-        <p:spPr>
-          <a:xfrm>
-            <a:off x="6295292" y="4308221"/>
-            <a:ext cx="5035795" cy="2246769"/>
-          </a:xfrm>
-          <a:prstGeom prst="rect">
-            <a:avLst/>
-          </a:prstGeom>
-          <a:noFill/>
-        </p:spPr>
-        <p:txBody>
-          <a:bodyPr wrap="square" rtlCol="0">
-            <a:spAutoFit/>
-          </a:bodyPr>
-          <a:lstStyle/>
-          <a:p>
-            <a:r>
-              <a:rPr lang="en-IN" sz="2000" dirty="0"/>
-              <a:t>Recommendations:</a:t>
-            </a:r>
-          </a:p>
-          <a:p>
-            <a:pPr marL="285750" indent="-285750">
-              <a:buFont typeface="Arial" panose="020B0604020202020204" pitchFamily="34" charset="0"/>
-              <a:buChar char="•"/>
-            </a:pPr>
-            <a:r>
-              <a:rPr lang="en-US" sz="2000" dirty="0"/>
-              <a:t>Prioritized customer service to customers with Total_Charge &lt; $56.73 based on customer value.</a:t>
-            </a:r>
-          </a:p>
-          <a:p>
-            <a:pPr marL="285750" indent="-285750">
-              <a:buFont typeface="Arial" panose="020B0604020202020204" pitchFamily="34" charset="0"/>
-              <a:buChar char="•"/>
-            </a:pPr>
-            <a:r>
-              <a:rPr lang="en-IN" sz="2000" dirty="0"/>
-              <a:t>Offer free day minutes to customers with </a:t>
-            </a:r>
-            <a:r>
-              <a:rPr lang="en-US" sz="2000" dirty="0"/>
-              <a:t>Total_Charge &gt; $73.92 &amp; total_day_minutes &lt;= 271.85</a:t>
-            </a:r>
-            <a:endParaRPr lang="en-IN" sz="2000" dirty="0"/>
-          </a:p>
-        </p:txBody>
-      </p:sp>
+          <p:cNvGraphicFramePr>
+            <a:graphicFrameLocks noGrp="1"/>
+          </p:cNvGraphicFramePr>
+          <p:nvPr>
+            <p:extLst>
+              <p:ext uri="{D42A27DB-BD31-4B8C-83A1-F6EECF244321}">
+                <p14:modId xmlns:p14="http://schemas.microsoft.com/office/powerpoint/2010/main" val="3156533593"/>
+              </p:ext>
+            </p:extLst>
+          </p:nvPr>
+        </p:nvGraphicFramePr>
+        <p:xfrm>
+          <a:off x="1126477" y="4294311"/>
+          <a:ext cx="8266098" cy="2011680"/>
+        </p:xfrm>
+        <a:graphic>
+          <a:graphicData uri="http://schemas.openxmlformats.org/drawingml/2006/table">
+            <a:tbl>
+              <a:tblPr firstRow="1" bandRow="1">
+                <a:tableStyleId>{5C22544A-7EE6-4342-B048-85BDC9FD1C3A}</a:tableStyleId>
+              </a:tblPr>
+              <a:tblGrid>
+                <a:gridCol w="4133049">
+                  <a:extLst>
+                    <a:ext uri="{9D8B030D-6E8A-4147-A177-3AD203B41FA5}">
+                      <a16:colId xmlns:a16="http://schemas.microsoft.com/office/drawing/2014/main" val="1355634957"/>
+                    </a:ext>
+                  </a:extLst>
+                </a:gridCol>
+                <a:gridCol w="4133049">
+                  <a:extLst>
+                    <a:ext uri="{9D8B030D-6E8A-4147-A177-3AD203B41FA5}">
+                      <a16:colId xmlns:a16="http://schemas.microsoft.com/office/drawing/2014/main" val="3768871386"/>
+                    </a:ext>
+                  </a:extLst>
+                </a:gridCol>
+              </a:tblGrid>
+              <a:tr h="248929">
+                <a:tc>
+                  <a:txBody>
+                    <a:bodyPr/>
+                    <a:lstStyle/>
+                    <a:p>
+                      <a:pPr marL="0" marR="0" lvl="0" indent="0" algn="l" defTabSz="457200" rtl="0" eaLnBrk="1" fontAlgn="auto" latinLnBrk="0" hangingPunct="1">
+                        <a:lnSpc>
+                          <a:spcPct val="100000"/>
+                        </a:lnSpc>
+                        <a:spcBef>
+                          <a:spcPts val="0"/>
+                        </a:spcBef>
+                        <a:spcAft>
+                          <a:spcPts val="0"/>
+                        </a:spcAft>
+                        <a:buClrTx/>
+                        <a:buSzTx/>
+                        <a:buFontTx/>
+                        <a:buNone/>
+                        <a:tabLst/>
+                        <a:defRPr/>
+                      </a:pPr>
+                      <a:r>
+                        <a:rPr lang="en-IN" dirty="0"/>
+                        <a:t>Customer Churn category</a:t>
+                      </a:r>
+                    </a:p>
+                  </a:txBody>
+                  <a:tcPr/>
+                </a:tc>
+                <a:tc>
+                  <a:txBody>
+                    <a:bodyPr/>
+                    <a:lstStyle/>
+                    <a:p>
+                      <a:r>
+                        <a:rPr lang="en-IN" sz="1800" dirty="0"/>
+                        <a:t>Recommendations</a:t>
+                      </a:r>
+                      <a:endParaRPr lang="en-IN" dirty="0"/>
+                    </a:p>
+                  </a:txBody>
+                  <a:tcPr/>
+                </a:tc>
+                <a:extLst>
+                  <a:ext uri="{0D108BD9-81ED-4DB2-BD59-A6C34878D82A}">
+                    <a16:rowId xmlns:a16="http://schemas.microsoft.com/office/drawing/2014/main" val="718754166"/>
+                  </a:ext>
+                </a:extLst>
+              </a:tr>
+              <a:tr h="746788">
+                <a:tc>
+                  <a:txBody>
+                    <a:bodyPr/>
+                    <a:lstStyle/>
+                    <a:p>
+                      <a:pPr marL="0" marR="0" lvl="0" indent="0" algn="l" defTabSz="457200" rtl="0" eaLnBrk="1" fontAlgn="auto" latinLnBrk="0" hangingPunct="1">
+                        <a:lnSpc>
+                          <a:spcPct val="100000"/>
+                        </a:lnSpc>
+                        <a:spcBef>
+                          <a:spcPts val="0"/>
+                        </a:spcBef>
+                        <a:spcAft>
+                          <a:spcPts val="0"/>
+                        </a:spcAft>
+                        <a:buClrTx/>
+                        <a:buSzTx/>
+                        <a:buFontTx/>
+                        <a:buNone/>
+                        <a:tabLst/>
+                        <a:defRPr/>
+                      </a:pPr>
+                      <a:r>
+                        <a:rPr lang="en-US" sz="1600" dirty="0"/>
+                        <a:t>Number customer service calls &gt; 4 and Total Charge &lt;= $56.73</a:t>
+                      </a:r>
+                    </a:p>
+                  </a:txBody>
+                  <a:tcPr/>
+                </a:tc>
+                <a:tc>
+                  <a:txBody>
+                    <a:bodyPr/>
+                    <a:lstStyle/>
+                    <a:p>
+                      <a:pPr marL="0" marR="0" lvl="0" indent="0" algn="l" defTabSz="457200" rtl="0" eaLnBrk="1" fontAlgn="auto" latinLnBrk="0" hangingPunct="1">
+                        <a:lnSpc>
+                          <a:spcPct val="100000"/>
+                        </a:lnSpc>
+                        <a:spcBef>
+                          <a:spcPts val="0"/>
+                        </a:spcBef>
+                        <a:spcAft>
+                          <a:spcPts val="0"/>
+                        </a:spcAft>
+                        <a:buClrTx/>
+                        <a:buSzTx/>
+                        <a:buFontTx/>
+                        <a:buNone/>
+                        <a:tabLst/>
+                        <a:defRPr/>
+                      </a:pPr>
+                      <a:r>
+                        <a:rPr lang="en-US" sz="1600" dirty="0"/>
+                        <a:t>Prioritized customer service to customers with Total_Charge &lt; $56.73 based on customer value.</a:t>
+                      </a:r>
+                    </a:p>
+                  </a:txBody>
+                  <a:tcPr/>
+                </a:tc>
+                <a:extLst>
+                  <a:ext uri="{0D108BD9-81ED-4DB2-BD59-A6C34878D82A}">
+                    <a16:rowId xmlns:a16="http://schemas.microsoft.com/office/drawing/2014/main" val="3541829807"/>
+                  </a:ext>
+                </a:extLst>
+              </a:tr>
+              <a:tr h="746788">
+                <a:tc>
+                  <a:txBody>
+                    <a:bodyPr/>
+                    <a:lstStyle/>
+                    <a:p>
+                      <a:pPr marL="0" marR="0" lvl="0" indent="0" algn="l" defTabSz="457200" rtl="0" eaLnBrk="1" fontAlgn="auto" latinLnBrk="0" hangingPunct="1">
+                        <a:lnSpc>
+                          <a:spcPct val="100000"/>
+                        </a:lnSpc>
+                        <a:spcBef>
+                          <a:spcPts val="0"/>
+                        </a:spcBef>
+                        <a:spcAft>
+                          <a:spcPts val="0"/>
+                        </a:spcAft>
+                        <a:buClrTx/>
+                        <a:buSzTx/>
+                        <a:buFontTx/>
+                        <a:buNone/>
+                        <a:tabLst/>
+                        <a:defRPr/>
+                      </a:pPr>
+                      <a:r>
+                        <a:rPr lang="en-US" sz="1600" dirty="0"/>
+                        <a:t>Number customer service calls &lt; 4 , Total Charge &gt; $73.92 and total day minutes &lt;= 271.85</a:t>
+                      </a:r>
+                      <a:endParaRPr lang="en-IN" dirty="0"/>
+                    </a:p>
+                  </a:txBody>
+                  <a:tcPr/>
+                </a:tc>
+                <a:tc>
+                  <a:txBody>
+                    <a:bodyPr/>
+                    <a:lstStyle/>
+                    <a:p>
+                      <a:pPr marL="0" marR="0" lvl="0" indent="0" algn="l" defTabSz="457200" rtl="0" eaLnBrk="1" fontAlgn="auto" latinLnBrk="0" hangingPunct="1">
+                        <a:lnSpc>
+                          <a:spcPct val="100000"/>
+                        </a:lnSpc>
+                        <a:spcBef>
+                          <a:spcPts val="0"/>
+                        </a:spcBef>
+                        <a:spcAft>
+                          <a:spcPts val="0"/>
+                        </a:spcAft>
+                        <a:buClrTx/>
+                        <a:buSzTx/>
+                        <a:buFontTx/>
+                        <a:buNone/>
+                        <a:tabLst/>
+                        <a:defRPr/>
+                      </a:pPr>
+                      <a:r>
+                        <a:rPr lang="en-IN" sz="1600" dirty="0"/>
+                        <a:t>Offer free day minutes to customers with </a:t>
+                      </a:r>
+                      <a:r>
+                        <a:rPr lang="en-US" sz="1600" dirty="0"/>
+                        <a:t>Total Charge &gt; $73.92 &amp; total day minutes &lt;= 271.85</a:t>
+                      </a:r>
+                      <a:endParaRPr lang="en-IN" dirty="0"/>
+                    </a:p>
+                  </a:txBody>
+                  <a:tcPr/>
+                </a:tc>
+                <a:extLst>
+                  <a:ext uri="{0D108BD9-81ED-4DB2-BD59-A6C34878D82A}">
+                    <a16:rowId xmlns:a16="http://schemas.microsoft.com/office/drawing/2014/main" val="3032214183"/>
+                  </a:ext>
+                </a:extLst>
+              </a:tr>
+            </a:tbl>
+          </a:graphicData>
+        </a:graphic>
+      </p:graphicFrame>
     </p:spTree>
     <p:extLst>
       <p:ext uri="{BB962C8B-B14F-4D97-AF65-F5344CB8AC3E}">
@@ -10055,7 +10360,7 @@
         <p:spPr>
           <a:xfrm>
             <a:off x="838200" y="2435468"/>
-            <a:ext cx="8044961" cy="1877437"/>
+            <a:ext cx="8044961" cy="3170099"/>
           </a:xfrm>
           <a:prstGeom prst="rect">
             <a:avLst/>
@@ -10069,16 +10374,30 @@
           <a:lstStyle/>
           <a:p>
             <a:pPr marL="342900" indent="-342900">
+              <a:lnSpc>
+                <a:spcPct val="150000"/>
+              </a:lnSpc>
               <a:buFont typeface="Arial" panose="020B0604020202020204" pitchFamily="34" charset="0"/>
               <a:buChar char="•"/>
             </a:pPr>
             <a:r>
               <a:rPr lang="en-IN" sz="2400" dirty="0"/>
-              <a:t>Potential Annual Revenue loss of $555693.6 averted</a:t>
+              <a:t>Potential annual revenue loss of approx. </a:t>
             </a:r>
+            <a:r>
+              <a:rPr lang="en-IN" sz="2400" u="sng" dirty="0"/>
+              <a:t>$555,700 </a:t>
+            </a:r>
+            <a:r>
+              <a:rPr lang="en-IN" sz="2400" dirty="0"/>
+              <a:t>averted</a:t>
+            </a:r>
           </a:p>
           <a:p>
             <a:pPr marL="342900" indent="-342900">
+              <a:lnSpc>
+                <a:spcPct val="150000"/>
+              </a:lnSpc>
               <a:buFont typeface="Arial" panose="020B0604020202020204" pitchFamily="34" charset="0"/>
               <a:buChar char="•"/>
             </a:pPr>
@@ -10089,6 +10408,9 @@
           </a:p>
           <a:p>
             <a:pPr marL="342900" indent="-342900">
+              <a:lnSpc>
+                <a:spcPct val="150000"/>
+              </a:lnSpc>
               <a:buFont typeface="Arial" panose="020B0604020202020204" pitchFamily="34" charset="0"/>
               <a:buChar char="•"/>
             </a:pPr>
@@ -10132,6 +10454,155 @@
           <a:chExt cx="0" cy="0"/>
         </a:xfrm>
       </p:grpSpPr>
+      <p:sp useBgFill="1">
+        <p:nvSpPr>
+          <p:cNvPr id="16" name="Rectangle 9"/>
+          <p:cNvSpPr>
+            <a:spLocks noGrp="1" noRot="1" noChangeAspect="1" noMove="1" noResize="1" noEditPoints="1" noAdjustHandles="1" noChangeArrowheads="1" noChangeShapeType="1" noTextEdit="1"/>
+          </p:cNvSpPr>
+          <p:nvPr>
+            <p:extLst>
+              <p:ext uri="{386F3935-93C4-4BCD-93E2-E3B085C9AB24}">
+                <p16:designElem xmlns:p16="http://schemas.microsoft.com/office/powerpoint/2015/main" val="1"/>
+              </p:ext>
+            </p:extLst>
+          </p:nvPr>
+        </p:nvSpPr>
+        <p:spPr>
+          <a:xfrm>
+            <a:off x="0" y="0"/>
+            <a:ext cx="12192000" cy="6858000"/>
+          </a:xfrm>
+          <a:prstGeom prst="rect">
+            <a:avLst/>
+          </a:prstGeom>
+          <a:ln>
+            <a:noFill/>
+          </a:ln>
+        </p:spPr>
+        <p:style>
+          <a:lnRef idx="2">
+            <a:schemeClr val="accent1">
+              <a:shade val="50000"/>
+            </a:schemeClr>
+          </a:lnRef>
+          <a:fillRef idx="1">
+            <a:schemeClr val="accent1"/>
+          </a:fillRef>
+          <a:effectRef idx="0">
+            <a:schemeClr val="accent1"/>
+          </a:effectRef>
+          <a:fontRef idx="minor">
+            <a:schemeClr val="lt1"/>
+          </a:fontRef>
+        </p:style>
+        <p:txBody>
+          <a:bodyPr rtlCol="0" anchor="ctr"/>
+          <a:lstStyle/>
+          <a:p>
+            <a:pPr algn="ctr"/>
+            <a:endParaRPr lang="en-US"/>
+          </a:p>
+        </p:txBody>
+      </p:sp>
+      <p:sp>
+        <p:nvSpPr>
+          <p:cNvPr id="17" name="Isosceles Triangle 11"/>
+          <p:cNvSpPr>
+            <a:spLocks noGrp="1" noRot="1" noChangeAspect="1" noMove="1" noResize="1" noEditPoints="1" noAdjustHandles="1" noChangeArrowheads="1" noChangeShapeType="1" noTextEdit="1"/>
+          </p:cNvSpPr>
+          <p:nvPr>
+            <p:extLst>
+              <p:ext uri="{386F3935-93C4-4BCD-93E2-E3B085C9AB24}">
+                <p16:designElem xmlns:p16="http://schemas.microsoft.com/office/powerpoint/2015/main" val="1"/>
+              </p:ext>
+            </p:extLst>
+          </p:nvPr>
+        </p:nvSpPr>
+        <p:spPr>
+          <a:xfrm rot="10800000">
+            <a:off x="0" y="0"/>
+            <a:ext cx="842596" cy="5666154"/>
+          </a:xfrm>
+          <a:prstGeom prst="triangle">
+            <a:avLst>
+              <a:gd name="adj" fmla="val 100000"/>
+            </a:avLst>
+          </a:prstGeom>
+          <a:solidFill>
+            <a:schemeClr val="accent1">
+              <a:alpha val="85000"/>
+            </a:schemeClr>
+          </a:solidFill>
+          <a:ln>
+            <a:noFill/>
+          </a:ln>
+          <a:effectLst/>
+        </p:spPr>
+        <p:style>
+          <a:lnRef idx="1">
+            <a:schemeClr val="accent1"/>
+          </a:lnRef>
+          <a:fillRef idx="3">
+            <a:schemeClr val="accent1"/>
+          </a:fillRef>
+          <a:effectRef idx="2">
+            <a:schemeClr val="accent1"/>
+          </a:effectRef>
+          <a:fontRef idx="minor">
+            <a:schemeClr val="lt1"/>
+          </a:fontRef>
+        </p:style>
+      </p:sp>
+      <p:sp>
+        <p:nvSpPr>
+          <p:cNvPr id="18" name="Isosceles Triangle 13"/>
+          <p:cNvSpPr>
+            <a:spLocks noGrp="1" noRot="1" noChangeAspect="1" noMove="1" noResize="1" noEditPoints="1" noAdjustHandles="1" noChangeArrowheads="1" noChangeShapeType="1" noTextEdit="1"/>
+          </p:cNvSpPr>
+          <p:nvPr>
+            <p:extLst>
+              <p:ext uri="{386F3935-93C4-4BCD-93E2-E3B085C9AB24}">
+                <p16:designElem xmlns:p16="http://schemas.microsoft.com/office/powerpoint/2015/main" val="1"/>
+              </p:ext>
+            </p:extLst>
+          </p:nvPr>
+        </p:nvSpPr>
+        <p:spPr>
+          <a:xfrm flipH="1">
+            <a:off x="11743267" y="4013200"/>
+            <a:ext cx="448733" cy="2844800"/>
+          </a:xfrm>
+          <a:prstGeom prst="triangle">
+            <a:avLst>
+              <a:gd name="adj" fmla="val 0"/>
+            </a:avLst>
+          </a:prstGeom>
+          <a:solidFill>
+            <a:schemeClr val="accent1">
+              <a:alpha val="85000"/>
+            </a:schemeClr>
+          </a:solidFill>
+          <a:ln>
+            <a:noFill/>
+          </a:ln>
+          <a:effectLst/>
+        </p:spPr>
+        <p:style>
+          <a:lnRef idx="1">
+            <a:schemeClr val="accent1"/>
+          </a:lnRef>
+          <a:fillRef idx="3">
+            <a:schemeClr val="accent1"/>
+          </a:fillRef>
+          <a:effectRef idx="2">
+            <a:schemeClr val="accent1"/>
+          </a:effectRef>
+          <a:fontRef idx="minor">
+            <a:schemeClr val="lt1"/>
+          </a:fontRef>
+        </p:style>
+      </p:sp>
       <p:sp>
         <p:nvSpPr>
           <p:cNvPr id="2" name="Title 1">
@@ -10150,13 +10621,13 @@
         </p:nvSpPr>
         <p:spPr>
           <a:xfrm>
-            <a:off x="1534696" y="804519"/>
-            <a:ext cx="2131696" cy="1049235"/>
+            <a:off x="1286933" y="609600"/>
+            <a:ext cx="10197494" cy="1099457"/>
           </a:xfrm>
         </p:spPr>
         <p:txBody>
           <a:bodyPr>
-            <a:noAutofit/>
+            <a:normAutofit/>
           </a:bodyPr>
           <a:lstStyle/>
           <a:p>
@@ -10177,14 +10648,14 @@
             <p:ph idx="1"/>
             <p:extLst>
               <p:ext uri="{D42A27DB-BD31-4B8C-83A1-F6EECF244321}">
-                <p14:modId xmlns:p14="http://schemas.microsoft.com/office/powerpoint/2010/main" val="304918719"/>
+                <p14:modId xmlns:p14="http://schemas.microsoft.com/office/powerpoint/2010/main" val="1077027641"/>
               </p:ext>
             </p:extLst>
           </p:nvPr>
         </p:nvGraphicFramePr>
         <p:xfrm>
-          <a:off x="677863" y="2160588"/>
-          <a:ext cx="8596312" cy="3881437"/>
+          <a:off x="1286933" y="1948543"/>
+          <a:ext cx="9618133" cy="4093482"/>
         </p:xfrm>
         <a:graphic>
           <a:graphicData uri="http://schemas.openxmlformats.org/drawingml/2006/diagram">
@@ -10287,25 +10758,71 @@
           <a:lstStyle/>
           <a:p>
             <a:r>
-              <a:rPr lang="en-IN" sz="2400" dirty="0"/>
-              <a:t>Churn Customers - </a:t>
+              <a:rPr lang="en-US" sz="2400" dirty="0"/>
+              <a:t>To predict </a:t>
+            </a:r>
+          </a:p>
+          <a:p>
+            <a:pPr lvl="1"/>
+            <a:r>
+              <a:rPr lang="en-US" sz="2200" dirty="0"/>
+              <a:t>Customers who churn*</a:t>
+            </a:r>
+          </a:p>
+          <a:p>
+            <a:pPr lvl="1"/>
+            <a:r>
+              <a:rPr lang="en-US" sz="2200" dirty="0"/>
+              <a:t>Cause of Churn</a:t>
+            </a:r>
+          </a:p>
+          <a:p>
+            <a:r>
+              <a:rPr lang="en-US" sz="2400" dirty="0"/>
+              <a:t>Make recommendations to handle churn</a:t>
+            </a:r>
+          </a:p>
+        </p:txBody>
+      </p:sp>
+      <p:sp>
+        <p:nvSpPr>
+          <p:cNvPr id="4" name="TextBox 3">
+            <a:extLst>
+              <a:ext uri="{FF2B5EF4-FFF2-40B4-BE49-F238E27FC236}">
+                <a16:creationId xmlns:a16="http://schemas.microsoft.com/office/drawing/2014/main" id="{C2CB0EEF-B428-4B87-B6DA-BC5507E202DC}"/>
+              </a:ext>
+            </a:extLst>
+          </p:cNvPr>
+          <p:cNvSpPr txBox="1"/>
+          <p:nvPr/>
+        </p:nvSpPr>
+        <p:spPr>
+          <a:xfrm>
+            <a:off x="1380392" y="6361121"/>
+            <a:ext cx="5320569" cy="430887"/>
+          </a:xfrm>
+          <a:prstGeom prst="rect">
+            <a:avLst/>
+          </a:prstGeom>
+          <a:noFill/>
+        </p:spPr>
+        <p:txBody>
+          <a:bodyPr wrap="square" rtlCol="0">
+            <a:spAutoFit/>
+          </a:bodyPr>
+          <a:lstStyle/>
+          <a:p>
+            <a:r>
+              <a:rPr lang="en-IN" sz="1100" dirty="0"/>
+              <a:t>*Customers who churn - </a:t>
             </a:r>
             <a:r>
-              <a:rPr lang="en-US" sz="2400" dirty="0"/>
+              <a:rPr lang="en-US" sz="1100" dirty="0"/>
               <a:t>customers who cut ties with your service or company </a:t>
             </a:r>
           </a:p>
           <a:p>
-            <a:r>
-              <a:rPr lang="en-IN" sz="2400" dirty="0"/>
-              <a:t>Cost of Acquiring New Customers &gt;&gt;&gt; Retaining Old Customers</a:t>
-            </a:r>
-          </a:p>
-          <a:p>
-            <a:r>
-              <a:rPr lang="en-US" sz="2400" dirty="0"/>
-              <a:t>Predict churn customers and churn cause and handle churn</a:t>
-            </a:r>
+            <a:endParaRPr lang="en-IN" sz="1100" dirty="0"/>
           </a:p>
         </p:txBody>
       </p:sp>
@@ -10339,35 +10856,6 @@
           <a:chExt cx="0" cy="0"/>
         </a:xfrm>
       </p:grpSpPr>
-      <p:pic>
-        <p:nvPicPr>
-          <p:cNvPr id="4" name="Picture 3" descr="A screenshot of a cell phone&#10;&#10;Description generated with very high confidence">
-            <a:extLst>
-              <a:ext uri="{FF2B5EF4-FFF2-40B4-BE49-F238E27FC236}">
-                <a16:creationId xmlns:a16="http://schemas.microsoft.com/office/drawing/2014/main" id="{D626A450-1A31-4056-81D2-C755FB6C03F0}"/>
-              </a:ext>
-            </a:extLst>
-          </p:cNvPr>
-          <p:cNvPicPr>
-            <a:picLocks noChangeAspect="1"/>
-          </p:cNvPicPr>
-          <p:nvPr/>
-        </p:nvPicPr>
-        <p:blipFill rotWithShape="1">
-          <a:blip r:embed="rId2"/>
-          <a:srcRect r="6268" b="-1"/>
-          <a:stretch/>
-        </p:blipFill>
-        <p:spPr>
-          <a:xfrm>
-            <a:off x="410094" y="1425476"/>
-            <a:ext cx="7150670" cy="4544500"/>
-          </a:xfrm>
-          <a:prstGeom prst="rect">
-            <a:avLst/>
-          </a:prstGeom>
-        </p:spPr>
-      </p:pic>
       <p:sp>
         <p:nvSpPr>
           <p:cNvPr id="2" name="Title 1">
@@ -10447,7 +10935,7 @@
             </a:pPr>
             <a:r>
               <a:rPr lang="en-US" sz="2000" dirty="0"/>
-              <a:t>5000 Customers</a:t>
+              <a:t>Total Customers= 5000</a:t>
             </a:r>
           </a:p>
           <a:p>
@@ -10463,7 +10951,7 @@
             </a:pPr>
             <a:r>
               <a:rPr lang="en-US" sz="2000" dirty="0"/>
-              <a:t>707 customers churn</a:t>
+              <a:t>Customers who churned= 707</a:t>
             </a:r>
           </a:p>
           <a:p>
@@ -10484,6 +10972,143 @@
           </a:p>
         </p:txBody>
       </p:sp>
+      <mc:AlternateContent xmlns:mc="http://schemas.openxmlformats.org/markup-compatibility/2006">
+        <mc:Choice xmlns:a14="http://schemas.microsoft.com/office/drawing/2010/main" Requires="a14">
+          <p:sp>
+            <p:nvSpPr>
+              <p:cNvPr id="3" name="TextBox 2">
+                <a:extLst>
+                  <a:ext uri="{FF2B5EF4-FFF2-40B4-BE49-F238E27FC236}">
+                    <a16:creationId xmlns:a16="http://schemas.microsoft.com/office/drawing/2014/main" id="{B3A8EC2A-4913-486E-8A09-A2977C14F5DD}"/>
+                  </a:ext>
+                </a:extLst>
+              </p:cNvPr>
+              <p:cNvSpPr txBox="1"/>
+              <p:nvPr/>
+            </p:nvSpPr>
+            <p:spPr>
+              <a:xfrm>
+                <a:off x="967153" y="1213855"/>
+                <a:ext cx="6866793" cy="669992"/>
+              </a:xfrm>
+              <a:prstGeom prst="rect">
+                <a:avLst/>
+              </a:prstGeom>
+              <a:noFill/>
+            </p:spPr>
+            <p:txBody>
+              <a:bodyPr wrap="square" rtlCol="0">
+                <a:spAutoFit/>
+              </a:bodyPr>
+              <a:lstStyle/>
+              <a:p>
+                <a:r>
+                  <a:rPr lang="en-IN" dirty="0"/>
+                  <a:t>Cost of Acquiring New Customers </a:t>
+                </a:r>
+                <a14:m>
+                  <m:oMath xmlns:m="http://schemas.openxmlformats.org/officeDocument/2006/math">
+                    <m:r>
+                      <a:rPr lang="en-IN" i="1" smtClean="0">
+                        <a:latin typeface="Cambria Math" panose="02040503050406030204" pitchFamily="18" charset="0"/>
+                        <a:ea typeface="Cambria Math" panose="02040503050406030204" pitchFamily="18" charset="0"/>
+                      </a:rPr>
+                      <m:t>≫</m:t>
+                    </m:r>
+                  </m:oMath>
+                </a14:m>
+                <a:r>
+                  <a:rPr lang="en-IN" dirty="0"/>
+                  <a:t> Retaining Old Customers</a:t>
+                </a:r>
+              </a:p>
+              <a:p>
+                <a:endParaRPr lang="en-IN" dirty="0"/>
+              </a:p>
+            </p:txBody>
+          </p:sp>
+        </mc:Choice>
+        <mc:Fallback>
+          <p:sp>
+            <p:nvSpPr>
+              <p:cNvPr id="3" name="TextBox 2">
+                <a:extLst>
+                  <a:ext uri="{FF2B5EF4-FFF2-40B4-BE49-F238E27FC236}">
+                    <a16:creationId xmlns:a16="http://schemas.microsoft.com/office/drawing/2014/main" id="{B3A8EC2A-4913-486E-8A09-A2977C14F5DD}"/>
+                  </a:ext>
+                </a:extLst>
+              </p:cNvPr>
+              <p:cNvSpPr txBox="1">
+                <a:spLocks noRot="1" noChangeAspect="1" noMove="1" noResize="1" noEditPoints="1" noAdjustHandles="1" noChangeArrowheads="1" noChangeShapeType="1" noTextEdit="1"/>
+              </p:cNvSpPr>
+              <p:nvPr/>
+            </p:nvSpPr>
+            <p:spPr>
+              <a:xfrm>
+                <a:off x="967153" y="1213855"/>
+                <a:ext cx="6866793" cy="669992"/>
+              </a:xfrm>
+              <a:prstGeom prst="rect">
+                <a:avLst/>
+              </a:prstGeom>
+              <a:blipFill>
+                <a:blip r:embed="rId2"/>
+                <a:stretch>
+                  <a:fillRect l="-799" t="-5455"/>
+                </a:stretch>
+              </a:blipFill>
+            </p:spPr>
+            <p:txBody>
+              <a:bodyPr/>
+              <a:lstStyle/>
+              <a:p>
+                <a:r>
+                  <a:rPr lang="en-IN">
+                    <a:noFill/>
+                  </a:rPr>
+                  <a:t> </a:t>
+                </a:r>
+              </a:p>
+            </p:txBody>
+          </p:sp>
+        </mc:Fallback>
+      </mc:AlternateContent>
+      <p:pic>
+        <p:nvPicPr>
+          <p:cNvPr id="11" name="Picture 10" descr="A screenshot of a cell phone&#10;&#10;Description generated with very high confidence">
+            <a:extLst>
+              <a:ext uri="{FF2B5EF4-FFF2-40B4-BE49-F238E27FC236}">
+                <a16:creationId xmlns:a16="http://schemas.microsoft.com/office/drawing/2014/main" id="{F0C5DEEA-FF39-445C-B6B4-4C24A59310B6}"/>
+              </a:ext>
+            </a:extLst>
+          </p:cNvPr>
+          <p:cNvPicPr>
+            <a:picLocks noChangeAspect="1"/>
+          </p:cNvPicPr>
+          <p:nvPr/>
+        </p:nvPicPr>
+        <p:blipFill>
+          <a:blip r:embed="rId3">
+            <a:extLst>
+              <a:ext uri="{28A0092B-C50C-407E-A947-70E740481C1C}">
+                <a14:useLocalDpi xmlns:a14="http://schemas.microsoft.com/office/drawing/2010/main" val="0"/>
+              </a:ext>
+            </a:extLst>
+          </a:blip>
+          <a:stretch>
+            <a:fillRect/>
+          </a:stretch>
+        </p:blipFill>
+        <p:spPr>
+          <a:xfrm>
+            <a:off x="838200" y="1930382"/>
+            <a:ext cx="6864544" cy="4118726"/>
+          </a:xfrm>
+          <a:prstGeom prst="rect">
+            <a:avLst/>
+          </a:prstGeom>
+        </p:spPr>
+      </p:pic>
     </p:spTree>
     <p:extLst>
       <p:ext uri="{BB962C8B-B14F-4D97-AF65-F5344CB8AC3E}">
@@ -10610,6 +11235,41 @@
           </a:p>
         </p:txBody>
       </p:sp>
+      <p:sp>
+        <p:nvSpPr>
+          <p:cNvPr id="3" name="TextBox 2">
+            <a:extLst>
+              <a:ext uri="{FF2B5EF4-FFF2-40B4-BE49-F238E27FC236}">
+                <a16:creationId xmlns:a16="http://schemas.microsoft.com/office/drawing/2014/main" id="{EED5A305-B34C-42B0-A9EC-ADCE8D615767}"/>
+              </a:ext>
+            </a:extLst>
+          </p:cNvPr>
+          <p:cNvSpPr txBox="1"/>
+          <p:nvPr/>
+        </p:nvSpPr>
+        <p:spPr>
+          <a:xfrm>
+            <a:off x="1151792" y="5978769"/>
+            <a:ext cx="5076465" cy="369332"/>
+          </a:xfrm>
+          <a:prstGeom prst="rect">
+            <a:avLst/>
+          </a:prstGeom>
+          <a:noFill/>
+        </p:spPr>
+        <p:txBody>
+          <a:bodyPr wrap="square" rtlCol="0">
+            <a:spAutoFit/>
+          </a:bodyPr>
+          <a:lstStyle/>
+          <a:p>
+            <a:r>
+              <a:rPr lang="en-IN" dirty="0"/>
+              <a:t>Day calls have the largest revenue share</a:t>
+            </a:r>
+          </a:p>
+        </p:txBody>
+      </p:sp>
     </p:spTree>
     <p:extLst>
       <p:ext uri="{BB962C8B-B14F-4D97-AF65-F5344CB8AC3E}">
@@ -10659,7 +11319,7 @@
         <p:spPr>
           <a:xfrm>
             <a:off x="896815" y="794978"/>
-            <a:ext cx="4422531" cy="1200876"/>
+            <a:ext cx="5655005" cy="1200876"/>
           </a:xfrm>
         </p:spPr>
         <p:txBody>
@@ -10690,7 +11350,7 @@
         <p:spPr>
           <a:xfrm>
             <a:off x="219807" y="2680343"/>
-            <a:ext cx="5802923" cy="2215991"/>
+            <a:ext cx="5802923" cy="2523768"/>
           </a:xfrm>
           <a:prstGeom prst="rect">
             <a:avLst/>
@@ -10709,7 +11369,7 @@
             </a:pPr>
             <a:r>
               <a:rPr lang="en-IN" sz="2000" dirty="0"/>
-              <a:t>K Means Clustering Algorithm</a:t>
+              <a:t>Algorithm Used: K Means Clustering</a:t>
             </a:r>
           </a:p>
           <a:p>
@@ -10719,7 +11379,7 @@
             </a:pPr>
             <a:r>
               <a:rPr lang="en-IN" sz="2000" dirty="0"/>
-              <a:t>5 Customer segments based on usage</a:t>
+              <a:t>5 Customer clusters based on usage</a:t>
             </a:r>
           </a:p>
           <a:p>
@@ -10729,7 +11389,7 @@
             </a:pPr>
             <a:r>
               <a:rPr lang="en-IN" sz="2000" dirty="0"/>
-              <a:t>For each segment</a:t>
+              <a:t>Further analysis for each cluster</a:t>
             </a:r>
           </a:p>
           <a:p>
@@ -10847,62 +11507,7 @@
           <a:p>
             <a:r>
               <a:rPr lang="en-IN" sz="3200" dirty="0"/>
-              <a:t>Segment 1 – Low Day Users</a:t>
-            </a:r>
-          </a:p>
-        </p:txBody>
-      </p:sp>
-      <p:sp>
-        <p:nvSpPr>
-          <p:cNvPr id="4" name="TextBox 3">
-            <a:extLst>
-              <a:ext uri="{FF2B5EF4-FFF2-40B4-BE49-F238E27FC236}">
-                <a16:creationId xmlns:a16="http://schemas.microsoft.com/office/drawing/2014/main" id="{E2147BF8-9DE3-4C44-8705-80855890FD10}"/>
-              </a:ext>
-            </a:extLst>
-          </p:cNvPr>
-          <p:cNvSpPr txBox="1"/>
-          <p:nvPr/>
-        </p:nvSpPr>
-        <p:spPr>
-          <a:xfrm>
-            <a:off x="1005255" y="4680019"/>
-            <a:ext cx="5090745" cy="1938992"/>
-          </a:xfrm>
-          <a:prstGeom prst="rect">
-            <a:avLst/>
-          </a:prstGeom>
-          <a:noFill/>
-        </p:spPr>
-        <p:txBody>
-          <a:bodyPr wrap="square" rtlCol="0">
-            <a:spAutoFit/>
-          </a:bodyPr>
-          <a:lstStyle/>
-          <a:p>
-            <a:r>
-              <a:rPr lang="en-US" sz="2000" dirty="0"/>
-              <a:t>Reasons for churn:</a:t>
-            </a:r>
-          </a:p>
-          <a:p>
-            <a:pPr marL="285750" indent="-285750">
-              <a:buFont typeface="Arial" panose="020B0604020202020204" pitchFamily="34" charset="0"/>
-              <a:buChar char="•"/>
-            </a:pPr>
-            <a:r>
-              <a:rPr lang="en-US" sz="2000" dirty="0"/>
-              <a:t>international plan and having total_intl_minutes &gt; 13.0</a:t>
-            </a:r>
-          </a:p>
-          <a:p>
-            <a:pPr marL="285750" indent="-285750">
-              <a:buFont typeface="Arial" panose="020B0604020202020204" pitchFamily="34" charset="0"/>
-              <a:buChar char="•"/>
-            </a:pPr>
-            <a:r>
-              <a:rPr lang="en-US" sz="2000" dirty="0"/>
-              <a:t>international plan , having total_intl_minutes &lt;= 13.0 and having total_intl_calls &lt; 3</a:t>
+              <a:t>Cluster 0 – Low Day Users</a:t>
             </a:r>
           </a:p>
         </p:txBody>
@@ -10937,64 +11542,6 @@
           </a:prstGeom>
         </p:spPr>
       </p:pic>
-      <p:sp>
-        <p:nvSpPr>
-          <p:cNvPr id="9" name="TextBox 8">
-            <a:extLst>
-              <a:ext uri="{FF2B5EF4-FFF2-40B4-BE49-F238E27FC236}">
-                <a16:creationId xmlns:a16="http://schemas.microsoft.com/office/drawing/2014/main" id="{F0BB6F8E-6F09-456A-AC3F-90F12866B814}"/>
-              </a:ext>
-            </a:extLst>
-          </p:cNvPr>
-          <p:cNvSpPr txBox="1"/>
-          <p:nvPr/>
-        </p:nvSpPr>
-        <p:spPr>
-          <a:xfrm>
-            <a:off x="6096000" y="4722100"/>
-            <a:ext cx="5416061" cy="1908215"/>
-          </a:xfrm>
-          <a:prstGeom prst="rect">
-            <a:avLst/>
-          </a:prstGeom>
-          <a:noFill/>
-        </p:spPr>
-        <p:txBody>
-          <a:bodyPr wrap="square" rtlCol="0">
-            <a:spAutoFit/>
-          </a:bodyPr>
-          <a:lstStyle/>
-          <a:p>
-            <a:r>
-              <a:rPr lang="en-US" sz="2000" dirty="0"/>
-              <a:t>Recommendations:</a:t>
-            </a:r>
-          </a:p>
-          <a:p>
-            <a:pPr marL="285750" indent="-285750">
-              <a:buFont typeface="Arial" panose="020B0604020202020204" pitchFamily="34" charset="0"/>
-              <a:buChar char="•"/>
-            </a:pPr>
-            <a:r>
-              <a:rPr lang="en-US" sz="2000" dirty="0"/>
-              <a:t>Customers with high international usage offer free international minutes</a:t>
-            </a:r>
-          </a:p>
-          <a:p>
-            <a:pPr marL="285750" indent="-285750">
-              <a:buFont typeface="Arial" panose="020B0604020202020204" pitchFamily="34" charset="0"/>
-              <a:buChar char="•"/>
-            </a:pPr>
-            <a:r>
-              <a:rPr lang="en-US" sz="2000" dirty="0"/>
-              <a:t>Offer 5 free calls to customers with low international usage</a:t>
-            </a:r>
-          </a:p>
-          <a:p>
-            <a:endParaRPr lang="en-IN" dirty="0"/>
-          </a:p>
-        </p:txBody>
-      </p:sp>
       <p:pic>
         <p:nvPicPr>
           <p:cNvPr id="10" name="Picture 9">
@@ -11025,6 +11572,226 @@
           </a:prstGeom>
         </p:spPr>
       </p:pic>
+      <p:graphicFrame>
+        <p:nvGraphicFramePr>
+          <p:cNvPr id="3" name="Table 2">
+            <a:extLst>
+              <a:ext uri="{FF2B5EF4-FFF2-40B4-BE49-F238E27FC236}">
+                <a16:creationId xmlns:a16="http://schemas.microsoft.com/office/drawing/2014/main" id="{3CADE737-9CC6-4F22-B28D-2EA9C41165C4}"/>
+              </a:ext>
+            </a:extLst>
+          </p:cNvPr>
+          <p:cNvGraphicFramePr>
+            <a:graphicFrameLocks noGrp="1"/>
+          </p:cNvGraphicFramePr>
+          <p:nvPr>
+            <p:extLst>
+              <p:ext uri="{D42A27DB-BD31-4B8C-83A1-F6EECF244321}">
+                <p14:modId xmlns:p14="http://schemas.microsoft.com/office/powerpoint/2010/main" val="1541653801"/>
+              </p:ext>
+            </p:extLst>
+          </p:nvPr>
+        </p:nvGraphicFramePr>
+        <p:xfrm>
+          <a:off x="579229" y="4453731"/>
+          <a:ext cx="8449361" cy="1899928"/>
+        </p:xfrm>
+        <a:graphic>
+          <a:graphicData uri="http://schemas.openxmlformats.org/drawingml/2006/table">
+            <a:tbl>
+              <a:tblPr firstRow="1" bandRow="1">
+                <a:tableStyleId>{5C22544A-7EE6-4342-B048-85BDC9FD1C3A}</a:tableStyleId>
+              </a:tblPr>
+              <a:tblGrid>
+                <a:gridCol w="4084619">
+                  <a:extLst>
+                    <a:ext uri="{9D8B030D-6E8A-4147-A177-3AD203B41FA5}">
+                      <a16:colId xmlns:a16="http://schemas.microsoft.com/office/drawing/2014/main" val="1497793941"/>
+                    </a:ext>
+                  </a:extLst>
+                </a:gridCol>
+                <a:gridCol w="4364742">
+                  <a:extLst>
+                    <a:ext uri="{9D8B030D-6E8A-4147-A177-3AD203B41FA5}">
+                      <a16:colId xmlns:a16="http://schemas.microsoft.com/office/drawing/2014/main" val="3876442872"/>
+                    </a:ext>
+                  </a:extLst>
+                </a:gridCol>
+              </a:tblGrid>
+              <a:tr h="304803">
+                <a:tc>
+                  <a:txBody>
+                    <a:bodyPr/>
+                    <a:lstStyle/>
+                    <a:p>
+                      <a:r>
+                        <a:rPr lang="en-IN" dirty="0"/>
+                        <a:t>Customer Churn category</a:t>
+                      </a:r>
+                    </a:p>
+                  </a:txBody>
+                  <a:tcPr/>
+                </a:tc>
+                <a:tc>
+                  <a:txBody>
+                    <a:bodyPr/>
+                    <a:lstStyle/>
+                    <a:p>
+                      <a:r>
+                        <a:rPr lang="en-IN" dirty="0"/>
+                        <a:t>Recommendation</a:t>
+                      </a:r>
+                    </a:p>
+                  </a:txBody>
+                  <a:tcPr/>
+                </a:tc>
+                <a:extLst>
+                  <a:ext uri="{0D108BD9-81ED-4DB2-BD59-A6C34878D82A}">
+                    <a16:rowId xmlns:a16="http://schemas.microsoft.com/office/drawing/2014/main" val="2901108309"/>
+                  </a:ext>
+                </a:extLst>
+              </a:tr>
+              <a:tr h="711208">
+                <a:tc>
+                  <a:txBody>
+                    <a:bodyPr/>
+                    <a:lstStyle/>
+                    <a:p>
+                      <a:pPr marL="0" marR="0" lvl="0" indent="0" algn="l" defTabSz="457200" rtl="0" eaLnBrk="1" fontAlgn="auto" latinLnBrk="0" hangingPunct="1">
+                        <a:lnSpc>
+                          <a:spcPct val="100000"/>
+                        </a:lnSpc>
+                        <a:spcBef>
+                          <a:spcPts val="0"/>
+                        </a:spcBef>
+                        <a:spcAft>
+                          <a:spcPts val="0"/>
+                        </a:spcAft>
+                        <a:buClrTx/>
+                        <a:buSzTx/>
+                        <a:buFontTx/>
+                        <a:buNone/>
+                        <a:tabLst/>
+                        <a:defRPr/>
+                      </a:pPr>
+                      <a:r>
+                        <a:rPr lang="en-US" sz="1600" dirty="0"/>
+                        <a:t>With international plan and total international minutes &gt; 13.0</a:t>
+                      </a:r>
+                      <a:endParaRPr lang="en-IN" dirty="0"/>
+                    </a:p>
+                  </a:txBody>
+                  <a:tcPr/>
+                </a:tc>
+                <a:tc>
+                  <a:txBody>
+                    <a:bodyPr/>
+                    <a:lstStyle/>
+                    <a:p>
+                      <a:pPr marL="0" marR="0" lvl="0" indent="0" algn="l" defTabSz="457200" rtl="0" eaLnBrk="1" fontAlgn="auto" latinLnBrk="0" hangingPunct="1">
+                        <a:lnSpc>
+                          <a:spcPct val="100000"/>
+                        </a:lnSpc>
+                        <a:spcBef>
+                          <a:spcPts val="0"/>
+                        </a:spcBef>
+                        <a:spcAft>
+                          <a:spcPts val="0"/>
+                        </a:spcAft>
+                        <a:buClrTx/>
+                        <a:buSzTx/>
+                        <a:buFontTx/>
+                        <a:buNone/>
+                        <a:tabLst/>
+                        <a:defRPr/>
+                      </a:pPr>
+                      <a:r>
+                        <a:rPr lang="en-US" sz="1600" dirty="0"/>
+                        <a:t>Offer free international minutes</a:t>
+                      </a:r>
+                      <a:endParaRPr lang="en-IN" dirty="0"/>
+                    </a:p>
+                  </a:txBody>
+                  <a:tcPr/>
+                </a:tc>
+                <a:extLst>
+                  <a:ext uri="{0D108BD9-81ED-4DB2-BD59-A6C34878D82A}">
+                    <a16:rowId xmlns:a16="http://schemas.microsoft.com/office/drawing/2014/main" val="2260428424"/>
+                  </a:ext>
+                </a:extLst>
+              </a:tr>
+              <a:tr h="711208">
+                <a:tc>
+                  <a:txBody>
+                    <a:bodyPr/>
+                    <a:lstStyle/>
+                    <a:p>
+                      <a:pPr marL="0" marR="0" lvl="0" indent="0" algn="l" defTabSz="457200" rtl="0" eaLnBrk="1" fontAlgn="auto" latinLnBrk="0" hangingPunct="1">
+                        <a:lnSpc>
+                          <a:spcPct val="100000"/>
+                        </a:lnSpc>
+                        <a:spcBef>
+                          <a:spcPts val="0"/>
+                        </a:spcBef>
+                        <a:spcAft>
+                          <a:spcPts val="0"/>
+                        </a:spcAft>
+                        <a:buClrTx/>
+                        <a:buSzTx/>
+                        <a:buFontTx/>
+                        <a:buNone/>
+                        <a:tabLst/>
+                        <a:defRPr/>
+                      </a:pPr>
+                      <a:r>
+                        <a:rPr lang="en-US" sz="1600" dirty="0"/>
+                        <a:t>With international plan ,having total international minutes &lt; 13.0 and total international calls &lt; 3</a:t>
+                      </a:r>
+                      <a:endParaRPr lang="en-IN" dirty="0"/>
+                    </a:p>
+                  </a:txBody>
+                  <a:tcPr/>
+                </a:tc>
+                <a:tc>
+                  <a:txBody>
+                    <a:bodyPr/>
+                    <a:lstStyle/>
+                    <a:p>
+                      <a:pPr marL="0" marR="0" lvl="0" indent="0" algn="l" defTabSz="457200" rtl="0" eaLnBrk="1" fontAlgn="auto" latinLnBrk="0" hangingPunct="1">
+                        <a:lnSpc>
+                          <a:spcPct val="100000"/>
+                        </a:lnSpc>
+                        <a:spcBef>
+                          <a:spcPts val="0"/>
+                        </a:spcBef>
+                        <a:spcAft>
+                          <a:spcPts val="0"/>
+                        </a:spcAft>
+                        <a:buClrTx/>
+                        <a:buSzTx/>
+                        <a:buFontTx/>
+                        <a:buNone/>
+                        <a:tabLst/>
+                        <a:defRPr/>
+                      </a:pPr>
+                      <a:r>
+                        <a:rPr lang="en-US" sz="1600" dirty="0"/>
+                        <a:t>Offer 4 free international calls to customers with low international usage.</a:t>
+                      </a:r>
+                    </a:p>
+                  </a:txBody>
+                  <a:tcPr/>
+                </a:tc>
+                <a:extLst>
+                  <a:ext uri="{0D108BD9-81ED-4DB2-BD59-A6C34878D82A}">
+                    <a16:rowId xmlns:a16="http://schemas.microsoft.com/office/drawing/2014/main" val="1421496267"/>
+                  </a:ext>
+                </a:extLst>
+              </a:tr>
+            </a:tbl>
+          </a:graphicData>
+        </a:graphic>
+      </p:graphicFrame>
     </p:spTree>
     <p:extLst>
       <p:ext uri="{BB962C8B-B14F-4D97-AF65-F5344CB8AC3E}">
@@ -11085,7 +11852,7 @@
           <a:p>
             <a:r>
               <a:rPr lang="en-IN" sz="3200" dirty="0"/>
-              <a:t>Segment 2 – Oldest Customers</a:t>
+              <a:t>Cluster 1 – Oldest Customers</a:t>
             </a:r>
           </a:p>
         </p:txBody>
@@ -11150,118 +11917,261 @@
           </a:prstGeom>
         </p:spPr>
       </p:pic>
-      <p:sp>
-        <p:nvSpPr>
-          <p:cNvPr id="6" name="TextBox 5">
+      <p:graphicFrame>
+        <p:nvGraphicFramePr>
+          <p:cNvPr id="3" name="Table 2">
             <a:extLst>
               <a:ext uri="{FF2B5EF4-FFF2-40B4-BE49-F238E27FC236}">
-                <a16:creationId xmlns:a16="http://schemas.microsoft.com/office/drawing/2014/main" id="{EE2E6E76-0749-4210-B98B-0BB4D6C3F3C4}"/>
+                <a16:creationId xmlns:a16="http://schemas.microsoft.com/office/drawing/2014/main" id="{12678CF9-DAD3-4F33-8D27-257E1C22E74C}"/>
               </a:ext>
             </a:extLst>
           </p:cNvPr>
-          <p:cNvSpPr txBox="1"/>
-          <p:nvPr/>
-        </p:nvSpPr>
-        <p:spPr>
-          <a:xfrm>
-            <a:off x="697024" y="4551422"/>
-            <a:ext cx="5017976" cy="1631216"/>
-          </a:xfrm>
-          <a:prstGeom prst="rect">
-            <a:avLst/>
-          </a:prstGeom>
-          <a:noFill/>
-        </p:spPr>
-        <p:txBody>
-          <a:bodyPr wrap="square" rtlCol="0">
-            <a:spAutoFit/>
-          </a:bodyPr>
-          <a:lstStyle/>
-          <a:p>
-            <a:r>
-              <a:rPr lang="en-IN" sz="2000" dirty="0"/>
-              <a:t>Reasons for Churn:</a:t>
-            </a:r>
-          </a:p>
-          <a:p>
-            <a:pPr marL="285750" indent="-285750">
-              <a:buFont typeface="Arial" panose="020B0604020202020204" pitchFamily="34" charset="0"/>
-              <a:buChar char="•"/>
-            </a:pPr>
-            <a:r>
-              <a:rPr lang="en-US" sz="2000" dirty="0"/>
-              <a:t>No international plan , with Total_Charge &gt; $73.97 and day rate &gt; $0.17</a:t>
-            </a:r>
-          </a:p>
-          <a:p>
-            <a:pPr marL="285750" indent="-285750">
-              <a:buFont typeface="Arial" panose="020B0604020202020204" pitchFamily="34" charset="0"/>
-              <a:buChar char="•"/>
-            </a:pPr>
-            <a:r>
-              <a:rPr lang="en-US" sz="2000" dirty="0"/>
-              <a:t>International plan , with Total_Charge &lt;$73.97 &amp; total_intl_charge &gt; $3.535</a:t>
-            </a:r>
-            <a:endParaRPr lang="en-IN" sz="2000" dirty="0"/>
-          </a:p>
-        </p:txBody>
-      </p:sp>
-      <p:sp>
-        <p:nvSpPr>
-          <p:cNvPr id="7" name="TextBox 6">
-            <a:extLst>
-              <a:ext uri="{FF2B5EF4-FFF2-40B4-BE49-F238E27FC236}">
-                <a16:creationId xmlns:a16="http://schemas.microsoft.com/office/drawing/2014/main" id="{4F6C35BA-D9B0-4388-A4C3-E4C02ABDC808}"/>
-              </a:ext>
-            </a:extLst>
-          </p:cNvPr>
-          <p:cNvSpPr txBox="1"/>
-          <p:nvPr/>
-        </p:nvSpPr>
-        <p:spPr>
-          <a:xfrm>
-            <a:off x="6840476" y="4397620"/>
-            <a:ext cx="4654001" cy="2246769"/>
-          </a:xfrm>
-          <a:prstGeom prst="rect">
-            <a:avLst/>
-          </a:prstGeom>
-          <a:noFill/>
-        </p:spPr>
-        <p:txBody>
-          <a:bodyPr wrap="square" rtlCol="0">
-            <a:spAutoFit/>
-          </a:bodyPr>
-          <a:lstStyle/>
-          <a:p>
-            <a:r>
-              <a:rPr lang="en-IN" sz="2000" dirty="0"/>
-              <a:t>Recommendations:</a:t>
-            </a:r>
-          </a:p>
-          <a:p>
-            <a:pPr marL="285750" indent="-285750">
-              <a:buFont typeface="Arial" panose="020B0604020202020204" pitchFamily="34" charset="0"/>
-              <a:buChar char="•"/>
-            </a:pPr>
-            <a:r>
-              <a:rPr lang="en-US" sz="2000" dirty="0"/>
-              <a:t>Offer day calling discounts to customers with Total charge &gt; $73.97</a:t>
-            </a:r>
-          </a:p>
-          <a:p>
-            <a:pPr marL="285750" indent="-285750">
-              <a:buFont typeface="Arial" panose="020B0604020202020204" pitchFamily="34" charset="0"/>
-              <a:buChar char="•"/>
-            </a:pPr>
-            <a:r>
-              <a:rPr lang="en-US" sz="2000" dirty="0"/>
-              <a:t>Offer discounted international calling to Customers with total charge &lt; $73.97</a:t>
-            </a:r>
-            <a:endParaRPr lang="en-IN" sz="2000" dirty="0"/>
-          </a:p>
-        </p:txBody>
-      </p:sp>
+          <p:cNvGraphicFramePr>
+            <a:graphicFrameLocks noGrp="1"/>
+          </p:cNvGraphicFramePr>
+          <p:nvPr>
+            <p:extLst>
+              <p:ext uri="{D42A27DB-BD31-4B8C-83A1-F6EECF244321}">
+                <p14:modId xmlns:p14="http://schemas.microsoft.com/office/powerpoint/2010/main" val="3011192963"/>
+              </p:ext>
+            </p:extLst>
+          </p:nvPr>
+        </p:nvGraphicFramePr>
+        <p:xfrm>
+          <a:off x="1144233" y="4316658"/>
+          <a:ext cx="8186196" cy="1992111"/>
+        </p:xfrm>
+        <a:graphic>
+          <a:graphicData uri="http://schemas.openxmlformats.org/drawingml/2006/table">
+            <a:tbl>
+              <a:tblPr firstRow="1" bandRow="1">
+                <a:tableStyleId>{5C22544A-7EE6-4342-B048-85BDC9FD1C3A}</a:tableStyleId>
+              </a:tblPr>
+              <a:tblGrid>
+                <a:gridCol w="4093098">
+                  <a:extLst>
+                    <a:ext uri="{9D8B030D-6E8A-4147-A177-3AD203B41FA5}">
+                      <a16:colId xmlns:a16="http://schemas.microsoft.com/office/drawing/2014/main" val="125437683"/>
+                    </a:ext>
+                  </a:extLst>
+                </a:gridCol>
+                <a:gridCol w="4093098">
+                  <a:extLst>
+                    <a:ext uri="{9D8B030D-6E8A-4147-A177-3AD203B41FA5}">
+                      <a16:colId xmlns:a16="http://schemas.microsoft.com/office/drawing/2014/main" val="578965654"/>
+                    </a:ext>
+                  </a:extLst>
+                </a:gridCol>
+              </a:tblGrid>
+              <a:tr h="318351">
+                <a:tc>
+                  <a:txBody>
+                    <a:bodyPr/>
+                    <a:lstStyle/>
+                    <a:p>
+                      <a:pPr marL="0" marR="0" lvl="0" indent="0" algn="l" defTabSz="457200" rtl="0" eaLnBrk="1" fontAlgn="auto" latinLnBrk="0" hangingPunct="1">
+                        <a:lnSpc>
+                          <a:spcPct val="100000"/>
+                        </a:lnSpc>
+                        <a:spcBef>
+                          <a:spcPts val="0"/>
+                        </a:spcBef>
+                        <a:spcAft>
+                          <a:spcPts val="0"/>
+                        </a:spcAft>
+                        <a:buClrTx/>
+                        <a:buSzTx/>
+                        <a:buFontTx/>
+                        <a:buNone/>
+                        <a:tabLst/>
+                        <a:defRPr/>
+                      </a:pPr>
+                      <a:r>
+                        <a:rPr lang="en-IN" dirty="0"/>
+                        <a:t>Customer Churn category</a:t>
+                      </a:r>
+                    </a:p>
+                  </a:txBody>
+                  <a:tcPr/>
+                </a:tc>
+                <a:tc>
+                  <a:txBody>
+                    <a:bodyPr/>
+                    <a:lstStyle/>
+                    <a:p>
+                      <a:pPr marL="0" marR="0" lvl="0" indent="0" algn="l" defTabSz="457200" rtl="0" eaLnBrk="1" fontAlgn="auto" latinLnBrk="0" hangingPunct="1">
+                        <a:lnSpc>
+                          <a:spcPct val="100000"/>
+                        </a:lnSpc>
+                        <a:spcBef>
+                          <a:spcPts val="0"/>
+                        </a:spcBef>
+                        <a:spcAft>
+                          <a:spcPts val="0"/>
+                        </a:spcAft>
+                        <a:buClrTx/>
+                        <a:buSzTx/>
+                        <a:buFontTx/>
+                        <a:buNone/>
+                        <a:tabLst/>
+                        <a:defRPr/>
+                      </a:pPr>
+                      <a:r>
+                        <a:rPr lang="en-IN" dirty="0"/>
+                        <a:t>Recommendation</a:t>
+                      </a:r>
+                    </a:p>
+                  </a:txBody>
+                  <a:tcPr/>
+                </a:tc>
+                <a:extLst>
+                  <a:ext uri="{0D108BD9-81ED-4DB2-BD59-A6C34878D82A}">
+                    <a16:rowId xmlns:a16="http://schemas.microsoft.com/office/drawing/2014/main" val="3635151098"/>
+                  </a:ext>
+                </a:extLst>
+              </a:tr>
+              <a:tr h="688572">
+                <a:tc>
+                  <a:txBody>
+                    <a:bodyPr/>
+                    <a:lstStyle/>
+                    <a:p>
+                      <a:pPr marL="0" marR="0" lvl="0" indent="0" algn="l" defTabSz="457200" rtl="0" eaLnBrk="1" fontAlgn="auto" latinLnBrk="0" hangingPunct="1">
+                        <a:lnSpc>
+                          <a:spcPct val="100000"/>
+                        </a:lnSpc>
+                        <a:spcBef>
+                          <a:spcPts val="0"/>
+                        </a:spcBef>
+                        <a:spcAft>
+                          <a:spcPts val="0"/>
+                        </a:spcAft>
+                        <a:buClrTx/>
+                        <a:buSzTx/>
+                        <a:buFontTx/>
+                        <a:buNone/>
+                        <a:tabLst/>
+                        <a:defRPr/>
+                      </a:pPr>
+                      <a:r>
+                        <a:rPr lang="en-US" sz="1600" dirty="0"/>
+                        <a:t>With no international plan ,Total_Charge &gt; $73.97 and day rate &gt; $0.17</a:t>
+                      </a:r>
+                      <a:endParaRPr lang="en-IN" dirty="0"/>
+                    </a:p>
+                  </a:txBody>
+                  <a:tcPr/>
+                </a:tc>
+                <a:tc>
+                  <a:txBody>
+                    <a:bodyPr/>
+                    <a:lstStyle/>
+                    <a:p>
+                      <a:pPr marL="0" marR="0" lvl="0" indent="0" algn="l" defTabSz="457200" rtl="0" eaLnBrk="1" fontAlgn="auto" latinLnBrk="0" hangingPunct="1">
+                        <a:lnSpc>
+                          <a:spcPct val="100000"/>
+                        </a:lnSpc>
+                        <a:spcBef>
+                          <a:spcPts val="0"/>
+                        </a:spcBef>
+                        <a:spcAft>
+                          <a:spcPts val="0"/>
+                        </a:spcAft>
+                        <a:buClrTx/>
+                        <a:buSzTx/>
+                        <a:buFontTx/>
+                        <a:buNone/>
+                        <a:tabLst/>
+                        <a:defRPr/>
+                      </a:pPr>
+                      <a:r>
+                        <a:rPr lang="en-US" sz="1600" dirty="0"/>
+                        <a:t>Offer day calling discounts to customers with Total charge &gt; $73.97</a:t>
+                      </a:r>
+                      <a:endParaRPr lang="en-IN" dirty="0"/>
+                    </a:p>
+                  </a:txBody>
+                  <a:tcPr/>
+                </a:tc>
+                <a:extLst>
+                  <a:ext uri="{0D108BD9-81ED-4DB2-BD59-A6C34878D82A}">
+                    <a16:rowId xmlns:a16="http://schemas.microsoft.com/office/drawing/2014/main" val="3933069249"/>
+                  </a:ext>
+                </a:extLst>
+              </a:tr>
+              <a:tr h="937779">
+                <a:tc>
+                  <a:txBody>
+                    <a:bodyPr/>
+                    <a:lstStyle/>
+                    <a:p>
+                      <a:pPr marL="0" marR="0" lvl="0" indent="0" algn="l" defTabSz="457200" rtl="0" eaLnBrk="1" fontAlgn="auto" latinLnBrk="0" hangingPunct="1">
+                        <a:lnSpc>
+                          <a:spcPct val="100000"/>
+                        </a:lnSpc>
+                        <a:spcBef>
+                          <a:spcPts val="0"/>
+                        </a:spcBef>
+                        <a:spcAft>
+                          <a:spcPts val="0"/>
+                        </a:spcAft>
+                        <a:buClrTx/>
+                        <a:buSzTx/>
+                        <a:buFontTx/>
+                        <a:buNone/>
+                        <a:tabLst/>
+                        <a:defRPr/>
+                      </a:pPr>
+                      <a:r>
+                        <a:rPr lang="en-US" sz="1600" dirty="0"/>
+                        <a:t>With international plan , with Total_Charge &lt;$73.97 &amp; total_intl_charge &gt; $3.535</a:t>
+                      </a:r>
+                      <a:endParaRPr lang="en-IN" dirty="0"/>
+                    </a:p>
+                  </a:txBody>
+                  <a:tcPr/>
+                </a:tc>
+                <a:tc>
+                  <a:txBody>
+                    <a:bodyPr/>
+                    <a:lstStyle/>
+                    <a:p>
+                      <a:pPr marL="0" marR="0" lvl="0" indent="0" algn="l" defTabSz="457200" rtl="0" eaLnBrk="1" fontAlgn="auto" latinLnBrk="0" hangingPunct="1">
+                        <a:lnSpc>
+                          <a:spcPct val="100000"/>
+                        </a:lnSpc>
+                        <a:spcBef>
+                          <a:spcPts val="0"/>
+                        </a:spcBef>
+                        <a:spcAft>
+                          <a:spcPts val="0"/>
+                        </a:spcAft>
+                        <a:buClrTx/>
+                        <a:buSzTx/>
+                        <a:buFontTx/>
+                        <a:buNone/>
+                        <a:tabLst/>
+                        <a:defRPr/>
+                      </a:pPr>
+                      <a:r>
+                        <a:rPr lang="en-US" sz="1600" dirty="0"/>
+                        <a:t>Offer discounted international calling to Customers with total charge &lt; $73.97</a:t>
+                      </a:r>
+                      <a:endParaRPr lang="en-IN" dirty="0"/>
+                    </a:p>
+                  </a:txBody>
+                  <a:tcPr/>
+                </a:tc>
+                <a:extLst>
+                  <a:ext uri="{0D108BD9-81ED-4DB2-BD59-A6C34878D82A}">
+                    <a16:rowId xmlns:a16="http://schemas.microsoft.com/office/drawing/2014/main" val="3554528622"/>
+                  </a:ext>
+                </a:extLst>
+              </a:tr>
+            </a:tbl>
+          </a:graphicData>
+        </a:graphic>
+      </p:graphicFrame>
     </p:spTree>
     <p:extLst>
       <p:ext uri="{BB962C8B-B14F-4D97-AF65-F5344CB8AC3E}">
@@ -11322,11 +12232,11 @@
           <a:p>
             <a:r>
               <a:rPr lang="en-IN" sz="4000" dirty="0"/>
-              <a:t>Segment</a:t>
+              <a:t>Cluster 2</a:t>
             </a:r>
             <a:r>
               <a:rPr lang="en-IN" sz="2800" dirty="0"/>
-              <a:t> 3 – Evening Users</a:t>
+              <a:t>– Evening Users</a:t>
             </a:r>
           </a:p>
         </p:txBody>
@@ -11391,119 +12301,261 @@
           </a:prstGeom>
         </p:spPr>
       </p:pic>
-      <p:sp>
-        <p:nvSpPr>
-          <p:cNvPr id="5" name="Rectangle 4">
+      <p:graphicFrame>
+        <p:nvGraphicFramePr>
+          <p:cNvPr id="7" name="Table 6">
             <a:extLst>
               <a:ext uri="{FF2B5EF4-FFF2-40B4-BE49-F238E27FC236}">
-                <a16:creationId xmlns:a16="http://schemas.microsoft.com/office/drawing/2014/main" id="{AFC09FD3-4E18-4FE8-B7D2-DFB149D036CB}"/>
+                <a16:creationId xmlns:a16="http://schemas.microsoft.com/office/drawing/2014/main" id="{583FA343-16B2-411F-BC08-7A0C9B9FEDF1}"/>
               </a:ext>
             </a:extLst>
           </p:cNvPr>
-          <p:cNvSpPr/>
-          <p:nvPr/>
-        </p:nvSpPr>
-        <p:spPr>
-          <a:xfrm>
-            <a:off x="447472" y="4530777"/>
-            <a:ext cx="5505856" cy="2215991"/>
-          </a:xfrm>
-          <a:prstGeom prst="rect">
-            <a:avLst/>
-          </a:prstGeom>
-        </p:spPr>
-        <p:txBody>
-          <a:bodyPr wrap="square">
-            <a:spAutoFit/>
-          </a:bodyPr>
-          <a:lstStyle/>
-          <a:p>
-            <a:r>
-              <a:rPr lang="en-US" sz="2000" dirty="0"/>
-              <a:t>Reasons for Churn:</a:t>
-            </a:r>
-          </a:p>
-          <a:p>
-            <a:pPr marL="285750" indent="-285750">
-              <a:buFont typeface="Arial" panose="020B0604020202020204" pitchFamily="34" charset="0"/>
-              <a:buChar char="•"/>
-            </a:pPr>
-            <a:r>
-              <a:rPr lang="en-US" sz="2000" dirty="0"/>
-              <a:t>Total charge greater than $74.23 with no Voicemail plan</a:t>
-            </a:r>
-          </a:p>
-          <a:p>
-            <a:pPr marL="285750" indent="-285750">
-              <a:buFont typeface="Arial" panose="020B0604020202020204" pitchFamily="34" charset="0"/>
-              <a:buChar char="•"/>
-            </a:pPr>
-            <a:r>
-              <a:rPr lang="en-US" sz="2000" dirty="0"/>
-              <a:t>Total charge less than $74.23 , having international plan  but having total_intl_minutes &gt; 13.0</a:t>
-            </a:r>
-          </a:p>
-          <a:p>
-            <a:endParaRPr lang="en-US" dirty="0"/>
-          </a:p>
-        </p:txBody>
-      </p:sp>
-      <p:sp>
-        <p:nvSpPr>
-          <p:cNvPr id="6" name="TextBox 5">
-            <a:extLst>
-              <a:ext uri="{FF2B5EF4-FFF2-40B4-BE49-F238E27FC236}">
-                <a16:creationId xmlns:a16="http://schemas.microsoft.com/office/drawing/2014/main" id="{8D3BFA6C-ACA9-4EA3-B3D9-10C99004262B}"/>
-              </a:ext>
-            </a:extLst>
-          </p:cNvPr>
-          <p:cNvSpPr txBox="1"/>
-          <p:nvPr/>
-        </p:nvSpPr>
-        <p:spPr>
-          <a:xfrm>
-            <a:off x="6594417" y="4530777"/>
-            <a:ext cx="4873558" cy="1631216"/>
-          </a:xfrm>
-          <a:prstGeom prst="rect">
-            <a:avLst/>
-          </a:prstGeom>
-          <a:noFill/>
-        </p:spPr>
-        <p:txBody>
-          <a:bodyPr wrap="square" rtlCol="0">
-            <a:spAutoFit/>
-          </a:bodyPr>
-          <a:lstStyle/>
-          <a:p>
-            <a:r>
-              <a:rPr lang="en-IN" sz="2000" dirty="0"/>
-              <a:t>Recommendations:</a:t>
-            </a:r>
-          </a:p>
-          <a:p>
-            <a:pPr marL="285750" indent="-285750">
-              <a:buFont typeface="Arial" panose="020B0604020202020204" pitchFamily="34" charset="0"/>
-              <a:buChar char="•"/>
-            </a:pPr>
-            <a:r>
-              <a:rPr lang="en-US" sz="2000" dirty="0"/>
-              <a:t>Offer discounted/free Voicemail plans for customers with Total Charge &gt; $74.23</a:t>
-            </a:r>
-          </a:p>
-          <a:p>
-            <a:pPr marL="285750" indent="-285750">
-              <a:buFont typeface="Arial" panose="020B0604020202020204" pitchFamily="34" charset="0"/>
-              <a:buChar char="•"/>
-            </a:pPr>
-            <a:r>
-              <a:rPr lang="en-US" sz="2000" dirty="0"/>
-              <a:t>Offer free long duration international calls for customers with Total Charge &lt; $74.23</a:t>
-            </a:r>
-            <a:endParaRPr lang="en-IN" sz="2000" dirty="0"/>
-          </a:p>
-        </p:txBody>
-      </p:sp>
+          <p:cNvGraphicFramePr>
+            <a:graphicFrameLocks noGrp="1"/>
+          </p:cNvGraphicFramePr>
+          <p:nvPr>
+            <p:extLst>
+              <p:ext uri="{D42A27DB-BD31-4B8C-83A1-F6EECF244321}">
+                <p14:modId xmlns:p14="http://schemas.microsoft.com/office/powerpoint/2010/main" val="6965300"/>
+              </p:ext>
+            </p:extLst>
+          </p:nvPr>
+        </p:nvGraphicFramePr>
+        <p:xfrm>
+          <a:off x="903196" y="4199891"/>
+          <a:ext cx="8128000" cy="1772920"/>
+        </p:xfrm>
+        <a:graphic>
+          <a:graphicData uri="http://schemas.openxmlformats.org/drawingml/2006/table">
+            <a:tbl>
+              <a:tblPr firstRow="1" bandRow="1">
+                <a:tableStyleId>{5C22544A-7EE6-4342-B048-85BDC9FD1C3A}</a:tableStyleId>
+              </a:tblPr>
+              <a:tblGrid>
+                <a:gridCol w="4064000">
+                  <a:extLst>
+                    <a:ext uri="{9D8B030D-6E8A-4147-A177-3AD203B41FA5}">
+                      <a16:colId xmlns:a16="http://schemas.microsoft.com/office/drawing/2014/main" val="2999383180"/>
+                    </a:ext>
+                  </a:extLst>
+                </a:gridCol>
+                <a:gridCol w="4064000">
+                  <a:extLst>
+                    <a:ext uri="{9D8B030D-6E8A-4147-A177-3AD203B41FA5}">
+                      <a16:colId xmlns:a16="http://schemas.microsoft.com/office/drawing/2014/main" val="2088706918"/>
+                    </a:ext>
+                  </a:extLst>
+                </a:gridCol>
+              </a:tblGrid>
+              <a:tr h="370840">
+                <a:tc>
+                  <a:txBody>
+                    <a:bodyPr/>
+                    <a:lstStyle/>
+                    <a:p>
+                      <a:pPr marL="0" marR="0" lvl="0" indent="0" algn="l" defTabSz="457200" rtl="0" eaLnBrk="1" fontAlgn="auto" latinLnBrk="0" hangingPunct="1">
+                        <a:lnSpc>
+                          <a:spcPct val="100000"/>
+                        </a:lnSpc>
+                        <a:spcBef>
+                          <a:spcPts val="0"/>
+                        </a:spcBef>
+                        <a:spcAft>
+                          <a:spcPts val="0"/>
+                        </a:spcAft>
+                        <a:buClrTx/>
+                        <a:buSzTx/>
+                        <a:buFontTx/>
+                        <a:buNone/>
+                        <a:tabLst/>
+                        <a:defRPr/>
+                      </a:pPr>
+                      <a:r>
+                        <a:rPr lang="en-IN" dirty="0"/>
+                        <a:t>Customer Churn category</a:t>
+                      </a:r>
+                    </a:p>
+                  </a:txBody>
+                  <a:tcPr/>
+                </a:tc>
+                <a:tc>
+                  <a:txBody>
+                    <a:bodyPr/>
+                    <a:lstStyle/>
+                    <a:p>
+                      <a:pPr marL="0" marR="0" lvl="0" indent="0" algn="l" defTabSz="457200" rtl="0" eaLnBrk="1" fontAlgn="auto" latinLnBrk="0" hangingPunct="1">
+                        <a:lnSpc>
+                          <a:spcPct val="100000"/>
+                        </a:lnSpc>
+                        <a:spcBef>
+                          <a:spcPts val="0"/>
+                        </a:spcBef>
+                        <a:spcAft>
+                          <a:spcPts val="0"/>
+                        </a:spcAft>
+                        <a:buClrTx/>
+                        <a:buSzTx/>
+                        <a:buFontTx/>
+                        <a:buNone/>
+                        <a:tabLst/>
+                        <a:defRPr/>
+                      </a:pPr>
+                      <a:r>
+                        <a:rPr lang="en-IN" sz="1800" dirty="0"/>
+                        <a:t>Recommendations</a:t>
+                      </a:r>
+                    </a:p>
+                  </a:txBody>
+                  <a:tcPr/>
+                </a:tc>
+                <a:extLst>
+                  <a:ext uri="{0D108BD9-81ED-4DB2-BD59-A6C34878D82A}">
+                    <a16:rowId xmlns:a16="http://schemas.microsoft.com/office/drawing/2014/main" val="500146872"/>
+                  </a:ext>
+                </a:extLst>
+              </a:tr>
+              <a:tr h="370840">
+                <a:tc>
+                  <a:txBody>
+                    <a:bodyPr/>
+                    <a:lstStyle/>
+                    <a:p>
+                      <a:pPr marL="0" marR="0" lvl="0" indent="0" algn="l" defTabSz="457200" rtl="0" eaLnBrk="1" fontAlgn="auto" latinLnBrk="0" hangingPunct="1">
+                        <a:lnSpc>
+                          <a:spcPct val="100000"/>
+                        </a:lnSpc>
+                        <a:spcBef>
+                          <a:spcPts val="0"/>
+                        </a:spcBef>
+                        <a:spcAft>
+                          <a:spcPts val="0"/>
+                        </a:spcAft>
+                        <a:buClrTx/>
+                        <a:buSzTx/>
+                        <a:buFontTx/>
+                        <a:buNone/>
+                        <a:tabLst/>
+                        <a:defRPr/>
+                      </a:pPr>
+                      <a:r>
+                        <a:rPr lang="en-US" sz="1600" dirty="0"/>
+                        <a:t>With Total charge greater than $74.23 and with no Voicemail plan</a:t>
+                      </a:r>
+                      <a:endParaRPr lang="en-IN" dirty="0"/>
+                    </a:p>
+                  </a:txBody>
+                  <a:tcPr/>
+                </a:tc>
+                <a:tc>
+                  <a:txBody>
+                    <a:bodyPr/>
+                    <a:lstStyle/>
+                    <a:p>
+                      <a:pPr marL="0" marR="0" lvl="0" indent="0" algn="l" defTabSz="457200" rtl="0" eaLnBrk="1" fontAlgn="auto" latinLnBrk="0" hangingPunct="1">
+                        <a:lnSpc>
+                          <a:spcPct val="100000"/>
+                        </a:lnSpc>
+                        <a:spcBef>
+                          <a:spcPts val="0"/>
+                        </a:spcBef>
+                        <a:spcAft>
+                          <a:spcPts val="0"/>
+                        </a:spcAft>
+                        <a:buClrTx/>
+                        <a:buSzTx/>
+                        <a:buFontTx/>
+                        <a:buNone/>
+                        <a:tabLst/>
+                        <a:defRPr/>
+                      </a:pPr>
+                      <a:r>
+                        <a:rPr lang="en-US" sz="1600" dirty="0"/>
+                        <a:t>Offer discounted/free Voicemail plans for customers with Total Charge &gt; $74.23</a:t>
+                      </a:r>
+                      <a:endParaRPr lang="en-IN" dirty="0"/>
+                    </a:p>
+                  </a:txBody>
+                  <a:tcPr/>
+                </a:tc>
+                <a:extLst>
+                  <a:ext uri="{0D108BD9-81ED-4DB2-BD59-A6C34878D82A}">
+                    <a16:rowId xmlns:a16="http://schemas.microsoft.com/office/drawing/2014/main" val="794590424"/>
+                  </a:ext>
+                </a:extLst>
+              </a:tr>
+              <a:tr h="370840">
+                <a:tc>
+                  <a:txBody>
+                    <a:bodyPr/>
+                    <a:lstStyle/>
+                    <a:p>
+                      <a:pPr marL="0" marR="0" lvl="0" indent="0" algn="l" defTabSz="457200" rtl="0" eaLnBrk="1" fontAlgn="auto" latinLnBrk="0" hangingPunct="1">
+                        <a:lnSpc>
+                          <a:spcPct val="100000"/>
+                        </a:lnSpc>
+                        <a:spcBef>
+                          <a:spcPts val="0"/>
+                        </a:spcBef>
+                        <a:spcAft>
+                          <a:spcPts val="0"/>
+                        </a:spcAft>
+                        <a:buClrTx/>
+                        <a:buSzTx/>
+                        <a:buFontTx/>
+                        <a:buNone/>
+                        <a:tabLst/>
+                        <a:defRPr/>
+                      </a:pPr>
+                      <a:r>
+                        <a:rPr lang="en-US" sz="1600" dirty="0"/>
+                        <a:t>With Total charge less than $74.23 , having international plan but having total  international minutes &gt; 13.0</a:t>
+                      </a:r>
+                      <a:endParaRPr lang="en-IN" dirty="0"/>
+                    </a:p>
+                  </a:txBody>
+                  <a:tcPr/>
+                </a:tc>
+                <a:tc>
+                  <a:txBody>
+                    <a:bodyPr/>
+                    <a:lstStyle/>
+                    <a:p>
+                      <a:pPr marL="0" marR="0" lvl="0" indent="0" algn="l" defTabSz="457200" rtl="0" eaLnBrk="1" fontAlgn="auto" latinLnBrk="0" hangingPunct="1">
+                        <a:lnSpc>
+                          <a:spcPct val="100000"/>
+                        </a:lnSpc>
+                        <a:spcBef>
+                          <a:spcPts val="0"/>
+                        </a:spcBef>
+                        <a:spcAft>
+                          <a:spcPts val="0"/>
+                        </a:spcAft>
+                        <a:buClrTx/>
+                        <a:buSzTx/>
+                        <a:buFontTx/>
+                        <a:buNone/>
+                        <a:tabLst/>
+                        <a:defRPr/>
+                      </a:pPr>
+                      <a:r>
+                        <a:rPr lang="en-US" sz="1600" dirty="0"/>
+                        <a:t>Offer free long duration international calls for customers with Total Charge &lt; $74.23</a:t>
+                      </a:r>
+                      <a:endParaRPr lang="en-IN" dirty="0"/>
+                    </a:p>
+                  </a:txBody>
+                  <a:tcPr/>
+                </a:tc>
+                <a:extLst>
+                  <a:ext uri="{0D108BD9-81ED-4DB2-BD59-A6C34878D82A}">
+                    <a16:rowId xmlns:a16="http://schemas.microsoft.com/office/drawing/2014/main" val="1588418422"/>
+                  </a:ext>
+                </a:extLst>
+              </a:tr>
+            </a:tbl>
+          </a:graphicData>
+        </a:graphic>
+      </p:graphicFrame>
     </p:spTree>
     <p:extLst>
       <p:ext uri="{BB962C8B-B14F-4D97-AF65-F5344CB8AC3E}">
